--- a/ppt/send-arp-test.pptx
+++ b/ppt/send-arp-test.pptx
@@ -1,19 +1,555 @@
 
 <file path=ppt/presentation.xml><?xml version="1.0" encoding="utf-8"?>
-<p:presentation xmlns:a="http://schemas.openxmlformats.org/drawingml/2006/main" xmlns:p="http://schemas.openxmlformats.org/presentationml/2006/main" xmlns:r="http://schemas.openxmlformats.org/officeDocument/2006/relationships" xmlns:p14="http://schemas.microsoft.com/office/powerpoint/2010/main" xmlns:p15="http://schemas.microsoft.com/office/powerpoint/2012/main" xmlns:mc="http://schemas.openxmlformats.org/markup-compatibility/2006">
+<p:presentation xmlns:a="http://schemas.openxmlformats.org/drawingml/2006/main" xmlns:r="http://schemas.openxmlformats.org/officeDocument/2006/relationships" xmlns:p="http://schemas.openxmlformats.org/presentationml/2006/main">
   <p:sldMasterIdLst>
-    <p:sldMasterId id="2147483648" r:id="rId2"/>
+    <p:sldMasterId id="2147483648" r:id="rId1"/>
   </p:sldMasterIdLst>
+  <p:notesMasterIdLst>
+    <p:notesMasterId r:id="rId3"/>
+  </p:notesMasterIdLst>
   <p:sldIdLst>
-    <p:sldId id="256" r:id="rId3"/>
+    <p:sldId id="256" r:id="rId2"/>
   </p:sldIdLst>
   <p:sldSz cx="10080625" cy="5670550"/>
   <p:notesSz cx="7772400" cy="10058400"/>
+  <p:defaultTextStyle>
+    <a:defPPr>
+      <a:defRPr lang="ko-KR"/>
+    </a:defPPr>
+    <a:lvl1pPr marL="0" algn="l" defTabSz="914400" rtl="0" eaLnBrk="1" latinLnBrk="1" hangingPunct="1">
+      <a:defRPr sz="1800" kern="1200">
+        <a:solidFill>
+          <a:schemeClr val="tx1"/>
+        </a:solidFill>
+        <a:latin typeface="+mn-lt"/>
+        <a:ea typeface="+mn-ea"/>
+        <a:cs typeface="+mn-cs"/>
+      </a:defRPr>
+    </a:lvl1pPr>
+    <a:lvl2pPr marL="457200" algn="l" defTabSz="914400" rtl="0" eaLnBrk="1" latinLnBrk="1" hangingPunct="1">
+      <a:defRPr sz="1800" kern="1200">
+        <a:solidFill>
+          <a:schemeClr val="tx1"/>
+        </a:solidFill>
+        <a:latin typeface="+mn-lt"/>
+        <a:ea typeface="+mn-ea"/>
+        <a:cs typeface="+mn-cs"/>
+      </a:defRPr>
+    </a:lvl2pPr>
+    <a:lvl3pPr marL="914400" algn="l" defTabSz="914400" rtl="0" eaLnBrk="1" latinLnBrk="1" hangingPunct="1">
+      <a:defRPr sz="1800" kern="1200">
+        <a:solidFill>
+          <a:schemeClr val="tx1"/>
+        </a:solidFill>
+        <a:latin typeface="+mn-lt"/>
+        <a:ea typeface="+mn-ea"/>
+        <a:cs typeface="+mn-cs"/>
+      </a:defRPr>
+    </a:lvl3pPr>
+    <a:lvl4pPr marL="1371600" algn="l" defTabSz="914400" rtl="0" eaLnBrk="1" latinLnBrk="1" hangingPunct="1">
+      <a:defRPr sz="1800" kern="1200">
+        <a:solidFill>
+          <a:schemeClr val="tx1"/>
+        </a:solidFill>
+        <a:latin typeface="+mn-lt"/>
+        <a:ea typeface="+mn-ea"/>
+        <a:cs typeface="+mn-cs"/>
+      </a:defRPr>
+    </a:lvl4pPr>
+    <a:lvl5pPr marL="1828800" algn="l" defTabSz="914400" rtl="0" eaLnBrk="1" latinLnBrk="1" hangingPunct="1">
+      <a:defRPr sz="1800" kern="1200">
+        <a:solidFill>
+          <a:schemeClr val="tx1"/>
+        </a:solidFill>
+        <a:latin typeface="+mn-lt"/>
+        <a:ea typeface="+mn-ea"/>
+        <a:cs typeface="+mn-cs"/>
+      </a:defRPr>
+    </a:lvl5pPr>
+    <a:lvl6pPr marL="2286000" algn="l" defTabSz="914400" rtl="0" eaLnBrk="1" latinLnBrk="1" hangingPunct="1">
+      <a:defRPr sz="1800" kern="1200">
+        <a:solidFill>
+          <a:schemeClr val="tx1"/>
+        </a:solidFill>
+        <a:latin typeface="+mn-lt"/>
+        <a:ea typeface="+mn-ea"/>
+        <a:cs typeface="+mn-cs"/>
+      </a:defRPr>
+    </a:lvl6pPr>
+    <a:lvl7pPr marL="2743200" algn="l" defTabSz="914400" rtl="0" eaLnBrk="1" latinLnBrk="1" hangingPunct="1">
+      <a:defRPr sz="1800" kern="1200">
+        <a:solidFill>
+          <a:schemeClr val="tx1"/>
+        </a:solidFill>
+        <a:latin typeface="+mn-lt"/>
+        <a:ea typeface="+mn-ea"/>
+        <a:cs typeface="+mn-cs"/>
+      </a:defRPr>
+    </a:lvl7pPr>
+    <a:lvl8pPr marL="3200400" algn="l" defTabSz="914400" rtl="0" eaLnBrk="1" latinLnBrk="1" hangingPunct="1">
+      <a:defRPr sz="1800" kern="1200">
+        <a:solidFill>
+          <a:schemeClr val="tx1"/>
+        </a:solidFill>
+        <a:latin typeface="+mn-lt"/>
+        <a:ea typeface="+mn-ea"/>
+        <a:cs typeface="+mn-cs"/>
+      </a:defRPr>
+    </a:lvl8pPr>
+    <a:lvl9pPr marL="3657600" algn="l" defTabSz="914400" rtl="0" eaLnBrk="1" latinLnBrk="1" hangingPunct="1">
+      <a:defRPr sz="1800" kern="1200">
+        <a:solidFill>
+          <a:schemeClr val="tx1"/>
+        </a:solidFill>
+        <a:latin typeface="+mn-lt"/>
+        <a:ea typeface="+mn-ea"/>
+        <a:cs typeface="+mn-cs"/>
+      </a:defRPr>
+    </a:lvl9pPr>
+  </p:defaultTextStyle>
+  <p:extLst>
+    <p:ext uri="{EFAFB233-063F-42B5-8137-9DF3F51BA10A}">
+      <p15:sldGuideLst xmlns:p15="http://schemas.microsoft.com/office/powerpoint/2012/main"/>
+    </p:ext>
+  </p:extLst>
 </p:presentation>
 </file>
 
+<file path=ppt/notesMasters/notesMaster1.xml><?xml version="1.0" encoding="utf-8"?>
+<p:notesMaster xmlns:a="http://schemas.openxmlformats.org/drawingml/2006/main" xmlns:r="http://schemas.openxmlformats.org/officeDocument/2006/relationships" xmlns:p="http://schemas.openxmlformats.org/presentationml/2006/main">
+  <p:cSld>
+    <p:bg>
+      <p:bgRef idx="1001">
+        <a:schemeClr val="bg1"/>
+      </p:bgRef>
+    </p:bg>
+    <p:spTree>
+      <p:nvGrpSpPr>
+        <p:cNvPr id="1" name=""/>
+        <p:cNvGrpSpPr/>
+        <p:nvPr/>
+      </p:nvGrpSpPr>
+      <p:grpSpPr>
+        <a:xfrm>
+          <a:off x="0" y="0"/>
+          <a:ext cx="0" cy="0"/>
+          <a:chOff x="0" y="0"/>
+          <a:chExt cx="0" cy="0"/>
+        </a:xfrm>
+      </p:grpSpPr>
+      <p:sp>
+        <p:nvSpPr>
+          <p:cNvPr id="2" name="머리글 개체 틀 1"/>
+          <p:cNvSpPr>
+            <a:spLocks noGrp="1"/>
+          </p:cNvSpPr>
+          <p:nvPr>
+            <p:ph type="hdr" sz="quarter"/>
+          </p:nvPr>
+        </p:nvSpPr>
+        <p:spPr>
+          <a:xfrm>
+            <a:off x="0" y="0"/>
+            <a:ext cx="3368675" cy="504825"/>
+          </a:xfrm>
+          <a:prstGeom prst="rect">
+            <a:avLst/>
+          </a:prstGeom>
+        </p:spPr>
+        <p:txBody>
+          <a:bodyPr vert="horz" lIns="91440" tIns="45720" rIns="91440" bIns="45720" rtlCol="0"/>
+          <a:lstStyle>
+            <a:lvl1pPr algn="l">
+              <a:defRPr sz="1200"/>
+            </a:lvl1pPr>
+          </a:lstStyle>
+          <a:p>
+            <a:endParaRPr lang="ko-KR" altLang="en-US"/>
+          </a:p>
+        </p:txBody>
+      </p:sp>
+      <p:sp>
+        <p:nvSpPr>
+          <p:cNvPr id="3" name="날짜 개체 틀 2"/>
+          <p:cNvSpPr>
+            <a:spLocks noGrp="1"/>
+          </p:cNvSpPr>
+          <p:nvPr>
+            <p:ph type="dt" idx="1"/>
+          </p:nvPr>
+        </p:nvSpPr>
+        <p:spPr>
+          <a:xfrm>
+            <a:off x="4402138" y="0"/>
+            <a:ext cx="3368675" cy="504825"/>
+          </a:xfrm>
+          <a:prstGeom prst="rect">
+            <a:avLst/>
+          </a:prstGeom>
+        </p:spPr>
+        <p:txBody>
+          <a:bodyPr vert="horz" lIns="91440" tIns="45720" rIns="91440" bIns="45720" rtlCol="0"/>
+          <a:lstStyle>
+            <a:lvl1pPr algn="r">
+              <a:defRPr sz="1200"/>
+            </a:lvl1pPr>
+          </a:lstStyle>
+          <a:p>
+            <a:fld id="{719FC177-B37E-42B7-A8EA-07173F6DC56B}" type="datetimeFigureOut">
+              <a:rPr lang="ko-KR" altLang="en-US" smtClean="0"/>
+              <a:t>2020-08-04</a:t>
+            </a:fld>
+            <a:endParaRPr lang="ko-KR" altLang="en-US"/>
+          </a:p>
+        </p:txBody>
+      </p:sp>
+      <p:sp>
+        <p:nvSpPr>
+          <p:cNvPr id="4" name="슬라이드 이미지 개체 틀 3"/>
+          <p:cNvSpPr>
+            <a:spLocks noGrp="1" noRot="1" noChangeAspect="1"/>
+          </p:cNvSpPr>
+          <p:nvPr>
+            <p:ph type="sldImg" idx="2"/>
+          </p:nvPr>
+        </p:nvSpPr>
+        <p:spPr>
+          <a:xfrm>
+            <a:off x="869950" y="1257300"/>
+            <a:ext cx="6032500" cy="3394075"/>
+          </a:xfrm>
+          <a:prstGeom prst="rect">
+            <a:avLst/>
+          </a:prstGeom>
+          <a:noFill/>
+          <a:ln w="12700">
+            <a:solidFill>
+              <a:prstClr val="black"/>
+            </a:solidFill>
+          </a:ln>
+        </p:spPr>
+        <p:txBody>
+          <a:bodyPr vert="horz" lIns="91440" tIns="45720" rIns="91440" bIns="45720" rtlCol="0" anchor="ctr"/>
+          <a:lstStyle/>
+          <a:p>
+            <a:endParaRPr lang="ko-KR" altLang="en-US"/>
+          </a:p>
+        </p:txBody>
+      </p:sp>
+      <p:sp>
+        <p:nvSpPr>
+          <p:cNvPr id="5" name="슬라이드 노트 개체 틀 4"/>
+          <p:cNvSpPr>
+            <a:spLocks noGrp="1"/>
+          </p:cNvSpPr>
+          <p:nvPr>
+            <p:ph type="body" sz="quarter" idx="3"/>
+          </p:nvPr>
+        </p:nvSpPr>
+        <p:spPr>
+          <a:xfrm>
+            <a:off x="777875" y="4840288"/>
+            <a:ext cx="6216650" cy="3960812"/>
+          </a:xfrm>
+          <a:prstGeom prst="rect">
+            <a:avLst/>
+          </a:prstGeom>
+        </p:spPr>
+        <p:txBody>
+          <a:bodyPr vert="horz" lIns="91440" tIns="45720" rIns="91440" bIns="45720" rtlCol="0"/>
+          <a:lstStyle/>
+          <a:p>
+            <a:pPr lvl="0"/>
+            <a:r>
+              <a:rPr lang="ko-KR" altLang="en-US"/>
+              <a:t>마스터 텍스트 스타일을 편집하려면 클릭</a:t>
+            </a:r>
+          </a:p>
+          <a:p>
+            <a:pPr lvl="1"/>
+            <a:r>
+              <a:rPr lang="ko-KR" altLang="en-US"/>
+              <a:t>두 번째 수준</a:t>
+            </a:r>
+          </a:p>
+          <a:p>
+            <a:pPr lvl="2"/>
+            <a:r>
+              <a:rPr lang="ko-KR" altLang="en-US"/>
+              <a:t>세 번째 수준</a:t>
+            </a:r>
+          </a:p>
+          <a:p>
+            <a:pPr lvl="3"/>
+            <a:r>
+              <a:rPr lang="ko-KR" altLang="en-US"/>
+              <a:t>네 번째 수준</a:t>
+            </a:r>
+          </a:p>
+          <a:p>
+            <a:pPr lvl="4"/>
+            <a:r>
+              <a:rPr lang="ko-KR" altLang="en-US"/>
+              <a:t>다섯 번째 수준</a:t>
+            </a:r>
+          </a:p>
+        </p:txBody>
+      </p:sp>
+      <p:sp>
+        <p:nvSpPr>
+          <p:cNvPr id="6" name="바닥글 개체 틀 5"/>
+          <p:cNvSpPr>
+            <a:spLocks noGrp="1"/>
+          </p:cNvSpPr>
+          <p:nvPr>
+            <p:ph type="ftr" sz="quarter" idx="4"/>
+          </p:nvPr>
+        </p:nvSpPr>
+        <p:spPr>
+          <a:xfrm>
+            <a:off x="0" y="9553575"/>
+            <a:ext cx="3368675" cy="504825"/>
+          </a:xfrm>
+          <a:prstGeom prst="rect">
+            <a:avLst/>
+          </a:prstGeom>
+        </p:spPr>
+        <p:txBody>
+          <a:bodyPr vert="horz" lIns="91440" tIns="45720" rIns="91440" bIns="45720" rtlCol="0" anchor="b"/>
+          <a:lstStyle>
+            <a:lvl1pPr algn="l">
+              <a:defRPr sz="1200"/>
+            </a:lvl1pPr>
+          </a:lstStyle>
+          <a:p>
+            <a:endParaRPr lang="ko-KR" altLang="en-US"/>
+          </a:p>
+        </p:txBody>
+      </p:sp>
+      <p:sp>
+        <p:nvSpPr>
+          <p:cNvPr id="7" name="슬라이드 번호 개체 틀 6"/>
+          <p:cNvSpPr>
+            <a:spLocks noGrp="1"/>
+          </p:cNvSpPr>
+          <p:nvPr>
+            <p:ph type="sldNum" sz="quarter" idx="5"/>
+          </p:nvPr>
+        </p:nvSpPr>
+        <p:spPr>
+          <a:xfrm>
+            <a:off x="4402138" y="9553575"/>
+            <a:ext cx="3368675" cy="504825"/>
+          </a:xfrm>
+          <a:prstGeom prst="rect">
+            <a:avLst/>
+          </a:prstGeom>
+        </p:spPr>
+        <p:txBody>
+          <a:bodyPr vert="horz" lIns="91440" tIns="45720" rIns="91440" bIns="45720" rtlCol="0" anchor="b"/>
+          <a:lstStyle>
+            <a:lvl1pPr algn="r">
+              <a:defRPr sz="1200"/>
+            </a:lvl1pPr>
+          </a:lstStyle>
+          <a:p>
+            <a:fld id="{94432CCA-50F6-4309-AB42-30F778559024}" type="slidenum">
+              <a:rPr lang="ko-KR" altLang="en-US" smtClean="0"/>
+              <a:t>‹#›</a:t>
+            </a:fld>
+            <a:endParaRPr lang="ko-KR" altLang="en-US"/>
+          </a:p>
+        </p:txBody>
+      </p:sp>
+    </p:spTree>
+    <p:extLst>
+      <p:ext uri="{BB962C8B-B14F-4D97-AF65-F5344CB8AC3E}">
+        <p14:creationId xmlns:p14="http://schemas.microsoft.com/office/powerpoint/2010/main" val="4030794807"/>
+      </p:ext>
+    </p:extLst>
+  </p:cSld>
+  <p:clrMap bg1="lt1" tx1="dk1" bg2="lt2" tx2="dk2" accent1="accent1" accent2="accent2" accent3="accent3" accent4="accent4" accent5="accent5" accent6="accent6" hlink="hlink" folHlink="folHlink"/>
+  <p:notesStyle>
+    <a:lvl1pPr marL="0" algn="l" defTabSz="914400" rtl="0" eaLnBrk="1" latinLnBrk="1" hangingPunct="1">
+      <a:defRPr sz="1200" kern="1200">
+        <a:solidFill>
+          <a:schemeClr val="tx1"/>
+        </a:solidFill>
+        <a:latin typeface="+mn-lt"/>
+        <a:ea typeface="+mn-ea"/>
+        <a:cs typeface="+mn-cs"/>
+      </a:defRPr>
+    </a:lvl1pPr>
+    <a:lvl2pPr marL="457200" algn="l" defTabSz="914400" rtl="0" eaLnBrk="1" latinLnBrk="1" hangingPunct="1">
+      <a:defRPr sz="1200" kern="1200">
+        <a:solidFill>
+          <a:schemeClr val="tx1"/>
+        </a:solidFill>
+        <a:latin typeface="+mn-lt"/>
+        <a:ea typeface="+mn-ea"/>
+        <a:cs typeface="+mn-cs"/>
+      </a:defRPr>
+    </a:lvl2pPr>
+    <a:lvl3pPr marL="914400" algn="l" defTabSz="914400" rtl="0" eaLnBrk="1" latinLnBrk="1" hangingPunct="1">
+      <a:defRPr sz="1200" kern="1200">
+        <a:solidFill>
+          <a:schemeClr val="tx1"/>
+        </a:solidFill>
+        <a:latin typeface="+mn-lt"/>
+        <a:ea typeface="+mn-ea"/>
+        <a:cs typeface="+mn-cs"/>
+      </a:defRPr>
+    </a:lvl3pPr>
+    <a:lvl4pPr marL="1371600" algn="l" defTabSz="914400" rtl="0" eaLnBrk="1" latinLnBrk="1" hangingPunct="1">
+      <a:defRPr sz="1200" kern="1200">
+        <a:solidFill>
+          <a:schemeClr val="tx1"/>
+        </a:solidFill>
+        <a:latin typeface="+mn-lt"/>
+        <a:ea typeface="+mn-ea"/>
+        <a:cs typeface="+mn-cs"/>
+      </a:defRPr>
+    </a:lvl4pPr>
+    <a:lvl5pPr marL="1828800" algn="l" defTabSz="914400" rtl="0" eaLnBrk="1" latinLnBrk="1" hangingPunct="1">
+      <a:defRPr sz="1200" kern="1200">
+        <a:solidFill>
+          <a:schemeClr val="tx1"/>
+        </a:solidFill>
+        <a:latin typeface="+mn-lt"/>
+        <a:ea typeface="+mn-ea"/>
+        <a:cs typeface="+mn-cs"/>
+      </a:defRPr>
+    </a:lvl5pPr>
+    <a:lvl6pPr marL="2286000" algn="l" defTabSz="914400" rtl="0" eaLnBrk="1" latinLnBrk="1" hangingPunct="1">
+      <a:defRPr sz="1200" kern="1200">
+        <a:solidFill>
+          <a:schemeClr val="tx1"/>
+        </a:solidFill>
+        <a:latin typeface="+mn-lt"/>
+        <a:ea typeface="+mn-ea"/>
+        <a:cs typeface="+mn-cs"/>
+      </a:defRPr>
+    </a:lvl6pPr>
+    <a:lvl7pPr marL="2743200" algn="l" defTabSz="914400" rtl="0" eaLnBrk="1" latinLnBrk="1" hangingPunct="1">
+      <a:defRPr sz="1200" kern="1200">
+        <a:solidFill>
+          <a:schemeClr val="tx1"/>
+        </a:solidFill>
+        <a:latin typeface="+mn-lt"/>
+        <a:ea typeface="+mn-ea"/>
+        <a:cs typeface="+mn-cs"/>
+      </a:defRPr>
+    </a:lvl7pPr>
+    <a:lvl8pPr marL="3200400" algn="l" defTabSz="914400" rtl="0" eaLnBrk="1" latinLnBrk="1" hangingPunct="1">
+      <a:defRPr sz="1200" kern="1200">
+        <a:solidFill>
+          <a:schemeClr val="tx1"/>
+        </a:solidFill>
+        <a:latin typeface="+mn-lt"/>
+        <a:ea typeface="+mn-ea"/>
+        <a:cs typeface="+mn-cs"/>
+      </a:defRPr>
+    </a:lvl8pPr>
+    <a:lvl9pPr marL="3657600" algn="l" defTabSz="914400" rtl="0" eaLnBrk="1" latinLnBrk="1" hangingPunct="1">
+      <a:defRPr sz="1200" kern="1200">
+        <a:solidFill>
+          <a:schemeClr val="tx1"/>
+        </a:solidFill>
+        <a:latin typeface="+mn-lt"/>
+        <a:ea typeface="+mn-ea"/>
+        <a:cs typeface="+mn-cs"/>
+      </a:defRPr>
+    </a:lvl9pPr>
+  </p:notesStyle>
+</p:notesMaster>
+</file>
+
+<file path=ppt/notesSlides/notesSlide1.xml><?xml version="1.0" encoding="utf-8"?>
+<p:notes xmlns:a="http://schemas.openxmlformats.org/drawingml/2006/main" xmlns:r="http://schemas.openxmlformats.org/officeDocument/2006/relationships" xmlns:p="http://schemas.openxmlformats.org/presentationml/2006/main">
+  <p:cSld>
+    <p:spTree>
+      <p:nvGrpSpPr>
+        <p:cNvPr id="1" name=""/>
+        <p:cNvGrpSpPr/>
+        <p:nvPr/>
+      </p:nvGrpSpPr>
+      <p:grpSpPr>
+        <a:xfrm>
+          <a:off x="0" y="0"/>
+          <a:ext cx="0" cy="0"/>
+          <a:chOff x="0" y="0"/>
+          <a:chExt cx="0" cy="0"/>
+        </a:xfrm>
+      </p:grpSpPr>
+      <p:sp>
+        <p:nvSpPr>
+          <p:cNvPr id="2" name="슬라이드 이미지 개체 틀 1"/>
+          <p:cNvSpPr>
+            <a:spLocks noGrp="1" noRot="1" noChangeAspect="1"/>
+          </p:cNvSpPr>
+          <p:nvPr>
+            <p:ph type="sldImg"/>
+          </p:nvPr>
+        </p:nvSpPr>
+        <p:spPr/>
+      </p:sp>
+      <p:sp>
+        <p:nvSpPr>
+          <p:cNvPr id="3" name="슬라이드 노트 개체 틀 2"/>
+          <p:cNvSpPr>
+            <a:spLocks noGrp="1"/>
+          </p:cNvSpPr>
+          <p:nvPr>
+            <p:ph type="body" idx="1"/>
+          </p:nvPr>
+        </p:nvSpPr>
+        <p:spPr/>
+        <p:txBody>
+          <a:bodyPr/>
+          <a:lstStyle/>
+          <a:p>
+            <a:endParaRPr lang="ko-KR" altLang="en-US" dirty="0"/>
+          </a:p>
+        </p:txBody>
+      </p:sp>
+      <p:sp>
+        <p:nvSpPr>
+          <p:cNvPr id="4" name="슬라이드 번호 개체 틀 3"/>
+          <p:cNvSpPr>
+            <a:spLocks noGrp="1"/>
+          </p:cNvSpPr>
+          <p:nvPr>
+            <p:ph type="sldNum" sz="quarter" idx="5"/>
+          </p:nvPr>
+        </p:nvSpPr>
+        <p:spPr/>
+        <p:txBody>
+          <a:bodyPr/>
+          <a:lstStyle/>
+          <a:p>
+            <a:fld id="{94432CCA-50F6-4309-AB42-30F778559024}" type="slidenum">
+              <a:rPr lang="ko-KR" altLang="en-US" smtClean="0"/>
+              <a:t>1</a:t>
+            </a:fld>
+            <a:endParaRPr lang="ko-KR" altLang="en-US"/>
+          </a:p>
+        </p:txBody>
+      </p:sp>
+    </p:spTree>
+    <p:extLst>
+      <p:ext uri="{BB962C8B-B14F-4D97-AF65-F5344CB8AC3E}">
+        <p14:creationId xmlns:p14="http://schemas.microsoft.com/office/powerpoint/2010/main" val="3433369782"/>
+      </p:ext>
+    </p:extLst>
+  </p:cSld>
+  <p:clrMapOvr>
+    <a:masterClrMapping/>
+  </p:clrMapOvr>
+</p:notes>
+</file>
+
 <file path=ppt/slideLayouts/slideLayout1.xml><?xml version="1.0" encoding="utf-8"?>
-<p:sldLayout xmlns:a="http://schemas.openxmlformats.org/drawingml/2006/main" xmlns:p="http://schemas.openxmlformats.org/presentationml/2006/main" xmlns:r="http://schemas.openxmlformats.org/officeDocument/2006/relationships" xmlns:p14="http://schemas.microsoft.com/office/powerpoint/2010/main" xmlns:p15="http://schemas.microsoft.com/office/powerpoint/2012/main" xmlns:mc="http://schemas.openxmlformats.org/markup-compatibility/2006" type="blank" preserve="1">
+<p:sldLayout xmlns:a="http://schemas.openxmlformats.org/drawingml/2006/main" xmlns:r="http://schemas.openxmlformats.org/officeDocument/2006/relationships" xmlns:p="http://schemas.openxmlformats.org/presentationml/2006/main" type="blank" preserve="1">
   <p:cSld name="Blank Slide">
     <p:spTree>
       <p:nvGrpSpPr>
@@ -31,11 +567,14 @@
       </p:grpSpPr>
     </p:spTree>
   </p:cSld>
+  <p:clrMapOvr>
+    <a:masterClrMapping/>
+  </p:clrMapOvr>
 </p:sldLayout>
 </file>
 
 <file path=ppt/slideLayouts/slideLayout10.xml><?xml version="1.0" encoding="utf-8"?>
-<p:sldLayout xmlns:a="http://schemas.openxmlformats.org/drawingml/2006/main" xmlns:p="http://schemas.openxmlformats.org/presentationml/2006/main" xmlns:r="http://schemas.openxmlformats.org/officeDocument/2006/relationships" xmlns:p14="http://schemas.microsoft.com/office/powerpoint/2010/main" xmlns:p15="http://schemas.microsoft.com/office/powerpoint/2012/main" xmlns:mc="http://schemas.openxmlformats.org/markup-compatibility/2006" type="objOverTx" preserve="1">
+<p:sldLayout xmlns:a="http://schemas.openxmlformats.org/drawingml/2006/main" xmlns:r="http://schemas.openxmlformats.org/officeDocument/2006/relationships" xmlns:p="http://schemas.openxmlformats.org/presentationml/2006/main" type="objOverTx" preserve="1">
   <p:cSld name="Title, Content over Content">
     <p:spTree>
       <p:nvGrpSpPr>
@@ -71,12 +610,13 @@
           </a:prstGeom>
         </p:spPr>
         <p:txBody>
-          <a:bodyPr lIns="0" rIns="0" tIns="0" bIns="0" anchor="ctr">
+          <a:bodyPr lIns="0" tIns="0" rIns="0" bIns="0" anchor="ctr">
             <a:noAutofit/>
           </a:bodyPr>
+          <a:lstStyle/>
           <a:p>
             <a:pPr algn="ctr"/>
-            <a:endParaRPr b="0" lang="en-US" sz="4400" spc="-1" strike="noStrike">
+            <a:endParaRPr lang="en-US" sz="4400" b="0" strike="noStrike" spc="-1">
               <a:latin typeface="Arial"/>
             </a:endParaRPr>
           </a:p>
@@ -102,11 +642,12 @@
           </a:prstGeom>
         </p:spPr>
         <p:txBody>
-          <a:bodyPr lIns="0" rIns="0" tIns="0" bIns="0">
+          <a:bodyPr lIns="0" tIns="0" rIns="0" bIns="0">
             <a:normAutofit/>
           </a:bodyPr>
-          <a:p>
-            <a:endParaRPr b="0" lang="en-US" sz="3200" spc="-1" strike="noStrike">
+          <a:lstStyle/>
+          <a:p>
+            <a:endParaRPr lang="en-US" sz="3200" b="0" strike="noStrike" spc="-1">
               <a:latin typeface="Arial"/>
             </a:endParaRPr>
           </a:p>
@@ -132,11 +673,12 @@
           </a:prstGeom>
         </p:spPr>
         <p:txBody>
-          <a:bodyPr lIns="0" rIns="0" tIns="0" bIns="0">
+          <a:bodyPr lIns="0" tIns="0" rIns="0" bIns="0">
             <a:normAutofit/>
           </a:bodyPr>
-          <a:p>
-            <a:endParaRPr b="0" lang="en-US" sz="3200" spc="-1" strike="noStrike">
+          <a:lstStyle/>
+          <a:p>
+            <a:endParaRPr lang="en-US" sz="3200" b="0" strike="noStrike" spc="-1">
               <a:latin typeface="Arial"/>
             </a:endParaRPr>
           </a:p>
@@ -144,11 +686,14 @@
       </p:sp>
     </p:spTree>
   </p:cSld>
+  <p:clrMapOvr>
+    <a:masterClrMapping/>
+  </p:clrMapOvr>
 </p:sldLayout>
 </file>
 
 <file path=ppt/slideLayouts/slideLayout11.xml><?xml version="1.0" encoding="utf-8"?>
-<p:sldLayout xmlns:a="http://schemas.openxmlformats.org/drawingml/2006/main" xmlns:p="http://schemas.openxmlformats.org/presentationml/2006/main" xmlns:r="http://schemas.openxmlformats.org/officeDocument/2006/relationships" xmlns:p14="http://schemas.microsoft.com/office/powerpoint/2010/main" xmlns:p15="http://schemas.microsoft.com/office/powerpoint/2012/main" xmlns:mc="http://schemas.openxmlformats.org/markup-compatibility/2006" type="fourObj" preserve="1">
+<p:sldLayout xmlns:a="http://schemas.openxmlformats.org/drawingml/2006/main" xmlns:r="http://schemas.openxmlformats.org/officeDocument/2006/relationships" xmlns:p="http://schemas.openxmlformats.org/presentationml/2006/main" type="fourObj" preserve="1">
   <p:cSld name="Title, 4 Content">
     <p:spTree>
       <p:nvGrpSpPr>
@@ -184,12 +729,13 @@
           </a:prstGeom>
         </p:spPr>
         <p:txBody>
-          <a:bodyPr lIns="0" rIns="0" tIns="0" bIns="0" anchor="ctr">
+          <a:bodyPr lIns="0" tIns="0" rIns="0" bIns="0" anchor="ctr">
             <a:noAutofit/>
           </a:bodyPr>
+          <a:lstStyle/>
           <a:p>
             <a:pPr algn="ctr"/>
-            <a:endParaRPr b="0" lang="en-US" sz="4400" spc="-1" strike="noStrike">
+            <a:endParaRPr lang="en-US" sz="4400" b="0" strike="noStrike" spc="-1">
               <a:latin typeface="Arial"/>
             </a:endParaRPr>
           </a:p>
@@ -215,11 +761,12 @@
           </a:prstGeom>
         </p:spPr>
         <p:txBody>
-          <a:bodyPr lIns="0" rIns="0" tIns="0" bIns="0">
+          <a:bodyPr lIns="0" tIns="0" rIns="0" bIns="0">
             <a:normAutofit/>
           </a:bodyPr>
-          <a:p>
-            <a:endParaRPr b="0" lang="en-US" sz="3200" spc="-1" strike="noStrike">
+          <a:lstStyle/>
+          <a:p>
+            <a:endParaRPr lang="en-US" sz="3200" b="0" strike="noStrike" spc="-1">
               <a:latin typeface="Arial"/>
             </a:endParaRPr>
           </a:p>
@@ -245,11 +792,12 @@
           </a:prstGeom>
         </p:spPr>
         <p:txBody>
-          <a:bodyPr lIns="0" rIns="0" tIns="0" bIns="0">
+          <a:bodyPr lIns="0" tIns="0" rIns="0" bIns="0">
             <a:normAutofit/>
           </a:bodyPr>
-          <a:p>
-            <a:endParaRPr b="0" lang="en-US" sz="3200" spc="-1" strike="noStrike">
+          <a:lstStyle/>
+          <a:p>
+            <a:endParaRPr lang="en-US" sz="3200" b="0" strike="noStrike" spc="-1">
               <a:latin typeface="Arial"/>
             </a:endParaRPr>
           </a:p>
@@ -275,11 +823,12 @@
           </a:prstGeom>
         </p:spPr>
         <p:txBody>
-          <a:bodyPr lIns="0" rIns="0" tIns="0" bIns="0">
+          <a:bodyPr lIns="0" tIns="0" rIns="0" bIns="0">
             <a:normAutofit/>
           </a:bodyPr>
-          <a:p>
-            <a:endParaRPr b="0" lang="en-US" sz="3200" spc="-1" strike="noStrike">
+          <a:lstStyle/>
+          <a:p>
+            <a:endParaRPr lang="en-US" sz="3200" b="0" strike="noStrike" spc="-1">
               <a:latin typeface="Arial"/>
             </a:endParaRPr>
           </a:p>
@@ -305,11 +854,12 @@
           </a:prstGeom>
         </p:spPr>
         <p:txBody>
-          <a:bodyPr lIns="0" rIns="0" tIns="0" bIns="0">
+          <a:bodyPr lIns="0" tIns="0" rIns="0" bIns="0">
             <a:normAutofit/>
           </a:bodyPr>
-          <a:p>
-            <a:endParaRPr b="0" lang="en-US" sz="3200" spc="-1" strike="noStrike">
+          <a:lstStyle/>
+          <a:p>
+            <a:endParaRPr lang="en-US" sz="3200" b="0" strike="noStrike" spc="-1">
               <a:latin typeface="Arial"/>
             </a:endParaRPr>
           </a:p>
@@ -317,11 +867,14 @@
       </p:sp>
     </p:spTree>
   </p:cSld>
+  <p:clrMapOvr>
+    <a:masterClrMapping/>
+  </p:clrMapOvr>
 </p:sldLayout>
 </file>
 
 <file path=ppt/slideLayouts/slideLayout12.xml><?xml version="1.0" encoding="utf-8"?>
-<p:sldLayout xmlns:a="http://schemas.openxmlformats.org/drawingml/2006/main" xmlns:p="http://schemas.openxmlformats.org/presentationml/2006/main" xmlns:r="http://schemas.openxmlformats.org/officeDocument/2006/relationships" xmlns:p14="http://schemas.microsoft.com/office/powerpoint/2010/main" xmlns:p15="http://schemas.microsoft.com/office/powerpoint/2012/main" xmlns:mc="http://schemas.openxmlformats.org/markup-compatibility/2006" type="blank" preserve="1">
+<p:sldLayout xmlns:a="http://schemas.openxmlformats.org/drawingml/2006/main" xmlns:r="http://schemas.openxmlformats.org/officeDocument/2006/relationships" xmlns:p="http://schemas.openxmlformats.org/presentationml/2006/main" type="blank" preserve="1">
   <p:cSld name="Title, 6 Content">
     <p:spTree>
       <p:nvGrpSpPr>
@@ -357,12 +910,13 @@
           </a:prstGeom>
         </p:spPr>
         <p:txBody>
-          <a:bodyPr lIns="0" rIns="0" tIns="0" bIns="0" anchor="ctr">
+          <a:bodyPr lIns="0" tIns="0" rIns="0" bIns="0" anchor="ctr">
             <a:noAutofit/>
           </a:bodyPr>
+          <a:lstStyle/>
           <a:p>
             <a:pPr algn="ctr"/>
-            <a:endParaRPr b="0" lang="en-US" sz="4400" spc="-1" strike="noStrike">
+            <a:endParaRPr lang="en-US" sz="4400" b="0" strike="noStrike" spc="-1">
               <a:latin typeface="Arial"/>
             </a:endParaRPr>
           </a:p>
@@ -388,11 +942,12 @@
           </a:prstGeom>
         </p:spPr>
         <p:txBody>
-          <a:bodyPr lIns="0" rIns="0" tIns="0" bIns="0">
+          <a:bodyPr lIns="0" tIns="0" rIns="0" bIns="0">
             <a:normAutofit/>
           </a:bodyPr>
-          <a:p>
-            <a:endParaRPr b="0" lang="en-US" sz="3200" spc="-1" strike="noStrike">
+          <a:lstStyle/>
+          <a:p>
+            <a:endParaRPr lang="en-US" sz="3200" b="0" strike="noStrike" spc="-1">
               <a:latin typeface="Arial"/>
             </a:endParaRPr>
           </a:p>
@@ -418,11 +973,12 @@
           </a:prstGeom>
         </p:spPr>
         <p:txBody>
-          <a:bodyPr lIns="0" rIns="0" tIns="0" bIns="0">
+          <a:bodyPr lIns="0" tIns="0" rIns="0" bIns="0">
             <a:normAutofit/>
           </a:bodyPr>
-          <a:p>
-            <a:endParaRPr b="0" lang="en-US" sz="3200" spc="-1" strike="noStrike">
+          <a:lstStyle/>
+          <a:p>
+            <a:endParaRPr lang="en-US" sz="3200" b="0" strike="noStrike" spc="-1">
               <a:latin typeface="Arial"/>
             </a:endParaRPr>
           </a:p>
@@ -448,11 +1004,12 @@
           </a:prstGeom>
         </p:spPr>
         <p:txBody>
-          <a:bodyPr lIns="0" rIns="0" tIns="0" bIns="0">
+          <a:bodyPr lIns="0" tIns="0" rIns="0" bIns="0">
             <a:normAutofit/>
           </a:bodyPr>
-          <a:p>
-            <a:endParaRPr b="0" lang="en-US" sz="3200" spc="-1" strike="noStrike">
+          <a:lstStyle/>
+          <a:p>
+            <a:endParaRPr lang="en-US" sz="3200" b="0" strike="noStrike" spc="-1">
               <a:latin typeface="Arial"/>
             </a:endParaRPr>
           </a:p>
@@ -478,11 +1035,12 @@
           </a:prstGeom>
         </p:spPr>
         <p:txBody>
-          <a:bodyPr lIns="0" rIns="0" tIns="0" bIns="0">
+          <a:bodyPr lIns="0" tIns="0" rIns="0" bIns="0">
             <a:normAutofit/>
           </a:bodyPr>
-          <a:p>
-            <a:endParaRPr b="0" lang="en-US" sz="3200" spc="-1" strike="noStrike">
+          <a:lstStyle/>
+          <a:p>
+            <a:endParaRPr lang="en-US" sz="3200" b="0" strike="noStrike" spc="-1">
               <a:latin typeface="Arial"/>
             </a:endParaRPr>
           </a:p>
@@ -508,11 +1066,12 @@
           </a:prstGeom>
         </p:spPr>
         <p:txBody>
-          <a:bodyPr lIns="0" rIns="0" tIns="0" bIns="0">
+          <a:bodyPr lIns="0" tIns="0" rIns="0" bIns="0">
             <a:normAutofit/>
           </a:bodyPr>
-          <a:p>
-            <a:endParaRPr b="0" lang="en-US" sz="3200" spc="-1" strike="noStrike">
+          <a:lstStyle/>
+          <a:p>
+            <a:endParaRPr lang="en-US" sz="3200" b="0" strike="noStrike" spc="-1">
               <a:latin typeface="Arial"/>
             </a:endParaRPr>
           </a:p>
@@ -538,11 +1097,12 @@
           </a:prstGeom>
         </p:spPr>
         <p:txBody>
-          <a:bodyPr lIns="0" rIns="0" tIns="0" bIns="0">
+          <a:bodyPr lIns="0" tIns="0" rIns="0" bIns="0">
             <a:normAutofit/>
           </a:bodyPr>
-          <a:p>
-            <a:endParaRPr b="0" lang="en-US" sz="3200" spc="-1" strike="noStrike">
+          <a:lstStyle/>
+          <a:p>
+            <a:endParaRPr lang="en-US" sz="3200" b="0" strike="noStrike" spc="-1">
               <a:latin typeface="Arial"/>
             </a:endParaRPr>
           </a:p>
@@ -550,11 +1110,14 @@
       </p:sp>
     </p:spTree>
   </p:cSld>
+  <p:clrMapOvr>
+    <a:masterClrMapping/>
+  </p:clrMapOvr>
 </p:sldLayout>
 </file>
 
 <file path=ppt/slideLayouts/slideLayout2.xml><?xml version="1.0" encoding="utf-8"?>
-<p:sldLayout xmlns:a="http://schemas.openxmlformats.org/drawingml/2006/main" xmlns:p="http://schemas.openxmlformats.org/presentationml/2006/main" xmlns:r="http://schemas.openxmlformats.org/officeDocument/2006/relationships" xmlns:p14="http://schemas.microsoft.com/office/powerpoint/2010/main" xmlns:p15="http://schemas.microsoft.com/office/powerpoint/2012/main" xmlns:mc="http://schemas.openxmlformats.org/markup-compatibility/2006" type="tx" preserve="1">
+<p:sldLayout xmlns:a="http://schemas.openxmlformats.org/drawingml/2006/main" xmlns:r="http://schemas.openxmlformats.org/officeDocument/2006/relationships" xmlns:p="http://schemas.openxmlformats.org/presentationml/2006/main" type="tx" preserve="1">
   <p:cSld name="Title Slide">
     <p:spTree>
       <p:nvGrpSpPr>
@@ -590,12 +1153,13 @@
           </a:prstGeom>
         </p:spPr>
         <p:txBody>
-          <a:bodyPr lIns="0" rIns="0" tIns="0" bIns="0" anchor="ctr">
+          <a:bodyPr lIns="0" tIns="0" rIns="0" bIns="0" anchor="ctr">
             <a:noAutofit/>
           </a:bodyPr>
+          <a:lstStyle/>
           <a:p>
             <a:pPr algn="ctr"/>
-            <a:endParaRPr b="0" lang="en-US" sz="4400" spc="-1" strike="noStrike">
+            <a:endParaRPr lang="en-US" sz="4400" b="0" strike="noStrike" spc="-1">
               <a:latin typeface="Arial"/>
             </a:endParaRPr>
           </a:p>
@@ -621,12 +1185,13 @@
           </a:prstGeom>
         </p:spPr>
         <p:txBody>
-          <a:bodyPr lIns="0" rIns="0" tIns="0" bIns="0" anchor="ctr">
+          <a:bodyPr lIns="0" tIns="0" rIns="0" bIns="0" anchor="ctr">
             <a:noAutofit/>
           </a:bodyPr>
+          <a:lstStyle/>
           <a:p>
             <a:pPr algn="ctr"/>
-            <a:endParaRPr b="0" lang="en-US" sz="3200" spc="-1" strike="noStrike">
+            <a:endParaRPr lang="en-US" sz="3200" b="0" strike="noStrike" spc="-1">
               <a:latin typeface="Arial"/>
             </a:endParaRPr>
           </a:p>
@@ -634,11 +1199,14 @@
       </p:sp>
     </p:spTree>
   </p:cSld>
+  <p:clrMapOvr>
+    <a:masterClrMapping/>
+  </p:clrMapOvr>
 </p:sldLayout>
 </file>
 
 <file path=ppt/slideLayouts/slideLayout3.xml><?xml version="1.0" encoding="utf-8"?>
-<p:sldLayout xmlns:a="http://schemas.openxmlformats.org/drawingml/2006/main" xmlns:p="http://schemas.openxmlformats.org/presentationml/2006/main" xmlns:r="http://schemas.openxmlformats.org/officeDocument/2006/relationships" xmlns:p14="http://schemas.microsoft.com/office/powerpoint/2010/main" xmlns:p15="http://schemas.microsoft.com/office/powerpoint/2012/main" xmlns:mc="http://schemas.openxmlformats.org/markup-compatibility/2006" type="obj" preserve="1">
+<p:sldLayout xmlns:a="http://schemas.openxmlformats.org/drawingml/2006/main" xmlns:r="http://schemas.openxmlformats.org/officeDocument/2006/relationships" xmlns:p="http://schemas.openxmlformats.org/presentationml/2006/main" type="obj" preserve="1">
   <p:cSld name="Title, Content">
     <p:spTree>
       <p:nvGrpSpPr>
@@ -674,12 +1242,13 @@
           </a:prstGeom>
         </p:spPr>
         <p:txBody>
-          <a:bodyPr lIns="0" rIns="0" tIns="0" bIns="0" anchor="ctr">
+          <a:bodyPr lIns="0" tIns="0" rIns="0" bIns="0" anchor="ctr">
             <a:noAutofit/>
           </a:bodyPr>
+          <a:lstStyle/>
           <a:p>
             <a:pPr algn="ctr"/>
-            <a:endParaRPr b="0" lang="en-US" sz="4400" spc="-1" strike="noStrike">
+            <a:endParaRPr lang="en-US" sz="4400" b="0" strike="noStrike" spc="-1">
               <a:latin typeface="Arial"/>
             </a:endParaRPr>
           </a:p>
@@ -705,11 +1274,12 @@
           </a:prstGeom>
         </p:spPr>
         <p:txBody>
-          <a:bodyPr lIns="0" rIns="0" tIns="0" bIns="0">
+          <a:bodyPr lIns="0" tIns="0" rIns="0" bIns="0">
             <a:normAutofit/>
           </a:bodyPr>
-          <a:p>
-            <a:endParaRPr b="0" lang="en-US" sz="3200" spc="-1" strike="noStrike">
+          <a:lstStyle/>
+          <a:p>
+            <a:endParaRPr lang="en-US" sz="3200" b="0" strike="noStrike" spc="-1">
               <a:latin typeface="Arial"/>
             </a:endParaRPr>
           </a:p>
@@ -717,11 +1287,14 @@
       </p:sp>
     </p:spTree>
   </p:cSld>
+  <p:clrMapOvr>
+    <a:masterClrMapping/>
+  </p:clrMapOvr>
 </p:sldLayout>
 </file>
 
 <file path=ppt/slideLayouts/slideLayout4.xml><?xml version="1.0" encoding="utf-8"?>
-<p:sldLayout xmlns:a="http://schemas.openxmlformats.org/drawingml/2006/main" xmlns:p="http://schemas.openxmlformats.org/presentationml/2006/main" xmlns:r="http://schemas.openxmlformats.org/officeDocument/2006/relationships" xmlns:p14="http://schemas.microsoft.com/office/powerpoint/2010/main" xmlns:p15="http://schemas.microsoft.com/office/powerpoint/2012/main" xmlns:mc="http://schemas.openxmlformats.org/markup-compatibility/2006" type="twoObj" preserve="1">
+<p:sldLayout xmlns:a="http://schemas.openxmlformats.org/drawingml/2006/main" xmlns:r="http://schemas.openxmlformats.org/officeDocument/2006/relationships" xmlns:p="http://schemas.openxmlformats.org/presentationml/2006/main" type="twoObj" preserve="1">
   <p:cSld name="Title, 2 Content">
     <p:spTree>
       <p:nvGrpSpPr>
@@ -757,12 +1330,13 @@
           </a:prstGeom>
         </p:spPr>
         <p:txBody>
-          <a:bodyPr lIns="0" rIns="0" tIns="0" bIns="0" anchor="ctr">
+          <a:bodyPr lIns="0" tIns="0" rIns="0" bIns="0" anchor="ctr">
             <a:noAutofit/>
           </a:bodyPr>
+          <a:lstStyle/>
           <a:p>
             <a:pPr algn="ctr"/>
-            <a:endParaRPr b="0" lang="en-US" sz="4400" spc="-1" strike="noStrike">
+            <a:endParaRPr lang="en-US" sz="4400" b="0" strike="noStrike" spc="-1">
               <a:latin typeface="Arial"/>
             </a:endParaRPr>
           </a:p>
@@ -788,11 +1362,12 @@
           </a:prstGeom>
         </p:spPr>
         <p:txBody>
-          <a:bodyPr lIns="0" rIns="0" tIns="0" bIns="0">
+          <a:bodyPr lIns="0" tIns="0" rIns="0" bIns="0">
             <a:normAutofit/>
           </a:bodyPr>
-          <a:p>
-            <a:endParaRPr b="0" lang="en-US" sz="3200" spc="-1" strike="noStrike">
+          <a:lstStyle/>
+          <a:p>
+            <a:endParaRPr lang="en-US" sz="3200" b="0" strike="noStrike" spc="-1">
               <a:latin typeface="Arial"/>
             </a:endParaRPr>
           </a:p>
@@ -818,11 +1393,12 @@
           </a:prstGeom>
         </p:spPr>
         <p:txBody>
-          <a:bodyPr lIns="0" rIns="0" tIns="0" bIns="0">
+          <a:bodyPr lIns="0" tIns="0" rIns="0" bIns="0">
             <a:normAutofit/>
           </a:bodyPr>
-          <a:p>
-            <a:endParaRPr b="0" lang="en-US" sz="3200" spc="-1" strike="noStrike">
+          <a:lstStyle/>
+          <a:p>
+            <a:endParaRPr lang="en-US" sz="3200" b="0" strike="noStrike" spc="-1">
               <a:latin typeface="Arial"/>
             </a:endParaRPr>
           </a:p>
@@ -830,11 +1406,14 @@
       </p:sp>
     </p:spTree>
   </p:cSld>
+  <p:clrMapOvr>
+    <a:masterClrMapping/>
+  </p:clrMapOvr>
 </p:sldLayout>
 </file>
 
 <file path=ppt/slideLayouts/slideLayout5.xml><?xml version="1.0" encoding="utf-8"?>
-<p:sldLayout xmlns:a="http://schemas.openxmlformats.org/drawingml/2006/main" xmlns:p="http://schemas.openxmlformats.org/presentationml/2006/main" xmlns:r="http://schemas.openxmlformats.org/officeDocument/2006/relationships" xmlns:p14="http://schemas.microsoft.com/office/powerpoint/2010/main" xmlns:p15="http://schemas.microsoft.com/office/powerpoint/2012/main" xmlns:mc="http://schemas.openxmlformats.org/markup-compatibility/2006" type="titleOnly" preserve="1">
+<p:sldLayout xmlns:a="http://schemas.openxmlformats.org/drawingml/2006/main" xmlns:r="http://schemas.openxmlformats.org/officeDocument/2006/relationships" xmlns:p="http://schemas.openxmlformats.org/presentationml/2006/main" type="titleOnly" preserve="1">
   <p:cSld name="Title Only">
     <p:spTree>
       <p:nvGrpSpPr>
@@ -870,12 +1449,13 @@
           </a:prstGeom>
         </p:spPr>
         <p:txBody>
-          <a:bodyPr lIns="0" rIns="0" tIns="0" bIns="0" anchor="ctr">
+          <a:bodyPr lIns="0" tIns="0" rIns="0" bIns="0" anchor="ctr">
             <a:noAutofit/>
           </a:bodyPr>
+          <a:lstStyle/>
           <a:p>
             <a:pPr algn="ctr"/>
-            <a:endParaRPr b="0" lang="en-US" sz="4400" spc="-1" strike="noStrike">
+            <a:endParaRPr lang="en-US" sz="4400" b="0" strike="noStrike" spc="-1">
               <a:latin typeface="Arial"/>
             </a:endParaRPr>
           </a:p>
@@ -883,11 +1463,14 @@
       </p:sp>
     </p:spTree>
   </p:cSld>
+  <p:clrMapOvr>
+    <a:masterClrMapping/>
+  </p:clrMapOvr>
 </p:sldLayout>
 </file>
 
 <file path=ppt/slideLayouts/slideLayout6.xml><?xml version="1.0" encoding="utf-8"?>
-<p:sldLayout xmlns:a="http://schemas.openxmlformats.org/drawingml/2006/main" xmlns:p="http://schemas.openxmlformats.org/presentationml/2006/main" xmlns:r="http://schemas.openxmlformats.org/officeDocument/2006/relationships" xmlns:p14="http://schemas.microsoft.com/office/powerpoint/2010/main" xmlns:p15="http://schemas.microsoft.com/office/powerpoint/2012/main" xmlns:mc="http://schemas.openxmlformats.org/markup-compatibility/2006" type="objOnly" preserve="1">
+<p:sldLayout xmlns:a="http://schemas.openxmlformats.org/drawingml/2006/main" xmlns:r="http://schemas.openxmlformats.org/officeDocument/2006/relationships" xmlns:p="http://schemas.openxmlformats.org/presentationml/2006/main" type="objOnly" preserve="1">
   <p:cSld name="Centered Text">
     <p:spTree>
       <p:nvGrpSpPr>
@@ -923,12 +1506,13 @@
           </a:prstGeom>
         </p:spPr>
         <p:txBody>
-          <a:bodyPr lIns="0" rIns="0" tIns="0" bIns="0" anchor="ctr">
+          <a:bodyPr lIns="0" tIns="0" rIns="0" bIns="0" anchor="ctr">
             <a:noAutofit/>
           </a:bodyPr>
+          <a:lstStyle/>
           <a:p>
             <a:pPr algn="ctr"/>
-            <a:endParaRPr b="0" lang="en-US" sz="3200" spc="-1" strike="noStrike">
+            <a:endParaRPr lang="en-US" sz="3200" b="0" strike="noStrike" spc="-1">
               <a:latin typeface="Arial"/>
             </a:endParaRPr>
           </a:p>
@@ -936,11 +1520,14 @@
       </p:sp>
     </p:spTree>
   </p:cSld>
+  <p:clrMapOvr>
+    <a:masterClrMapping/>
+  </p:clrMapOvr>
 </p:sldLayout>
 </file>
 
 <file path=ppt/slideLayouts/slideLayout7.xml><?xml version="1.0" encoding="utf-8"?>
-<p:sldLayout xmlns:a="http://schemas.openxmlformats.org/drawingml/2006/main" xmlns:p="http://schemas.openxmlformats.org/presentationml/2006/main" xmlns:r="http://schemas.openxmlformats.org/officeDocument/2006/relationships" xmlns:p14="http://schemas.microsoft.com/office/powerpoint/2010/main" xmlns:p15="http://schemas.microsoft.com/office/powerpoint/2012/main" xmlns:mc="http://schemas.openxmlformats.org/markup-compatibility/2006" type="twoObjAndObj" preserve="1">
+<p:sldLayout xmlns:a="http://schemas.openxmlformats.org/drawingml/2006/main" xmlns:r="http://schemas.openxmlformats.org/officeDocument/2006/relationships" xmlns:p="http://schemas.openxmlformats.org/presentationml/2006/main" type="twoObjAndObj" preserve="1">
   <p:cSld name="Title, 2 Content and Content">
     <p:spTree>
       <p:nvGrpSpPr>
@@ -976,12 +1563,13 @@
           </a:prstGeom>
         </p:spPr>
         <p:txBody>
-          <a:bodyPr lIns="0" rIns="0" tIns="0" bIns="0" anchor="ctr">
+          <a:bodyPr lIns="0" tIns="0" rIns="0" bIns="0" anchor="ctr">
             <a:noAutofit/>
           </a:bodyPr>
+          <a:lstStyle/>
           <a:p>
             <a:pPr algn="ctr"/>
-            <a:endParaRPr b="0" lang="en-US" sz="4400" spc="-1" strike="noStrike">
+            <a:endParaRPr lang="en-US" sz="4400" b="0" strike="noStrike" spc="-1">
               <a:latin typeface="Arial"/>
             </a:endParaRPr>
           </a:p>
@@ -1007,11 +1595,12 @@
           </a:prstGeom>
         </p:spPr>
         <p:txBody>
-          <a:bodyPr lIns="0" rIns="0" tIns="0" bIns="0">
+          <a:bodyPr lIns="0" tIns="0" rIns="0" bIns="0">
             <a:normAutofit/>
           </a:bodyPr>
-          <a:p>
-            <a:endParaRPr b="0" lang="en-US" sz="3200" spc="-1" strike="noStrike">
+          <a:lstStyle/>
+          <a:p>
+            <a:endParaRPr lang="en-US" sz="3200" b="0" strike="noStrike" spc="-1">
               <a:latin typeface="Arial"/>
             </a:endParaRPr>
           </a:p>
@@ -1037,11 +1626,12 @@
           </a:prstGeom>
         </p:spPr>
         <p:txBody>
-          <a:bodyPr lIns="0" rIns="0" tIns="0" bIns="0">
+          <a:bodyPr lIns="0" tIns="0" rIns="0" bIns="0">
             <a:normAutofit/>
           </a:bodyPr>
-          <a:p>
-            <a:endParaRPr b="0" lang="en-US" sz="3200" spc="-1" strike="noStrike">
+          <a:lstStyle/>
+          <a:p>
+            <a:endParaRPr lang="en-US" sz="3200" b="0" strike="noStrike" spc="-1">
               <a:latin typeface="Arial"/>
             </a:endParaRPr>
           </a:p>
@@ -1067,11 +1657,12 @@
           </a:prstGeom>
         </p:spPr>
         <p:txBody>
-          <a:bodyPr lIns="0" rIns="0" tIns="0" bIns="0">
+          <a:bodyPr lIns="0" tIns="0" rIns="0" bIns="0">
             <a:normAutofit/>
           </a:bodyPr>
-          <a:p>
-            <a:endParaRPr b="0" lang="en-US" sz="3200" spc="-1" strike="noStrike">
+          <a:lstStyle/>
+          <a:p>
+            <a:endParaRPr lang="en-US" sz="3200" b="0" strike="noStrike" spc="-1">
               <a:latin typeface="Arial"/>
             </a:endParaRPr>
           </a:p>
@@ -1079,11 +1670,14 @@
       </p:sp>
     </p:spTree>
   </p:cSld>
+  <p:clrMapOvr>
+    <a:masterClrMapping/>
+  </p:clrMapOvr>
 </p:sldLayout>
 </file>
 
 <file path=ppt/slideLayouts/slideLayout8.xml><?xml version="1.0" encoding="utf-8"?>
-<p:sldLayout xmlns:a="http://schemas.openxmlformats.org/drawingml/2006/main" xmlns:p="http://schemas.openxmlformats.org/presentationml/2006/main" xmlns:r="http://schemas.openxmlformats.org/officeDocument/2006/relationships" xmlns:p14="http://schemas.microsoft.com/office/powerpoint/2010/main" xmlns:p15="http://schemas.microsoft.com/office/powerpoint/2012/main" xmlns:mc="http://schemas.openxmlformats.org/markup-compatibility/2006" type="objAndTwoObj" preserve="1">
+<p:sldLayout xmlns:a="http://schemas.openxmlformats.org/drawingml/2006/main" xmlns:r="http://schemas.openxmlformats.org/officeDocument/2006/relationships" xmlns:p="http://schemas.openxmlformats.org/presentationml/2006/main" type="objAndTwoObj" preserve="1">
   <p:cSld name="Title Content and 2 Content">
     <p:spTree>
       <p:nvGrpSpPr>
@@ -1119,12 +1713,13 @@
           </a:prstGeom>
         </p:spPr>
         <p:txBody>
-          <a:bodyPr lIns="0" rIns="0" tIns="0" bIns="0" anchor="ctr">
+          <a:bodyPr lIns="0" tIns="0" rIns="0" bIns="0" anchor="ctr">
             <a:noAutofit/>
           </a:bodyPr>
+          <a:lstStyle/>
           <a:p>
             <a:pPr algn="ctr"/>
-            <a:endParaRPr b="0" lang="en-US" sz="4400" spc="-1" strike="noStrike">
+            <a:endParaRPr lang="en-US" sz="4400" b="0" strike="noStrike" spc="-1">
               <a:latin typeface="Arial"/>
             </a:endParaRPr>
           </a:p>
@@ -1150,11 +1745,12 @@
           </a:prstGeom>
         </p:spPr>
         <p:txBody>
-          <a:bodyPr lIns="0" rIns="0" tIns="0" bIns="0">
+          <a:bodyPr lIns="0" tIns="0" rIns="0" bIns="0">
             <a:normAutofit/>
           </a:bodyPr>
-          <a:p>
-            <a:endParaRPr b="0" lang="en-US" sz="3200" spc="-1" strike="noStrike">
+          <a:lstStyle/>
+          <a:p>
+            <a:endParaRPr lang="en-US" sz="3200" b="0" strike="noStrike" spc="-1">
               <a:latin typeface="Arial"/>
             </a:endParaRPr>
           </a:p>
@@ -1180,11 +1776,12 @@
           </a:prstGeom>
         </p:spPr>
         <p:txBody>
-          <a:bodyPr lIns="0" rIns="0" tIns="0" bIns="0">
+          <a:bodyPr lIns="0" tIns="0" rIns="0" bIns="0">
             <a:normAutofit/>
           </a:bodyPr>
-          <a:p>
-            <a:endParaRPr b="0" lang="en-US" sz="3200" spc="-1" strike="noStrike">
+          <a:lstStyle/>
+          <a:p>
+            <a:endParaRPr lang="en-US" sz="3200" b="0" strike="noStrike" spc="-1">
               <a:latin typeface="Arial"/>
             </a:endParaRPr>
           </a:p>
@@ -1210,11 +1807,12 @@
           </a:prstGeom>
         </p:spPr>
         <p:txBody>
-          <a:bodyPr lIns="0" rIns="0" tIns="0" bIns="0">
+          <a:bodyPr lIns="0" tIns="0" rIns="0" bIns="0">
             <a:normAutofit/>
           </a:bodyPr>
-          <a:p>
-            <a:endParaRPr b="0" lang="en-US" sz="3200" spc="-1" strike="noStrike">
+          <a:lstStyle/>
+          <a:p>
+            <a:endParaRPr lang="en-US" sz="3200" b="0" strike="noStrike" spc="-1">
               <a:latin typeface="Arial"/>
             </a:endParaRPr>
           </a:p>
@@ -1222,11 +1820,14 @@
       </p:sp>
     </p:spTree>
   </p:cSld>
+  <p:clrMapOvr>
+    <a:masterClrMapping/>
+  </p:clrMapOvr>
 </p:sldLayout>
 </file>
 
 <file path=ppt/slideLayouts/slideLayout9.xml><?xml version="1.0" encoding="utf-8"?>
-<p:sldLayout xmlns:a="http://schemas.openxmlformats.org/drawingml/2006/main" xmlns:p="http://schemas.openxmlformats.org/presentationml/2006/main" xmlns:r="http://schemas.openxmlformats.org/officeDocument/2006/relationships" xmlns:p14="http://schemas.microsoft.com/office/powerpoint/2010/main" xmlns:p15="http://schemas.microsoft.com/office/powerpoint/2012/main" xmlns:mc="http://schemas.openxmlformats.org/markup-compatibility/2006" type="twoObjOverTx" preserve="1">
+<p:sldLayout xmlns:a="http://schemas.openxmlformats.org/drawingml/2006/main" xmlns:r="http://schemas.openxmlformats.org/officeDocument/2006/relationships" xmlns:p="http://schemas.openxmlformats.org/presentationml/2006/main" type="twoObjOverTx" preserve="1">
   <p:cSld name="Title, 2 Content over Content">
     <p:spTree>
       <p:nvGrpSpPr>
@@ -1262,12 +1863,13 @@
           </a:prstGeom>
         </p:spPr>
         <p:txBody>
-          <a:bodyPr lIns="0" rIns="0" tIns="0" bIns="0" anchor="ctr">
+          <a:bodyPr lIns="0" tIns="0" rIns="0" bIns="0" anchor="ctr">
             <a:noAutofit/>
           </a:bodyPr>
+          <a:lstStyle/>
           <a:p>
             <a:pPr algn="ctr"/>
-            <a:endParaRPr b="0" lang="en-US" sz="4400" spc="-1" strike="noStrike">
+            <a:endParaRPr lang="en-US" sz="4400" b="0" strike="noStrike" spc="-1">
               <a:latin typeface="Arial"/>
             </a:endParaRPr>
           </a:p>
@@ -1293,11 +1895,12 @@
           </a:prstGeom>
         </p:spPr>
         <p:txBody>
-          <a:bodyPr lIns="0" rIns="0" tIns="0" bIns="0">
+          <a:bodyPr lIns="0" tIns="0" rIns="0" bIns="0">
             <a:normAutofit/>
           </a:bodyPr>
-          <a:p>
-            <a:endParaRPr b="0" lang="en-US" sz="3200" spc="-1" strike="noStrike">
+          <a:lstStyle/>
+          <a:p>
+            <a:endParaRPr lang="en-US" sz="3200" b="0" strike="noStrike" spc="-1">
               <a:latin typeface="Arial"/>
             </a:endParaRPr>
           </a:p>
@@ -1323,11 +1926,12 @@
           </a:prstGeom>
         </p:spPr>
         <p:txBody>
-          <a:bodyPr lIns="0" rIns="0" tIns="0" bIns="0">
+          <a:bodyPr lIns="0" tIns="0" rIns="0" bIns="0">
             <a:normAutofit/>
           </a:bodyPr>
-          <a:p>
-            <a:endParaRPr b="0" lang="en-US" sz="3200" spc="-1" strike="noStrike">
+          <a:lstStyle/>
+          <a:p>
+            <a:endParaRPr lang="en-US" sz="3200" b="0" strike="noStrike" spc="-1">
               <a:latin typeface="Arial"/>
             </a:endParaRPr>
           </a:p>
@@ -1353,11 +1957,12 @@
           </a:prstGeom>
         </p:spPr>
         <p:txBody>
-          <a:bodyPr lIns="0" rIns="0" tIns="0" bIns="0">
+          <a:bodyPr lIns="0" tIns="0" rIns="0" bIns="0">
             <a:normAutofit/>
           </a:bodyPr>
-          <a:p>
-            <a:endParaRPr b="0" lang="en-US" sz="3200" spc="-1" strike="noStrike">
+          <a:lstStyle/>
+          <a:p>
+            <a:endParaRPr lang="en-US" sz="3200" b="0" strike="noStrike" spc="-1">
               <a:latin typeface="Arial"/>
             </a:endParaRPr>
           </a:p>
@@ -1365,12 +1970,20 @@
       </p:sp>
     </p:spTree>
   </p:cSld>
+  <p:clrMapOvr>
+    <a:masterClrMapping/>
+  </p:clrMapOvr>
 </p:sldLayout>
 </file>
 
 <file path=ppt/slideMasters/slideMaster1.xml><?xml version="1.0" encoding="utf-8"?>
-<p:sldMaster xmlns:a="http://schemas.openxmlformats.org/drawingml/2006/main" xmlns:p="http://schemas.openxmlformats.org/presentationml/2006/main" xmlns:r="http://schemas.openxmlformats.org/officeDocument/2006/relationships" xmlns:p14="http://schemas.microsoft.com/office/powerpoint/2010/main" xmlns:p15="http://schemas.microsoft.com/office/powerpoint/2012/main" xmlns:mc="http://schemas.openxmlformats.org/markup-compatibility/2006">
+<p:sldMaster xmlns:a="http://schemas.openxmlformats.org/drawingml/2006/main" xmlns:r="http://schemas.openxmlformats.org/officeDocument/2006/relationships" xmlns:p="http://schemas.openxmlformats.org/presentationml/2006/main">
   <p:cSld>
+    <p:bg>
+      <p:bgRef idx="1001">
+        <a:schemeClr val="bg1"/>
+      </p:bgRef>
+    </p:bg>
     <p:spTree>
       <p:nvGrpSpPr>
         <p:cNvPr id="1" name=""/>
@@ -1387,7 +2000,7 @@
       </p:grpSpPr>
       <p:sp>
         <p:nvSpPr>
-          <p:cNvPr id="0" name="PlaceHolder 1"/>
+          <p:cNvPr id="5" name="PlaceHolder 1"/>
           <p:cNvSpPr>
             <a:spLocks noGrp="1"/>
           </p:cNvSpPr>
@@ -1405,26 +2018,24 @@
           </a:prstGeom>
         </p:spPr>
         <p:txBody>
-          <a:bodyPr lIns="0" rIns="0" tIns="0" bIns="0" anchor="ctr">
+          <a:bodyPr lIns="0" tIns="0" rIns="0" bIns="0" anchor="ctr">
             <a:noAutofit/>
           </a:bodyPr>
+          <a:lstStyle/>
           <a:p>
             <a:pPr algn="ctr"/>
             <a:r>
-              <a:rPr b="0" lang="en-US" sz="4400" spc="-1" strike="noStrike">
+              <a:rPr lang="en-US" sz="4400" b="0" strike="noStrike" spc="-1">
                 <a:latin typeface="Arial"/>
               </a:rPr>
               <a:t>Click to edit the title text format</a:t>
             </a:r>
-            <a:endParaRPr b="0" lang="en-US" sz="4400" spc="-1" strike="noStrike">
-              <a:latin typeface="Arial"/>
-            </a:endParaRPr>
           </a:p>
         </p:txBody>
       </p:sp>
       <p:sp>
         <p:nvSpPr>
-          <p:cNvPr id="1" name="PlaceHolder 2"/>
+          <p:cNvPr id="6" name="PlaceHolder 2"/>
           <p:cNvSpPr>
             <a:spLocks noGrp="1"/>
           </p:cNvSpPr>
@@ -1442,9 +2053,10 @@
           </a:prstGeom>
         </p:spPr>
         <p:txBody>
-          <a:bodyPr lIns="0" rIns="0" tIns="0" bIns="0">
+          <a:bodyPr lIns="0" tIns="0" rIns="0" bIns="0">
             <a:normAutofit/>
           </a:bodyPr>
+          <a:lstStyle/>
           <a:p>
             <a:pPr marL="432000" indent="-324000">
               <a:spcBef>
@@ -1458,17 +2070,14 @@
               <a:buChar char=""/>
             </a:pPr>
             <a:r>
-              <a:rPr b="0" lang="en-US" sz="3200" spc="-1" strike="noStrike">
+              <a:rPr lang="en-US" sz="3200" b="0" strike="noStrike" spc="-1">
                 <a:latin typeface="Arial"/>
               </a:rPr>
               <a:t>Click to edit the outline text format</a:t>
             </a:r>
-            <a:endParaRPr b="0" lang="en-US" sz="3200" spc="-1" strike="noStrike">
-              <a:latin typeface="Arial"/>
-            </a:endParaRPr>
-          </a:p>
-          <a:p>
-            <a:pPr lvl="1" marL="864000" indent="-324000">
+          </a:p>
+          <a:p>
+            <a:pPr marL="864000" lvl="1" indent="-324000">
               <a:spcBef>
                 <a:spcPts val="1134"/>
               </a:spcBef>
@@ -1480,17 +2089,14 @@
               <a:buChar char=""/>
             </a:pPr>
             <a:r>
-              <a:rPr b="0" lang="en-US" sz="2800" spc="-1" strike="noStrike">
+              <a:rPr lang="en-US" sz="2800" b="0" strike="noStrike" spc="-1">
                 <a:latin typeface="Arial"/>
               </a:rPr>
               <a:t>Second Outline Level</a:t>
             </a:r>
-            <a:endParaRPr b="0" lang="en-US" sz="2800" spc="-1" strike="noStrike">
-              <a:latin typeface="Arial"/>
-            </a:endParaRPr>
-          </a:p>
-          <a:p>
-            <a:pPr lvl="2" marL="1296000" indent="-288000">
+          </a:p>
+          <a:p>
+            <a:pPr marL="1296000" lvl="2" indent="-288000">
               <a:spcBef>
                 <a:spcPts val="850"/>
               </a:spcBef>
@@ -1502,17 +2108,14 @@
               <a:buChar char=""/>
             </a:pPr>
             <a:r>
-              <a:rPr b="0" lang="en-US" sz="2400" spc="-1" strike="noStrike">
+              <a:rPr lang="en-US" sz="2400" b="0" strike="noStrike" spc="-1">
                 <a:latin typeface="Arial"/>
               </a:rPr>
               <a:t>Third Outline Level</a:t>
             </a:r>
-            <a:endParaRPr b="0" lang="en-US" sz="2400" spc="-1" strike="noStrike">
-              <a:latin typeface="Arial"/>
-            </a:endParaRPr>
-          </a:p>
-          <a:p>
-            <a:pPr lvl="3" marL="1728000" indent="-216000">
+          </a:p>
+          <a:p>
+            <a:pPr marL="1728000" lvl="3" indent="-216000">
               <a:spcBef>
                 <a:spcPts val="567"/>
               </a:spcBef>
@@ -1524,17 +2127,14 @@
               <a:buChar char=""/>
             </a:pPr>
             <a:r>
-              <a:rPr b="0" lang="en-US" sz="2000" spc="-1" strike="noStrike">
+              <a:rPr lang="en-US" sz="2000" b="0" strike="noStrike" spc="-1">
                 <a:latin typeface="Arial"/>
               </a:rPr>
               <a:t>Fourth Outline Level</a:t>
             </a:r>
-            <a:endParaRPr b="0" lang="en-US" sz="2000" spc="-1" strike="noStrike">
-              <a:latin typeface="Arial"/>
-            </a:endParaRPr>
-          </a:p>
-          <a:p>
-            <a:pPr lvl="4" marL="2160000" indent="-216000">
+          </a:p>
+          <a:p>
+            <a:pPr marL="2160000" lvl="4" indent="-216000">
               <a:spcBef>
                 <a:spcPts val="283"/>
               </a:spcBef>
@@ -1546,17 +2146,14 @@
               <a:buChar char=""/>
             </a:pPr>
             <a:r>
-              <a:rPr b="0" lang="en-US" sz="2000" spc="-1" strike="noStrike">
+              <a:rPr lang="en-US" sz="2000" b="0" strike="noStrike" spc="-1">
                 <a:latin typeface="Arial"/>
               </a:rPr>
               <a:t>Fifth Outline Level</a:t>
             </a:r>
-            <a:endParaRPr b="0" lang="en-US" sz="2000" spc="-1" strike="noStrike">
-              <a:latin typeface="Arial"/>
-            </a:endParaRPr>
-          </a:p>
-          <a:p>
-            <a:pPr lvl="5" marL="2592000" indent="-216000">
+          </a:p>
+          <a:p>
+            <a:pPr marL="2592000" lvl="5" indent="-216000">
               <a:spcBef>
                 <a:spcPts val="283"/>
               </a:spcBef>
@@ -1568,17 +2165,14 @@
               <a:buChar char=""/>
             </a:pPr>
             <a:r>
-              <a:rPr b="0" lang="en-US" sz="2000" spc="-1" strike="noStrike">
+              <a:rPr lang="en-US" sz="2000" b="0" strike="noStrike" spc="-1">
                 <a:latin typeface="Arial"/>
               </a:rPr>
               <a:t>Sixth Outline Level</a:t>
             </a:r>
-            <a:endParaRPr b="0" lang="en-US" sz="2000" spc="-1" strike="noStrike">
-              <a:latin typeface="Arial"/>
-            </a:endParaRPr>
-          </a:p>
-          <a:p>
-            <a:pPr lvl="6" marL="3024000" indent="-216000">
+          </a:p>
+          <a:p>
+            <a:pPr marL="3024000" lvl="6" indent="-216000">
               <a:spcBef>
                 <a:spcPts val="283"/>
               </a:spcBef>
@@ -1590,14 +2184,11 @@
               <a:buChar char=""/>
             </a:pPr>
             <a:r>
-              <a:rPr b="0" lang="en-US" sz="2000" spc="-1" strike="noStrike">
+              <a:rPr lang="en-US" sz="2000" b="0" strike="noStrike" spc="-1">
                 <a:latin typeface="Arial"/>
               </a:rPr>
               <a:t>Seventh Outline Level</a:t>
             </a:r>
-            <a:endParaRPr b="0" lang="en-US" sz="2000" spc="-1" strike="noStrike">
-              <a:latin typeface="Arial"/>
-            </a:endParaRPr>
           </a:p>
         </p:txBody>
       </p:sp>
@@ -1621,19 +2212,17 @@
           </a:prstGeom>
         </p:spPr>
         <p:txBody>
-          <a:bodyPr lIns="0" rIns="0" tIns="0" bIns="0">
+          <a:bodyPr lIns="0" tIns="0" rIns="0" bIns="0">
             <a:noAutofit/>
           </a:bodyPr>
+          <a:lstStyle/>
           <a:p>
             <a:r>
-              <a:rPr b="0" lang="en-US" sz="1400" spc="-1" strike="noStrike">
+              <a:rPr lang="en-US" sz="1400" b="0" strike="noStrike" spc="-1">
                 <a:latin typeface="Times New Roman"/>
               </a:rPr>
               <a:t>&lt;date/time&gt;</a:t>
             </a:r>
-            <a:endParaRPr b="0" lang="en-US" sz="1400" spc="-1" strike="noStrike">
-              <a:latin typeface="Times New Roman"/>
-            </a:endParaRPr>
           </a:p>
         </p:txBody>
       </p:sp>
@@ -1657,20 +2246,18 @@
           </a:prstGeom>
         </p:spPr>
         <p:txBody>
-          <a:bodyPr lIns="0" rIns="0" tIns="0" bIns="0">
+          <a:bodyPr lIns="0" tIns="0" rIns="0" bIns="0">
             <a:noAutofit/>
           </a:bodyPr>
+          <a:lstStyle/>
           <a:p>
             <a:pPr algn="ctr"/>
             <a:r>
-              <a:rPr b="0" lang="en-US" sz="1400" spc="-1" strike="noStrike">
+              <a:rPr lang="en-US" sz="1400" b="0" strike="noStrike" spc="-1">
                 <a:latin typeface="Times New Roman"/>
               </a:rPr>
               <a:t>&lt;footer&gt;</a:t>
             </a:r>
-            <a:endParaRPr b="0" lang="en-US" sz="1400" spc="-1" strike="noStrike">
-              <a:latin typeface="Times New Roman"/>
-            </a:endParaRPr>
           </a:p>
         </p:txBody>
       </p:sp>
@@ -1694,18 +2281,19 @@
           </a:prstGeom>
         </p:spPr>
         <p:txBody>
-          <a:bodyPr lIns="0" rIns="0" tIns="0" bIns="0">
+          <a:bodyPr lIns="0" tIns="0" rIns="0" bIns="0">
             <a:noAutofit/>
           </a:bodyPr>
+          <a:lstStyle/>
           <a:p>
             <a:pPr algn="r"/>
             <a:fld id="{F4114ABD-976E-45D7-8143-176B797B1713}" type="slidenum">
-              <a:rPr b="0" lang="en-US" sz="1400" spc="-1" strike="noStrike">
+              <a:rPr lang="en-US" sz="1400" b="0" strike="noStrike" spc="-1">
                 <a:latin typeface="Times New Roman"/>
               </a:rPr>
-              <a:t>&lt;number&gt;</a:t>
+              <a:t>‹#›</a:t>
             </a:fld>
-            <a:endParaRPr b="0" lang="en-US" sz="1400" spc="-1" strike="noStrike">
+            <a:endParaRPr lang="en-US" sz="1400" b="0" strike="noStrike" spc="-1">
               <a:latin typeface="Times New Roman"/>
             </a:endParaRPr>
           </a:p>
@@ -1713,26 +2301,306 @@
       </p:sp>
     </p:spTree>
   </p:cSld>
-  <p:clrMap bg1="lt1" bg2="lt2" tx1="dk1" tx2="dk2" accent1="accent1" accent2="accent2" accent3="accent3" accent4="accent4" accent5="accent5" accent6="accent6" hlink="hlink" folHlink="folHlink"/>
+  <p:clrMap bg1="lt1" tx1="dk1" bg2="lt2" tx2="dk2" accent1="accent1" accent2="accent2" accent3="accent3" accent4="accent4" accent5="accent5" accent6="accent6" hlink="hlink" folHlink="folHlink"/>
   <p:sldLayoutIdLst>
-    <p:sldLayoutId id="2147483649" r:id="rId2"/>
-    <p:sldLayoutId id="2147483650" r:id="rId3"/>
-    <p:sldLayoutId id="2147483651" r:id="rId4"/>
-    <p:sldLayoutId id="2147483652" r:id="rId5"/>
-    <p:sldLayoutId id="2147483653" r:id="rId6"/>
-    <p:sldLayoutId id="2147483654" r:id="rId7"/>
-    <p:sldLayoutId id="2147483655" r:id="rId8"/>
-    <p:sldLayoutId id="2147483656" r:id="rId9"/>
-    <p:sldLayoutId id="2147483657" r:id="rId10"/>
-    <p:sldLayoutId id="2147483658" r:id="rId11"/>
-    <p:sldLayoutId id="2147483659" r:id="rId12"/>
-    <p:sldLayoutId id="2147483660" r:id="rId13"/>
+    <p:sldLayoutId id="2147483649" r:id="rId1"/>
+    <p:sldLayoutId id="2147483650" r:id="rId2"/>
+    <p:sldLayoutId id="2147483651" r:id="rId3"/>
+    <p:sldLayoutId id="2147483652" r:id="rId4"/>
+    <p:sldLayoutId id="2147483653" r:id="rId5"/>
+    <p:sldLayoutId id="2147483654" r:id="rId6"/>
+    <p:sldLayoutId id="2147483655" r:id="rId7"/>
+    <p:sldLayoutId id="2147483656" r:id="rId8"/>
+    <p:sldLayoutId id="2147483657" r:id="rId9"/>
+    <p:sldLayoutId id="2147483658" r:id="rId10"/>
+    <p:sldLayoutId id="2147483659" r:id="rId11"/>
+    <p:sldLayoutId id="2147483660" r:id="rId12"/>
   </p:sldLayoutIdLst>
+  <p:txStyles>
+    <p:titleStyle>
+      <a:lvl1pPr algn="l" defTabSz="914400" rtl="0" eaLnBrk="1" latinLnBrk="1" hangingPunct="1">
+        <a:lnSpc>
+          <a:spcPct val="90000"/>
+        </a:lnSpc>
+        <a:spcBef>
+          <a:spcPct val="0"/>
+        </a:spcBef>
+        <a:buNone/>
+        <a:defRPr sz="4400" kern="1200">
+          <a:solidFill>
+            <a:schemeClr val="tx1"/>
+          </a:solidFill>
+          <a:latin typeface="+mj-lt"/>
+          <a:ea typeface="+mj-ea"/>
+          <a:cs typeface="+mj-cs"/>
+        </a:defRPr>
+      </a:lvl1pPr>
+    </p:titleStyle>
+    <p:bodyStyle>
+      <a:lvl1pPr marL="228600" indent="-228600" algn="l" defTabSz="914400" rtl="0" eaLnBrk="1" latinLnBrk="1" hangingPunct="1">
+        <a:lnSpc>
+          <a:spcPct val="90000"/>
+        </a:lnSpc>
+        <a:spcBef>
+          <a:spcPts val="1000"/>
+        </a:spcBef>
+        <a:buFont typeface="Arial" panose="020B0604020202020204" pitchFamily="34" charset="0"/>
+        <a:buChar char="•"/>
+        <a:defRPr sz="2800" kern="1200">
+          <a:solidFill>
+            <a:schemeClr val="tx1"/>
+          </a:solidFill>
+          <a:latin typeface="+mn-lt"/>
+          <a:ea typeface="+mn-ea"/>
+          <a:cs typeface="+mn-cs"/>
+        </a:defRPr>
+      </a:lvl1pPr>
+      <a:lvl2pPr marL="685800" indent="-228600" algn="l" defTabSz="914400" rtl="0" eaLnBrk="1" latinLnBrk="1" hangingPunct="1">
+        <a:lnSpc>
+          <a:spcPct val="90000"/>
+        </a:lnSpc>
+        <a:spcBef>
+          <a:spcPts val="500"/>
+        </a:spcBef>
+        <a:buFont typeface="Arial" panose="020B0604020202020204" pitchFamily="34" charset="0"/>
+        <a:buChar char="•"/>
+        <a:defRPr sz="2400" kern="1200">
+          <a:solidFill>
+            <a:schemeClr val="tx1"/>
+          </a:solidFill>
+          <a:latin typeface="+mn-lt"/>
+          <a:ea typeface="+mn-ea"/>
+          <a:cs typeface="+mn-cs"/>
+        </a:defRPr>
+      </a:lvl2pPr>
+      <a:lvl3pPr marL="1143000" indent="-228600" algn="l" defTabSz="914400" rtl="0" eaLnBrk="1" latinLnBrk="1" hangingPunct="1">
+        <a:lnSpc>
+          <a:spcPct val="90000"/>
+        </a:lnSpc>
+        <a:spcBef>
+          <a:spcPts val="500"/>
+        </a:spcBef>
+        <a:buFont typeface="Arial" panose="020B0604020202020204" pitchFamily="34" charset="0"/>
+        <a:buChar char="•"/>
+        <a:defRPr sz="2000" kern="1200">
+          <a:solidFill>
+            <a:schemeClr val="tx1"/>
+          </a:solidFill>
+          <a:latin typeface="+mn-lt"/>
+          <a:ea typeface="+mn-ea"/>
+          <a:cs typeface="+mn-cs"/>
+        </a:defRPr>
+      </a:lvl3pPr>
+      <a:lvl4pPr marL="1600200" indent="-228600" algn="l" defTabSz="914400" rtl="0" eaLnBrk="1" latinLnBrk="1" hangingPunct="1">
+        <a:lnSpc>
+          <a:spcPct val="90000"/>
+        </a:lnSpc>
+        <a:spcBef>
+          <a:spcPts val="500"/>
+        </a:spcBef>
+        <a:buFont typeface="Arial" panose="020B0604020202020204" pitchFamily="34" charset="0"/>
+        <a:buChar char="•"/>
+        <a:defRPr sz="1800" kern="1200">
+          <a:solidFill>
+            <a:schemeClr val="tx1"/>
+          </a:solidFill>
+          <a:latin typeface="+mn-lt"/>
+          <a:ea typeface="+mn-ea"/>
+          <a:cs typeface="+mn-cs"/>
+        </a:defRPr>
+      </a:lvl4pPr>
+      <a:lvl5pPr marL="2057400" indent="-228600" algn="l" defTabSz="914400" rtl="0" eaLnBrk="1" latinLnBrk="1" hangingPunct="1">
+        <a:lnSpc>
+          <a:spcPct val="90000"/>
+        </a:lnSpc>
+        <a:spcBef>
+          <a:spcPts val="500"/>
+        </a:spcBef>
+        <a:buFont typeface="Arial" panose="020B0604020202020204" pitchFamily="34" charset="0"/>
+        <a:buChar char="•"/>
+        <a:defRPr sz="1800" kern="1200">
+          <a:solidFill>
+            <a:schemeClr val="tx1"/>
+          </a:solidFill>
+          <a:latin typeface="+mn-lt"/>
+          <a:ea typeface="+mn-ea"/>
+          <a:cs typeface="+mn-cs"/>
+        </a:defRPr>
+      </a:lvl5pPr>
+      <a:lvl6pPr marL="2514600" indent="-228600" algn="l" defTabSz="914400" rtl="0" eaLnBrk="1" latinLnBrk="1" hangingPunct="1">
+        <a:lnSpc>
+          <a:spcPct val="90000"/>
+        </a:lnSpc>
+        <a:spcBef>
+          <a:spcPts val="500"/>
+        </a:spcBef>
+        <a:buFont typeface="Arial" panose="020B0604020202020204" pitchFamily="34" charset="0"/>
+        <a:buChar char="•"/>
+        <a:defRPr sz="1800" kern="1200">
+          <a:solidFill>
+            <a:schemeClr val="tx1"/>
+          </a:solidFill>
+          <a:latin typeface="+mn-lt"/>
+          <a:ea typeface="+mn-ea"/>
+          <a:cs typeface="+mn-cs"/>
+        </a:defRPr>
+      </a:lvl6pPr>
+      <a:lvl7pPr marL="2971800" indent="-228600" algn="l" defTabSz="914400" rtl="0" eaLnBrk="1" latinLnBrk="1" hangingPunct="1">
+        <a:lnSpc>
+          <a:spcPct val="90000"/>
+        </a:lnSpc>
+        <a:spcBef>
+          <a:spcPts val="500"/>
+        </a:spcBef>
+        <a:buFont typeface="Arial" panose="020B0604020202020204" pitchFamily="34" charset="0"/>
+        <a:buChar char="•"/>
+        <a:defRPr sz="1800" kern="1200">
+          <a:solidFill>
+            <a:schemeClr val="tx1"/>
+          </a:solidFill>
+          <a:latin typeface="+mn-lt"/>
+          <a:ea typeface="+mn-ea"/>
+          <a:cs typeface="+mn-cs"/>
+        </a:defRPr>
+      </a:lvl7pPr>
+      <a:lvl8pPr marL="3429000" indent="-228600" algn="l" defTabSz="914400" rtl="0" eaLnBrk="1" latinLnBrk="1" hangingPunct="1">
+        <a:lnSpc>
+          <a:spcPct val="90000"/>
+        </a:lnSpc>
+        <a:spcBef>
+          <a:spcPts val="500"/>
+        </a:spcBef>
+        <a:buFont typeface="Arial" panose="020B0604020202020204" pitchFamily="34" charset="0"/>
+        <a:buChar char="•"/>
+        <a:defRPr sz="1800" kern="1200">
+          <a:solidFill>
+            <a:schemeClr val="tx1"/>
+          </a:solidFill>
+          <a:latin typeface="+mn-lt"/>
+          <a:ea typeface="+mn-ea"/>
+          <a:cs typeface="+mn-cs"/>
+        </a:defRPr>
+      </a:lvl8pPr>
+      <a:lvl9pPr marL="3886200" indent="-228600" algn="l" defTabSz="914400" rtl="0" eaLnBrk="1" latinLnBrk="1" hangingPunct="1">
+        <a:lnSpc>
+          <a:spcPct val="90000"/>
+        </a:lnSpc>
+        <a:spcBef>
+          <a:spcPts val="500"/>
+        </a:spcBef>
+        <a:buFont typeface="Arial" panose="020B0604020202020204" pitchFamily="34" charset="0"/>
+        <a:buChar char="•"/>
+        <a:defRPr sz="1800" kern="1200">
+          <a:solidFill>
+            <a:schemeClr val="tx1"/>
+          </a:solidFill>
+          <a:latin typeface="+mn-lt"/>
+          <a:ea typeface="+mn-ea"/>
+          <a:cs typeface="+mn-cs"/>
+        </a:defRPr>
+      </a:lvl9pPr>
+    </p:bodyStyle>
+    <p:otherStyle>
+      <a:defPPr>
+        <a:defRPr lang="ko-KR"/>
+      </a:defPPr>
+      <a:lvl1pPr marL="0" algn="l" defTabSz="914400" rtl="0" eaLnBrk="1" latinLnBrk="1" hangingPunct="1">
+        <a:defRPr sz="1800" kern="1200">
+          <a:solidFill>
+            <a:schemeClr val="tx1"/>
+          </a:solidFill>
+          <a:latin typeface="+mn-lt"/>
+          <a:ea typeface="+mn-ea"/>
+          <a:cs typeface="+mn-cs"/>
+        </a:defRPr>
+      </a:lvl1pPr>
+      <a:lvl2pPr marL="457200" algn="l" defTabSz="914400" rtl="0" eaLnBrk="1" latinLnBrk="1" hangingPunct="1">
+        <a:defRPr sz="1800" kern="1200">
+          <a:solidFill>
+            <a:schemeClr val="tx1"/>
+          </a:solidFill>
+          <a:latin typeface="+mn-lt"/>
+          <a:ea typeface="+mn-ea"/>
+          <a:cs typeface="+mn-cs"/>
+        </a:defRPr>
+      </a:lvl2pPr>
+      <a:lvl3pPr marL="914400" algn="l" defTabSz="914400" rtl="0" eaLnBrk="1" latinLnBrk="1" hangingPunct="1">
+        <a:defRPr sz="1800" kern="1200">
+          <a:solidFill>
+            <a:schemeClr val="tx1"/>
+          </a:solidFill>
+          <a:latin typeface="+mn-lt"/>
+          <a:ea typeface="+mn-ea"/>
+          <a:cs typeface="+mn-cs"/>
+        </a:defRPr>
+      </a:lvl3pPr>
+      <a:lvl4pPr marL="1371600" algn="l" defTabSz="914400" rtl="0" eaLnBrk="1" latinLnBrk="1" hangingPunct="1">
+        <a:defRPr sz="1800" kern="1200">
+          <a:solidFill>
+            <a:schemeClr val="tx1"/>
+          </a:solidFill>
+          <a:latin typeface="+mn-lt"/>
+          <a:ea typeface="+mn-ea"/>
+          <a:cs typeface="+mn-cs"/>
+        </a:defRPr>
+      </a:lvl4pPr>
+      <a:lvl5pPr marL="1828800" algn="l" defTabSz="914400" rtl="0" eaLnBrk="1" latinLnBrk="1" hangingPunct="1">
+        <a:defRPr sz="1800" kern="1200">
+          <a:solidFill>
+            <a:schemeClr val="tx1"/>
+          </a:solidFill>
+          <a:latin typeface="+mn-lt"/>
+          <a:ea typeface="+mn-ea"/>
+          <a:cs typeface="+mn-cs"/>
+        </a:defRPr>
+      </a:lvl5pPr>
+      <a:lvl6pPr marL="2286000" algn="l" defTabSz="914400" rtl="0" eaLnBrk="1" latinLnBrk="1" hangingPunct="1">
+        <a:defRPr sz="1800" kern="1200">
+          <a:solidFill>
+            <a:schemeClr val="tx1"/>
+          </a:solidFill>
+          <a:latin typeface="+mn-lt"/>
+          <a:ea typeface="+mn-ea"/>
+          <a:cs typeface="+mn-cs"/>
+        </a:defRPr>
+      </a:lvl6pPr>
+      <a:lvl7pPr marL="2743200" algn="l" defTabSz="914400" rtl="0" eaLnBrk="1" latinLnBrk="1" hangingPunct="1">
+        <a:defRPr sz="1800" kern="1200">
+          <a:solidFill>
+            <a:schemeClr val="tx1"/>
+          </a:solidFill>
+          <a:latin typeface="+mn-lt"/>
+          <a:ea typeface="+mn-ea"/>
+          <a:cs typeface="+mn-cs"/>
+        </a:defRPr>
+      </a:lvl7pPr>
+      <a:lvl8pPr marL="3200400" algn="l" defTabSz="914400" rtl="0" eaLnBrk="1" latinLnBrk="1" hangingPunct="1">
+        <a:defRPr sz="1800" kern="1200">
+          <a:solidFill>
+            <a:schemeClr val="tx1"/>
+          </a:solidFill>
+          <a:latin typeface="+mn-lt"/>
+          <a:ea typeface="+mn-ea"/>
+          <a:cs typeface="+mn-cs"/>
+        </a:defRPr>
+      </a:lvl8pPr>
+      <a:lvl9pPr marL="3657600" algn="l" defTabSz="914400" rtl="0" eaLnBrk="1" latinLnBrk="1" hangingPunct="1">
+        <a:defRPr sz="1800" kern="1200">
+          <a:solidFill>
+            <a:schemeClr val="tx1"/>
+          </a:solidFill>
+          <a:latin typeface="+mn-lt"/>
+          <a:ea typeface="+mn-ea"/>
+          <a:cs typeface="+mn-cs"/>
+        </a:defRPr>
+      </a:lvl9pPr>
+    </p:otherStyle>
+  </p:txStyles>
 </p:sldMaster>
 </file>
 
 <file path=ppt/slides/slide1.xml><?xml version="1.0" encoding="utf-8"?>
-<p:sld xmlns:a="http://schemas.openxmlformats.org/drawingml/2006/main" xmlns:p="http://schemas.openxmlformats.org/presentationml/2006/main" xmlns:r="http://schemas.openxmlformats.org/officeDocument/2006/relationships" xmlns:p14="http://schemas.microsoft.com/office/powerpoint/2010/main" xmlns:p15="http://schemas.microsoft.com/office/powerpoint/2012/main" xmlns:mc="http://schemas.openxmlformats.org/markup-compatibility/2006">
+<p:sld xmlns:a="http://schemas.openxmlformats.org/drawingml/2006/main" xmlns:r="http://schemas.openxmlformats.org/officeDocument/2006/relationships" xmlns:p="http://schemas.openxmlformats.org/presentationml/2006/main">
   <p:cSld>
     <p:spTree>
       <p:nvGrpSpPr>
@@ -1752,485 +2620,675 @@
         <p:nvGraphicFramePr>
           <p:cNvPr id="41" name="Table 1"/>
           <p:cNvGraphicFramePr/>
-          <p:nvPr/>
+          <p:nvPr>
+            <p:extLst>
+              <p:ext uri="{D42A27DB-BD31-4B8C-83A1-F6EECF244321}">
+                <p14:modId xmlns:p14="http://schemas.microsoft.com/office/powerpoint/2010/main" val="2728960211"/>
+              </p:ext>
+            </p:extLst>
+          </p:nvPr>
         </p:nvGraphicFramePr>
         <p:xfrm>
           <a:off x="5333760" y="1786680"/>
-          <a:ext cx="4541760" cy="1399320"/>
+          <a:ext cx="4542120" cy="1645920"/>
         </p:xfrm>
         <a:graphic>
           <a:graphicData uri="http://schemas.openxmlformats.org/drawingml/2006/table">
             <a:tbl>
               <a:tblPr/>
               <a:tblGrid>
-                <a:gridCol w="1010880"/>
-                <a:gridCol w="750960"/>
-                <a:gridCol w="763200"/>
-                <a:gridCol w="1006200"/>
-                <a:gridCol w="1010880"/>
+                <a:gridCol w="1010880">
+                  <a:extLst>
+                    <a:ext uri="{9D8B030D-6E8A-4147-A177-3AD203B41FA5}">
+                      <a16:colId xmlns:a16="http://schemas.microsoft.com/office/drawing/2014/main" val="20000"/>
+                    </a:ext>
+                  </a:extLst>
+                </a:gridCol>
+                <a:gridCol w="750960">
+                  <a:extLst>
+                    <a:ext uri="{9D8B030D-6E8A-4147-A177-3AD203B41FA5}">
+                      <a16:colId xmlns:a16="http://schemas.microsoft.com/office/drawing/2014/main" val="20001"/>
+                    </a:ext>
+                  </a:extLst>
+                </a:gridCol>
+                <a:gridCol w="763200">
+                  <a:extLst>
+                    <a:ext uri="{9D8B030D-6E8A-4147-A177-3AD203B41FA5}">
+                      <a16:colId xmlns:a16="http://schemas.microsoft.com/office/drawing/2014/main" val="20002"/>
+                    </a:ext>
+                  </a:extLst>
+                </a:gridCol>
+                <a:gridCol w="1006200">
+                  <a:extLst>
+                    <a:ext uri="{9D8B030D-6E8A-4147-A177-3AD203B41FA5}">
+                      <a16:colId xmlns:a16="http://schemas.microsoft.com/office/drawing/2014/main" val="20003"/>
+                    </a:ext>
+                  </a:extLst>
+                </a:gridCol>
+                <a:gridCol w="1010880">
+                  <a:extLst>
+                    <a:ext uri="{9D8B030D-6E8A-4147-A177-3AD203B41FA5}">
+                      <a16:colId xmlns:a16="http://schemas.microsoft.com/office/drawing/2014/main" val="20004"/>
+                    </a:ext>
+                  </a:extLst>
+                </a:gridCol>
               </a:tblGrid>
               <a:tr h="349920">
                 <a:tc>
+                  <a:txBody>
+                    <a:bodyPr/>
+                    <a:lstStyle/>
+                    <a:p>
+                      <a:endParaRPr lang="ko-KR"/>
+                    </a:p>
+                  </a:txBody>
                   <a:tcPr marL="90000" marR="90000">
                     <a:lnL w="720">
                       <a:solidFill>
-                        <a:srgbClr val="ffffff"/>
+                        <a:srgbClr val="FFFFFF"/>
                       </a:solidFill>
                     </a:lnL>
                     <a:lnR w="720">
                       <a:solidFill>
-                        <a:srgbClr val="ffffff"/>
+                        <a:srgbClr val="FFFFFF"/>
                       </a:solidFill>
                     </a:lnR>
                     <a:lnT w="720">
                       <a:solidFill>
-                        <a:srgbClr val="ffffff"/>
+                        <a:srgbClr val="FFFFFF"/>
                       </a:solidFill>
                     </a:lnT>
                     <a:lnB w="720">
                       <a:solidFill>
-                        <a:srgbClr val="ffffff"/>
+                        <a:srgbClr val="FFFFFF"/>
                       </a:solidFill>
                     </a:lnB>
                     <a:solidFill>
-                      <a:srgbClr val="b3b3b3"/>
+                      <a:srgbClr val="B3B3B3"/>
                     </a:solidFill>
                   </a:tcPr>
                 </a:tc>
                 <a:tc gridSpan="2">
                   <a:txBody>
-                    <a:bodyPr lIns="90000" rIns="90000" tIns="46800" bIns="46800">
-                      <a:noAutofit/>
-                    </a:bodyPr>
+                    <a:bodyPr/>
+                    <a:lstStyle/>
                     <a:p>
                       <a:r>
-                        <a:rPr b="0" lang="en-US" sz="1800" spc="-1" strike="noStrike">
+                        <a:rPr lang="en-US" sz="1800" b="0" strike="noStrike" spc="-1">
                           <a:latin typeface="Arial"/>
                         </a:rPr>
                         <a:t>ETH</a:t>
                       </a:r>
-                      <a:endParaRPr b="0" lang="en-US" sz="1800" spc="-1" strike="noStrike">
-                        <a:latin typeface="Arial"/>
-                      </a:endParaRPr>
                     </a:p>
                   </a:txBody>
                   <a:tcPr marL="90000" marR="90000">
                     <a:lnL w="720">
                       <a:solidFill>
-                        <a:srgbClr val="ffffff"/>
+                        <a:srgbClr val="FFFFFF"/>
                       </a:solidFill>
                     </a:lnL>
                     <a:lnR w="720">
                       <a:solidFill>
-                        <a:srgbClr val="ffffff"/>
+                        <a:srgbClr val="FFFFFF"/>
                       </a:solidFill>
                     </a:lnR>
                     <a:lnT w="720">
                       <a:solidFill>
-                        <a:srgbClr val="ffffff"/>
+                        <a:srgbClr val="FFFFFF"/>
                       </a:solidFill>
                     </a:lnT>
                     <a:lnB w="720">
                       <a:solidFill>
-                        <a:srgbClr val="ffffff"/>
+                        <a:srgbClr val="FFFFFF"/>
                       </a:solidFill>
                     </a:lnB>
                     <a:solidFill>
-                      <a:srgbClr val="b3b3b3"/>
+                      <a:srgbClr val="B3B3B3"/>
                     </a:solidFill>
                   </a:tcPr>
                 </a:tc>
                 <a:tc hMerge="1">
+                  <a:txBody>
+                    <a:bodyPr/>
+                    <a:lstStyle/>
+                    <a:p>
+                      <a:endParaRPr lang="ko-KR"/>
+                    </a:p>
+                  </a:txBody>
                   <a:tcPr marL="90000" marR="90000">
                     <a:lnL w="720">
                       <a:solidFill>
-                        <a:srgbClr val="ffffff"/>
+                        <a:srgbClr val="FFFFFF"/>
                       </a:solidFill>
                     </a:lnL>
                     <a:lnR w="720">
                       <a:solidFill>
-                        <a:srgbClr val="ffffff"/>
+                        <a:srgbClr val="FFFFFF"/>
                       </a:solidFill>
                     </a:lnR>
                     <a:lnT w="720">
                       <a:solidFill>
-                        <a:srgbClr val="ffffff"/>
+                        <a:srgbClr val="FFFFFF"/>
                       </a:solidFill>
                     </a:lnT>
                     <a:lnB w="720">
                       <a:solidFill>
-                        <a:srgbClr val="ffffff"/>
+                        <a:srgbClr val="FFFFFF"/>
                       </a:solidFill>
                     </a:lnB>
                     <a:solidFill>
-                      <a:srgbClr val="b3b3b3"/>
+                      <a:srgbClr val="B3B3B3"/>
                     </a:solidFill>
                   </a:tcPr>
                 </a:tc>
                 <a:tc gridSpan="2">
                   <a:txBody>
-                    <a:bodyPr lIns="90000" rIns="90000" tIns="46800" bIns="46800">
-                      <a:noAutofit/>
-                    </a:bodyPr>
+                    <a:bodyPr/>
+                    <a:lstStyle/>
                     <a:p>
                       <a:r>
-                        <a:rPr b="0" lang="en-US" sz="1800" spc="-1" strike="noStrike">
+                        <a:rPr lang="en-US" sz="1800" b="0" strike="noStrike" spc="-1">
                           <a:latin typeface="Arial"/>
                         </a:rPr>
                         <a:t>IP</a:t>
                       </a:r>
-                      <a:endParaRPr b="0" lang="en-US" sz="1800" spc="-1" strike="noStrike">
-                        <a:latin typeface="Arial"/>
-                      </a:endParaRPr>
                     </a:p>
                   </a:txBody>
                   <a:tcPr marL="90000" marR="90000">
                     <a:lnL w="720">
                       <a:solidFill>
-                        <a:srgbClr val="ffffff"/>
+                        <a:srgbClr val="FFFFFF"/>
                       </a:solidFill>
                     </a:lnL>
                     <a:lnR w="720">
                       <a:solidFill>
-                        <a:srgbClr val="ffffff"/>
+                        <a:srgbClr val="FFFFFF"/>
                       </a:solidFill>
                     </a:lnR>
                     <a:lnT w="720">
                       <a:solidFill>
-                        <a:srgbClr val="ffffff"/>
+                        <a:srgbClr val="FFFFFF"/>
                       </a:solidFill>
                     </a:lnT>
                     <a:lnB w="720">
                       <a:solidFill>
-                        <a:srgbClr val="ffffff"/>
+                        <a:srgbClr val="FFFFFF"/>
                       </a:solidFill>
                     </a:lnB>
                     <a:solidFill>
-                      <a:srgbClr val="b3b3b3"/>
+                      <a:srgbClr val="B3B3B3"/>
                     </a:solidFill>
                   </a:tcPr>
                 </a:tc>
                 <a:tc hMerge="1">
+                  <a:txBody>
+                    <a:bodyPr/>
+                    <a:lstStyle/>
+                    <a:p>
+                      <a:endParaRPr lang="ko-KR"/>
+                    </a:p>
+                  </a:txBody>
                   <a:tcPr marL="90000" marR="90000">
                     <a:lnL w="720">
                       <a:solidFill>
-                        <a:srgbClr val="ffffff"/>
+                        <a:srgbClr val="FFFFFF"/>
                       </a:solidFill>
                     </a:lnL>
                     <a:lnR w="720">
                       <a:solidFill>
-                        <a:srgbClr val="ffffff"/>
+                        <a:srgbClr val="FFFFFF"/>
                       </a:solidFill>
                     </a:lnR>
                     <a:lnT w="720">
                       <a:solidFill>
-                        <a:srgbClr val="ffffff"/>
+                        <a:srgbClr val="FFFFFF"/>
                       </a:solidFill>
                     </a:lnT>
                     <a:lnB w="720">
                       <a:solidFill>
-                        <a:srgbClr val="ffffff"/>
+                        <a:srgbClr val="FFFFFF"/>
                       </a:solidFill>
                     </a:lnB>
                     <a:solidFill>
-                      <a:srgbClr val="b3b3b3"/>
+                      <a:srgbClr val="B3B3B3"/>
                     </a:solidFill>
                   </a:tcPr>
                 </a:tc>
+                <a:extLst>
+                  <a:ext uri="{0D108BD9-81ED-4DB2-BD59-A6C34878D82A}">
+                    <a16:rowId xmlns:a16="http://schemas.microsoft.com/office/drawing/2014/main" val="10000"/>
+                  </a:ext>
+                </a:extLst>
               </a:tr>
               <a:tr h="349920">
                 <a:tc>
+                  <a:txBody>
+                    <a:bodyPr/>
+                    <a:lstStyle/>
+                    <a:p>
+                      <a:endParaRPr lang="ko-KR"/>
+                    </a:p>
+                  </a:txBody>
                   <a:tcPr marL="90000" marR="90000">
                     <a:lnL w="720">
                       <a:solidFill>
-                        <a:srgbClr val="ffffff"/>
+                        <a:srgbClr val="FFFFFF"/>
                       </a:solidFill>
                     </a:lnL>
                     <a:lnR w="720">
                       <a:solidFill>
-                        <a:srgbClr val="ffffff"/>
+                        <a:srgbClr val="FFFFFF"/>
                       </a:solidFill>
                     </a:lnR>
                     <a:lnT w="720">
                       <a:solidFill>
-                        <a:srgbClr val="ffffff"/>
+                        <a:srgbClr val="FFFFFF"/>
                       </a:solidFill>
                     </a:lnT>
                     <a:lnB w="720">
                       <a:solidFill>
-                        <a:srgbClr val="ffffff"/>
+                        <a:srgbClr val="FFFFFF"/>
                       </a:solidFill>
                     </a:lnB>
                     <a:solidFill>
-                      <a:srgbClr val="cccccc"/>
+                      <a:srgbClr val="CCCCCC"/>
                     </a:solidFill>
                   </a:tcPr>
                 </a:tc>
                 <a:tc>
                   <a:txBody>
-                    <a:bodyPr lIns="90000" rIns="90000" tIns="46800" bIns="46800">
-                      <a:noAutofit/>
-                    </a:bodyPr>
+                    <a:bodyPr/>
+                    <a:lstStyle/>
                     <a:p>
                       <a:r>
-                        <a:rPr b="0" lang="en-US" sz="1800" spc="-1" strike="noStrike">
+                        <a:rPr lang="en-US" sz="1800" b="0" strike="noStrike" spc="-1">
                           <a:latin typeface="Arial"/>
                         </a:rPr>
                         <a:t>smac</a:t>
                       </a:r>
-                      <a:endParaRPr b="0" lang="en-US" sz="1800" spc="-1" strike="noStrike">
-                        <a:latin typeface="Arial"/>
-                      </a:endParaRPr>
                     </a:p>
                   </a:txBody>
                   <a:tcPr marL="90000" marR="90000">
                     <a:lnL w="720">
                       <a:solidFill>
-                        <a:srgbClr val="ffffff"/>
+                        <a:srgbClr val="FFFFFF"/>
                       </a:solidFill>
                     </a:lnL>
                     <a:lnR w="720">
                       <a:solidFill>
-                        <a:srgbClr val="ffffff"/>
+                        <a:srgbClr val="FFFFFF"/>
                       </a:solidFill>
                     </a:lnR>
                     <a:lnT w="720">
                       <a:solidFill>
-                        <a:srgbClr val="ffffff"/>
+                        <a:srgbClr val="FFFFFF"/>
                       </a:solidFill>
                     </a:lnT>
                     <a:lnB w="720">
                       <a:solidFill>
-                        <a:srgbClr val="ffffff"/>
+                        <a:srgbClr val="FFFFFF"/>
                       </a:solidFill>
                     </a:lnB>
                     <a:solidFill>
-                      <a:srgbClr val="cccccc"/>
+                      <a:srgbClr val="CCCCCC"/>
                     </a:solidFill>
                   </a:tcPr>
                 </a:tc>
                 <a:tc>
                   <a:txBody>
-                    <a:bodyPr lIns="90000" rIns="90000" tIns="46800" bIns="46800">
-                      <a:noAutofit/>
-                    </a:bodyPr>
+                    <a:bodyPr/>
+                    <a:lstStyle/>
                     <a:p>
                       <a:r>
-                        <a:rPr b="0" lang="en-US" sz="1800" spc="-1" strike="noStrike">
+                        <a:rPr lang="en-US" sz="1800" b="0" strike="noStrike" spc="-1">
                           <a:latin typeface="Arial"/>
                         </a:rPr>
                         <a:t>dmac</a:t>
                       </a:r>
-                      <a:endParaRPr b="0" lang="en-US" sz="1800" spc="-1" strike="noStrike">
-                        <a:latin typeface="Arial"/>
-                      </a:endParaRPr>
                     </a:p>
                   </a:txBody>
                   <a:tcPr marL="90000" marR="90000">
                     <a:lnL w="720">
                       <a:solidFill>
-                        <a:srgbClr val="ffffff"/>
+                        <a:srgbClr val="FFFFFF"/>
                       </a:solidFill>
                     </a:lnL>
                     <a:lnR w="720">
                       <a:solidFill>
-                        <a:srgbClr val="ffffff"/>
+                        <a:srgbClr val="FFFFFF"/>
                       </a:solidFill>
                     </a:lnR>
                     <a:lnT w="720">
                       <a:solidFill>
-                        <a:srgbClr val="ffffff"/>
+                        <a:srgbClr val="FFFFFF"/>
                       </a:solidFill>
                     </a:lnT>
                     <a:lnB w="720">
                       <a:solidFill>
-                        <a:srgbClr val="ffffff"/>
+                        <a:srgbClr val="FFFFFF"/>
                       </a:solidFill>
                     </a:lnB>
                     <a:solidFill>
-                      <a:srgbClr val="cccccc"/>
+                      <a:srgbClr val="CCCCCC"/>
                     </a:solidFill>
                   </a:tcPr>
                 </a:tc>
                 <a:tc>
                   <a:txBody>
-                    <a:bodyPr lIns="90000" rIns="90000" tIns="46800" bIns="46800">
-                      <a:noAutofit/>
-                    </a:bodyPr>
+                    <a:bodyPr/>
+                    <a:lstStyle/>
                     <a:p>
                       <a:r>
-                        <a:rPr b="0" lang="en-US" sz="1800" spc="-1" strike="noStrike">
+                        <a:rPr lang="en-US" sz="1800" b="0" strike="noStrike" spc="-1">
                           <a:latin typeface="Arial"/>
                         </a:rPr>
                         <a:t>sip</a:t>
                       </a:r>
-                      <a:endParaRPr b="0" lang="en-US" sz="1800" spc="-1" strike="noStrike">
-                        <a:latin typeface="Arial"/>
-                      </a:endParaRPr>
                     </a:p>
                   </a:txBody>
                   <a:tcPr marL="90000" marR="90000">
                     <a:lnL w="720">
                       <a:solidFill>
-                        <a:srgbClr val="ffffff"/>
+                        <a:srgbClr val="FFFFFF"/>
                       </a:solidFill>
                     </a:lnL>
                     <a:lnR w="720">
                       <a:solidFill>
-                        <a:srgbClr val="ffffff"/>
+                        <a:srgbClr val="FFFFFF"/>
                       </a:solidFill>
                     </a:lnR>
                     <a:lnT w="720">
                       <a:solidFill>
-                        <a:srgbClr val="ffffff"/>
+                        <a:srgbClr val="FFFFFF"/>
                       </a:solidFill>
                     </a:lnT>
                     <a:lnB w="720">
                       <a:solidFill>
-                        <a:srgbClr val="ffffff"/>
+                        <a:srgbClr val="FFFFFF"/>
                       </a:solidFill>
                     </a:lnB>
                     <a:solidFill>
-                      <a:srgbClr val="cccccc"/>
+                      <a:srgbClr val="CCCCCC"/>
                     </a:solidFill>
                   </a:tcPr>
                 </a:tc>
                 <a:tc>
                   <a:txBody>
-                    <a:bodyPr lIns="90000" rIns="90000" tIns="46800" bIns="46800">
-                      <a:noAutofit/>
-                    </a:bodyPr>
+                    <a:bodyPr/>
+                    <a:lstStyle/>
                     <a:p>
                       <a:r>
-                        <a:rPr b="0" lang="en-US" sz="1800" spc="-1" strike="noStrike">
+                        <a:rPr lang="en-US" sz="1800" b="0" strike="noStrike" spc="-1">
                           <a:latin typeface="Arial"/>
                         </a:rPr>
                         <a:t>dip</a:t>
                       </a:r>
-                      <a:endParaRPr b="0" lang="en-US" sz="1800" spc="-1" strike="noStrike">
-                        <a:latin typeface="Arial"/>
-                      </a:endParaRPr>
                     </a:p>
                   </a:txBody>
                   <a:tcPr marL="90000" marR="90000">
                     <a:lnL w="720">
                       <a:solidFill>
-                        <a:srgbClr val="ffffff"/>
+                        <a:srgbClr val="FFFFFF"/>
                       </a:solidFill>
                     </a:lnL>
                     <a:lnR w="720">
                       <a:solidFill>
-                        <a:srgbClr val="ffffff"/>
+                        <a:srgbClr val="FFFFFF"/>
                       </a:solidFill>
                     </a:lnR>
                     <a:lnT w="720">
                       <a:solidFill>
-                        <a:srgbClr val="ffffff"/>
+                        <a:srgbClr val="FFFFFF"/>
                       </a:solidFill>
                     </a:lnT>
                     <a:lnB w="720">
                       <a:solidFill>
-                        <a:srgbClr val="ffffff"/>
+                        <a:srgbClr val="FFFFFF"/>
                       </a:solidFill>
                     </a:lnB>
                     <a:solidFill>
-                      <a:srgbClr val="cccccc"/>
+                      <a:srgbClr val="CCCCCC"/>
                     </a:solidFill>
                   </a:tcPr>
                 </a:tc>
+                <a:extLst>
+                  <a:ext uri="{0D108BD9-81ED-4DB2-BD59-A6C34878D82A}">
+                    <a16:rowId xmlns:a16="http://schemas.microsoft.com/office/drawing/2014/main" val="10001"/>
+                  </a:ext>
+                </a:extLst>
               </a:tr>
               <a:tr h="349920">
                 <a:tc>
                   <a:txBody>
-                    <a:bodyPr lIns="90000" rIns="90000" tIns="46800" bIns="46800">
-                      <a:noAutofit/>
-                    </a:bodyPr>
+                    <a:bodyPr/>
+                    <a:lstStyle/>
                     <a:p>
                       <a:r>
-                        <a:rPr b="0" lang="en-US" sz="1800" spc="-1" strike="noStrike">
+                        <a:rPr lang="en-US" sz="1800" b="0" strike="noStrike" spc="-1">
                           <a:latin typeface="Arial"/>
                         </a:rPr>
                         <a:t>request</a:t>
                       </a:r>
-                      <a:endParaRPr b="0" lang="en-US" sz="1800" spc="-1" strike="noStrike">
-                        <a:latin typeface="Arial"/>
-                      </a:endParaRPr>
                     </a:p>
                   </a:txBody>
                   <a:tcPr marL="90000" marR="90000">
                     <a:lnL w="720">
                       <a:solidFill>
-                        <a:srgbClr val="ffffff"/>
+                        <a:srgbClr val="FFFFFF"/>
                       </a:solidFill>
                     </a:lnL>
                     <a:lnR w="720">
                       <a:solidFill>
-                        <a:srgbClr val="ffffff"/>
+                        <a:srgbClr val="FFFFFF"/>
                       </a:solidFill>
                     </a:lnR>
                     <a:lnT w="720">
                       <a:solidFill>
-                        <a:srgbClr val="ffffff"/>
+                        <a:srgbClr val="FFFFFF"/>
                       </a:solidFill>
                     </a:lnT>
                     <a:lnB w="720">
                       <a:solidFill>
-                        <a:srgbClr val="ffffff"/>
+                        <a:srgbClr val="FFFFFF"/>
                       </a:solidFill>
                     </a:lnB>
                     <a:solidFill>
-                      <a:srgbClr val="e6e6e6"/>
+                      <a:srgbClr val="E6E6E6"/>
                     </a:solidFill>
                   </a:tcPr>
                 </a:tc>
                 <a:tc>
                   <a:txBody>
-                    <a:bodyPr lIns="90000" rIns="90000" tIns="46800" bIns="46800">
-                      <a:noAutofit/>
-                    </a:bodyPr>
-                    <a:p>
+                    <a:bodyPr/>
+                    <a:lstStyle/>
+                    <a:p>
+                      <a:pPr marL="0" marR="0" lvl="0" indent="0" algn="l" defTabSz="914400" rtl="0" eaLnBrk="1" fontAlgn="auto" latinLnBrk="1" hangingPunct="1">
+                        <a:lnSpc>
+                          <a:spcPct val="100000"/>
+                        </a:lnSpc>
+                        <a:spcBef>
+                          <a:spcPts val="0"/>
+                        </a:spcBef>
+                        <a:spcAft>
+                          <a:spcPts val="0"/>
+                        </a:spcAft>
+                        <a:buClrTx/>
+                        <a:buSzTx/>
+                        <a:buFontTx/>
+                        <a:buNone/>
+                        <a:tabLst/>
+                        <a:defRPr/>
+                      </a:pPr>
                       <a:r>
-                        <a:rPr b="0" lang="en-US" sz="1800" spc="-1" strike="noStrike">
-                          <a:latin typeface="Arial"/>
+                        <a:rPr lang="en-US" altLang="ko-KR" sz="800" b="0" strike="noStrike" spc="-1" dirty="0">
+                          <a:latin typeface="+mn-lt"/>
                         </a:rPr>
-                        <a:t>?</a:t>
+                        <a:t>00:0c:29:d3:4c:66</a:t>
                       </a:r>
-                      <a:endParaRPr b="0" lang="en-US" sz="1800" spc="-1" strike="noStrike">
-                        <a:latin typeface="Arial"/>
-                      </a:endParaRPr>
                     </a:p>
                   </a:txBody>
                   <a:tcPr marL="90000" marR="90000">
                     <a:lnL w="720">
                       <a:solidFill>
-                        <a:srgbClr val="ffffff"/>
+                        <a:srgbClr val="FFFFFF"/>
                       </a:solidFill>
                     </a:lnL>
                     <a:lnR w="720">
                       <a:solidFill>
-                        <a:srgbClr val="ffffff"/>
+                        <a:srgbClr val="FFFFFF"/>
                       </a:solidFill>
                     </a:lnR>
                     <a:lnT w="720">
                       <a:solidFill>
-                        <a:srgbClr val="ffffff"/>
+                        <a:srgbClr val="FFFFFF"/>
                       </a:solidFill>
                     </a:lnT>
                     <a:lnB w="720">
                       <a:solidFill>
-                        <a:srgbClr val="ffffff"/>
+                        <a:srgbClr val="FFFFFF"/>
                       </a:solidFill>
                     </a:lnB>
                     <a:solidFill>
-                      <a:srgbClr val="e6e6e6"/>
+                      <a:srgbClr val="E6E6E6"/>
                     </a:solidFill>
                   </a:tcPr>
                 </a:tc>
                 <a:tc>
                   <a:txBody>
-                    <a:bodyPr lIns="90000" rIns="90000" tIns="46800" bIns="46800">
-                      <a:noAutofit/>
-                    </a:bodyPr>
+                    <a:bodyPr/>
+                    <a:lstStyle/>
+                    <a:p>
+                      <a:pPr marL="0" marR="0" lvl="0" indent="0" algn="l" defTabSz="914400" rtl="0" eaLnBrk="1" fontAlgn="auto" latinLnBrk="1" hangingPunct="1">
+                        <a:lnSpc>
+                          <a:spcPct val="100000"/>
+                        </a:lnSpc>
+                        <a:spcBef>
+                          <a:spcPts val="0"/>
+                        </a:spcBef>
+                        <a:spcAft>
+                          <a:spcPts val="0"/>
+                        </a:spcAft>
+                        <a:buClrTx/>
+                        <a:buSzTx/>
+                        <a:buFontTx/>
+                        <a:buNone/>
+                        <a:tabLst/>
+                        <a:defRPr/>
+                      </a:pPr>
+                      <a:r>
+                        <a:rPr lang="en-US" altLang="ko-KR" sz="800" b="0" strike="noStrike" spc="-1" dirty="0">
+                          <a:latin typeface="+mn-lt"/>
+                        </a:rPr>
+                        <a:t>4e:dd:31:a6:b0:55</a:t>
+                      </a:r>
+                    </a:p>
+                    <a:p>
+                      <a:pPr>
+                        <a:lnSpc>
+                          <a:spcPct val="100000"/>
+                        </a:lnSpc>
+                      </a:pPr>
+                      <a:endParaRPr lang="en-US" sz="800" b="0" strike="noStrike" spc="-1" dirty="0">
+                        <a:latin typeface="Arial"/>
+                      </a:endParaRPr>
+                    </a:p>
+                  </a:txBody>
+                  <a:tcPr marL="90000" marR="90000">
+                    <a:lnL w="720">
+                      <a:solidFill>
+                        <a:srgbClr val="FFFFFF"/>
+                      </a:solidFill>
+                    </a:lnL>
+                    <a:lnR w="720">
+                      <a:solidFill>
+                        <a:srgbClr val="FFFFFF"/>
+                      </a:solidFill>
+                    </a:lnR>
+                    <a:lnT w="720">
+                      <a:solidFill>
+                        <a:srgbClr val="FFFFFF"/>
+                      </a:solidFill>
+                    </a:lnT>
+                    <a:lnB w="720">
+                      <a:solidFill>
+                        <a:srgbClr val="FFFFFF"/>
+                      </a:solidFill>
+                    </a:lnB>
+                    <a:solidFill>
+                      <a:srgbClr val="E6E6E6"/>
+                    </a:solidFill>
+                  </a:tcPr>
+                </a:tc>
+                <a:tc>
+                  <a:txBody>
+                    <a:bodyPr/>
+                    <a:lstStyle/>
+                    <a:p>
+                      <a:pPr marL="0" marR="0" lvl="0" indent="0" algn="l" defTabSz="914400" rtl="0" eaLnBrk="1" fontAlgn="auto" latinLnBrk="1" hangingPunct="1">
+                        <a:lnSpc>
+                          <a:spcPct val="100000"/>
+                        </a:lnSpc>
+                        <a:spcBef>
+                          <a:spcPts val="0"/>
+                        </a:spcBef>
+                        <a:spcAft>
+                          <a:spcPts val="0"/>
+                        </a:spcAft>
+                        <a:buClrTx/>
+                        <a:buSzTx/>
+                        <a:buFontTx/>
+                        <a:buNone/>
+                        <a:tabLst/>
+                        <a:defRPr/>
+                      </a:pPr>
+                      <a:r>
+                        <a:rPr lang="en-US" altLang="ko-KR" sz="800" b="0" strike="noStrike" spc="-1" dirty="0">
+                          <a:latin typeface="+mn-lt"/>
+                        </a:rPr>
+                        <a:t>192.168.43.182</a:t>
+                      </a:r>
+                    </a:p>
+                    <a:p>
+                      <a:pPr>
+                        <a:lnSpc>
+                          <a:spcPct val="100000"/>
+                        </a:lnSpc>
+                      </a:pPr>
+                      <a:endParaRPr lang="en-US" sz="800" b="0" strike="noStrike" spc="-1" dirty="0">
+                        <a:latin typeface="Arial"/>
+                      </a:endParaRPr>
+                    </a:p>
+                  </a:txBody>
+                  <a:tcPr marL="90000" marR="90000">
+                    <a:lnL w="720">
+                      <a:solidFill>
+                        <a:srgbClr val="FFFFFF"/>
+                      </a:solidFill>
+                    </a:lnL>
+                    <a:lnR w="720">
+                      <a:solidFill>
+                        <a:srgbClr val="FFFFFF"/>
+                      </a:solidFill>
+                    </a:lnR>
+                    <a:lnT w="720">
+                      <a:solidFill>
+                        <a:srgbClr val="FFFFFF"/>
+                      </a:solidFill>
+                    </a:lnT>
+                    <a:lnB w="720">
+                      <a:solidFill>
+                        <a:srgbClr val="FFFFFF"/>
+                      </a:solidFill>
+                    </a:lnB>
+                    <a:solidFill>
+                      <a:srgbClr val="E6E6E6"/>
+                    </a:solidFill>
+                  </a:tcPr>
+                </a:tc>
+                <a:tc>
+                  <a:txBody>
+                    <a:bodyPr/>
+                    <a:lstStyle/>
                     <a:p>
                       <a:pPr>
                         <a:lnSpc>
@@ -2238,47 +3296,221 @@
                         </a:lnSpc>
                       </a:pPr>
                       <a:r>
-                        <a:rPr b="0" lang="en-US" sz="1800" spc="-1" strike="noStrike">
+                        <a:rPr lang="en-US" sz="800" b="0" strike="noStrike" spc="-1" dirty="0">
                           <a:latin typeface="Arial"/>
                         </a:rPr>
-                        <a:t>?</a:t>
+                        <a:t>8.8.8.8</a:t>
                       </a:r>
-                      <a:endParaRPr b="0" lang="en-US" sz="1800" spc="-1" strike="noStrike">
-                        <a:latin typeface="Arial"/>
-                      </a:endParaRPr>
                     </a:p>
                   </a:txBody>
                   <a:tcPr marL="90000" marR="90000">
                     <a:lnL w="720">
                       <a:solidFill>
-                        <a:srgbClr val="ffffff"/>
+                        <a:srgbClr val="FFFFFF"/>
                       </a:solidFill>
                     </a:lnL>
                     <a:lnR w="720">
                       <a:solidFill>
-                        <a:srgbClr val="ffffff"/>
+                        <a:srgbClr val="FFFFFF"/>
                       </a:solidFill>
                     </a:lnR>
                     <a:lnT w="720">
                       <a:solidFill>
-                        <a:srgbClr val="ffffff"/>
+                        <a:srgbClr val="FFFFFF"/>
                       </a:solidFill>
                     </a:lnT>
                     <a:lnB w="720">
                       <a:solidFill>
-                        <a:srgbClr val="ffffff"/>
+                        <a:srgbClr val="FFFFFF"/>
                       </a:solidFill>
                     </a:lnB>
                     <a:solidFill>
-                      <a:srgbClr val="e6e6e6"/>
+                      <a:srgbClr val="E6E6E6"/>
+                    </a:solidFill>
+                  </a:tcPr>
+                </a:tc>
+                <a:extLst>
+                  <a:ext uri="{0D108BD9-81ED-4DB2-BD59-A6C34878D82A}">
+                    <a16:rowId xmlns:a16="http://schemas.microsoft.com/office/drawing/2014/main" val="10002"/>
+                  </a:ext>
+                </a:extLst>
+              </a:tr>
+              <a:tr h="349920">
+                <a:tc>
+                  <a:txBody>
+                    <a:bodyPr/>
+                    <a:lstStyle/>
+                    <a:p>
+                      <a:r>
+                        <a:rPr lang="en-US" sz="1800" b="0" strike="noStrike" spc="-1">
+                          <a:latin typeface="Arial"/>
+                        </a:rPr>
+                        <a:t>reply</a:t>
+                      </a:r>
+                    </a:p>
+                  </a:txBody>
+                  <a:tcPr marL="90000" marR="90000">
+                    <a:lnL w="720">
+                      <a:solidFill>
+                        <a:srgbClr val="FFFFFF"/>
+                      </a:solidFill>
+                    </a:lnL>
+                    <a:lnR w="720">
+                      <a:solidFill>
+                        <a:srgbClr val="FFFFFF"/>
+                      </a:solidFill>
+                    </a:lnR>
+                    <a:lnT w="720">
+                      <a:solidFill>
+                        <a:srgbClr val="FFFFFF"/>
+                      </a:solidFill>
+                    </a:lnT>
+                    <a:lnB w="720">
+                      <a:solidFill>
+                        <a:srgbClr val="FFFFFF"/>
+                      </a:solidFill>
+                    </a:lnB>
+                    <a:solidFill>
+                      <a:srgbClr val="CCCCCC"/>
                     </a:solidFill>
                   </a:tcPr>
                 </a:tc>
                 <a:tc>
                   <a:txBody>
-                    <a:bodyPr lIns="90000" rIns="90000" tIns="46800" bIns="46800">
-                      <a:noAutofit/>
-                    </a:bodyPr>
+                    <a:bodyPr/>
+                    <a:lstStyle/>
+                    <a:p>
+                      <a:pPr marL="0" marR="0" lvl="0" indent="0" algn="l" defTabSz="914400" rtl="0" eaLnBrk="1" fontAlgn="auto" latinLnBrk="1" hangingPunct="1">
+                        <a:lnSpc>
+                          <a:spcPct val="100000"/>
+                        </a:lnSpc>
+                        <a:spcBef>
+                          <a:spcPts val="0"/>
+                        </a:spcBef>
+                        <a:spcAft>
+                          <a:spcPts val="0"/>
+                        </a:spcAft>
+                        <a:buClrTx/>
+                        <a:buSzTx/>
+                        <a:buFontTx/>
+                        <a:buNone/>
+                        <a:tabLst/>
+                        <a:defRPr/>
+                      </a:pPr>
+                      <a:r>
+                        <a:rPr lang="en-US" altLang="ko-KR" sz="800" b="0" strike="noStrike" spc="-1" dirty="0">
+                          <a:latin typeface="+mn-lt"/>
+                        </a:rPr>
+                        <a:t>4e:dd:31:a6:b0:55</a:t>
+                      </a:r>
+                    </a:p>
+                    <a:p>
+                      <a:pPr>
+                        <a:lnSpc>
+                          <a:spcPct val="100000"/>
+                        </a:lnSpc>
+                      </a:pPr>
+                      <a:endParaRPr lang="en-US" sz="800" b="0" strike="noStrike" spc="-1" dirty="0">
+                        <a:latin typeface="Arial"/>
+                      </a:endParaRPr>
+                    </a:p>
+                  </a:txBody>
+                  <a:tcPr marL="90000" marR="90000">
+                    <a:lnL w="720">
+                      <a:solidFill>
+                        <a:srgbClr val="FFFFFF"/>
+                      </a:solidFill>
+                    </a:lnL>
+                    <a:lnR w="720">
+                      <a:solidFill>
+                        <a:srgbClr val="FFFFFF"/>
+                      </a:solidFill>
+                    </a:lnR>
+                    <a:lnT w="720">
+                      <a:solidFill>
+                        <a:srgbClr val="FFFFFF"/>
+                      </a:solidFill>
+                    </a:lnT>
+                    <a:lnB w="720">
+                      <a:solidFill>
+                        <a:srgbClr val="FFFFFF"/>
+                      </a:solidFill>
+                    </a:lnB>
+                    <a:solidFill>
+                      <a:srgbClr val="CCCCCC"/>
+                    </a:solidFill>
+                  </a:tcPr>
+                </a:tc>
+                <a:tc>
+                  <a:txBody>
+                    <a:bodyPr/>
+                    <a:lstStyle/>
+                    <a:p>
+                      <a:pPr marL="0" marR="0" lvl="0" indent="0" algn="l" defTabSz="914400" rtl="0" eaLnBrk="1" fontAlgn="auto" latinLnBrk="1" hangingPunct="1">
+                        <a:lnSpc>
+                          <a:spcPct val="100000"/>
+                        </a:lnSpc>
+                        <a:spcBef>
+                          <a:spcPts val="0"/>
+                        </a:spcBef>
+                        <a:spcAft>
+                          <a:spcPts val="0"/>
+                        </a:spcAft>
+                        <a:buClrTx/>
+                        <a:buSzTx/>
+                        <a:buFontTx/>
+                        <a:buNone/>
+                        <a:tabLst/>
+                        <a:defRPr/>
+                      </a:pPr>
+                      <a:r>
+                        <a:rPr lang="en-US" altLang="ko-KR" sz="800" b="0" strike="noStrike" spc="-1" dirty="0">
+                          <a:latin typeface="+mn-lt"/>
+                        </a:rPr>
+                        <a:t>00:0c:29:d3:4c:66</a:t>
+                      </a:r>
+                    </a:p>
+                    <a:p>
+                      <a:pPr>
+                        <a:lnSpc>
+                          <a:spcPct val="100000"/>
+                        </a:lnSpc>
+                      </a:pPr>
+                      <a:endParaRPr lang="en-US" sz="800" b="0" strike="noStrike" spc="-1" dirty="0">
+                        <a:latin typeface="Arial"/>
+                      </a:endParaRPr>
+                    </a:p>
+                  </a:txBody>
+                  <a:tcPr marL="90000" marR="90000">
+                    <a:lnL w="720">
+                      <a:solidFill>
+                        <a:srgbClr val="FFFFFF"/>
+                      </a:solidFill>
+                    </a:lnL>
+                    <a:lnR w="720">
+                      <a:solidFill>
+                        <a:srgbClr val="FFFFFF"/>
+                      </a:solidFill>
+                    </a:lnR>
+                    <a:lnT w="720">
+                      <a:solidFill>
+                        <a:srgbClr val="FFFFFF"/>
+                      </a:solidFill>
+                    </a:lnT>
+                    <a:lnB w="720">
+                      <a:solidFill>
+                        <a:srgbClr val="FFFFFF"/>
+                      </a:solidFill>
+                    </a:lnB>
+                    <a:solidFill>
+                      <a:srgbClr val="CCCCCC"/>
+                    </a:solidFill>
+                  </a:tcPr>
+                </a:tc>
+                <a:tc>
+                  <a:txBody>
+                    <a:bodyPr/>
+                    <a:lstStyle/>
                     <a:p>
                       <a:pPr>
                         <a:lnSpc>
@@ -2286,47 +3518,43 @@
                         </a:lnSpc>
                       </a:pPr>
                       <a:r>
-                        <a:rPr b="0" lang="en-US" sz="1800" spc="-1" strike="noStrike">
+                        <a:rPr lang="en-US" sz="800" b="0" strike="noStrike" spc="-1" dirty="0">
                           <a:latin typeface="Arial"/>
                         </a:rPr>
-                        <a:t>?</a:t>
+                        <a:t>8.8.8.8</a:t>
                       </a:r>
-                      <a:endParaRPr b="0" lang="en-US" sz="1800" spc="-1" strike="noStrike">
-                        <a:latin typeface="Arial"/>
-                      </a:endParaRPr>
                     </a:p>
                   </a:txBody>
                   <a:tcPr marL="90000" marR="90000">
                     <a:lnL w="720">
                       <a:solidFill>
-                        <a:srgbClr val="ffffff"/>
+                        <a:srgbClr val="FFFFFF"/>
                       </a:solidFill>
                     </a:lnL>
                     <a:lnR w="720">
                       <a:solidFill>
-                        <a:srgbClr val="ffffff"/>
+                        <a:srgbClr val="FFFFFF"/>
                       </a:solidFill>
                     </a:lnR>
                     <a:lnT w="720">
                       <a:solidFill>
-                        <a:srgbClr val="ffffff"/>
+                        <a:srgbClr val="FFFFFF"/>
                       </a:solidFill>
                     </a:lnT>
                     <a:lnB w="720">
                       <a:solidFill>
-                        <a:srgbClr val="ffffff"/>
+                        <a:srgbClr val="FFFFFF"/>
                       </a:solidFill>
                     </a:lnB>
                     <a:solidFill>
-                      <a:srgbClr val="e6e6e6"/>
+                      <a:srgbClr val="CCCCCC"/>
                     </a:solidFill>
                   </a:tcPr>
                 </a:tc>
                 <a:tc>
                   <a:txBody>
-                    <a:bodyPr lIns="90000" rIns="90000" tIns="46800" bIns="46800">
-                      <a:noAutofit/>
-                    </a:bodyPr>
+                    <a:bodyPr/>
+                    <a:lstStyle/>
                     <a:p>
                       <a:pPr>
                         <a:lnSpc>
@@ -2334,279 +3562,44 @@
                         </a:lnSpc>
                       </a:pPr>
                       <a:r>
-                        <a:rPr b="0" lang="en-US" sz="1800" spc="-1" strike="noStrike">
+                        <a:rPr lang="en-US" sz="800" b="0" strike="noStrike" spc="-1" dirty="0">
                           <a:latin typeface="Arial"/>
                         </a:rPr>
-                        <a:t>?</a:t>
+                        <a:t>192.168.43.182</a:t>
                       </a:r>
-                      <a:endParaRPr b="0" lang="en-US" sz="1800" spc="-1" strike="noStrike">
-                        <a:latin typeface="Arial"/>
-                      </a:endParaRPr>
                     </a:p>
                   </a:txBody>
                   <a:tcPr marL="90000" marR="90000">
                     <a:lnL w="720">
                       <a:solidFill>
-                        <a:srgbClr val="ffffff"/>
+                        <a:srgbClr val="FFFFFF"/>
                       </a:solidFill>
                     </a:lnL>
                     <a:lnR w="720">
                       <a:solidFill>
-                        <a:srgbClr val="ffffff"/>
+                        <a:srgbClr val="FFFFFF"/>
                       </a:solidFill>
                     </a:lnR>
                     <a:lnT w="720">
                       <a:solidFill>
-                        <a:srgbClr val="ffffff"/>
+                        <a:srgbClr val="FFFFFF"/>
                       </a:solidFill>
                     </a:lnT>
                     <a:lnB w="720">
                       <a:solidFill>
-                        <a:srgbClr val="ffffff"/>
+                        <a:srgbClr val="FFFFFF"/>
                       </a:solidFill>
                     </a:lnB>
                     <a:solidFill>
-                      <a:srgbClr val="e6e6e6"/>
+                      <a:srgbClr val="CCCCCC"/>
                     </a:solidFill>
                   </a:tcPr>
                 </a:tc>
-              </a:tr>
-              <a:tr h="349920">
-                <a:tc>
-                  <a:txBody>
-                    <a:bodyPr lIns="90000" rIns="90000" tIns="46800" bIns="46800">
-                      <a:noAutofit/>
-                    </a:bodyPr>
-                    <a:p>
-                      <a:r>
-                        <a:rPr b="0" lang="en-US" sz="1800" spc="-1" strike="noStrike">
-                          <a:latin typeface="Arial"/>
-                        </a:rPr>
-                        <a:t>reply</a:t>
-                      </a:r>
-                      <a:endParaRPr b="0" lang="en-US" sz="1800" spc="-1" strike="noStrike">
-                        <a:latin typeface="Arial"/>
-                      </a:endParaRPr>
-                    </a:p>
-                  </a:txBody>
-                  <a:tcPr marL="90000" marR="90000">
-                    <a:lnL w="720">
-                      <a:solidFill>
-                        <a:srgbClr val="ffffff"/>
-                      </a:solidFill>
-                    </a:lnL>
-                    <a:lnR w="720">
-                      <a:solidFill>
-                        <a:srgbClr val="ffffff"/>
-                      </a:solidFill>
-                    </a:lnR>
-                    <a:lnT w="720">
-                      <a:solidFill>
-                        <a:srgbClr val="ffffff"/>
-                      </a:solidFill>
-                    </a:lnT>
-                    <a:lnB w="720">
-                      <a:solidFill>
-                        <a:srgbClr val="ffffff"/>
-                      </a:solidFill>
-                    </a:lnB>
-                    <a:solidFill>
-                      <a:srgbClr val="cccccc"/>
-                    </a:solidFill>
-                  </a:tcPr>
-                </a:tc>
-                <a:tc>
-                  <a:txBody>
-                    <a:bodyPr lIns="90000" rIns="90000" tIns="46800" bIns="46800">
-                      <a:noAutofit/>
-                    </a:bodyPr>
-                    <a:p>
-                      <a:pPr>
-                        <a:lnSpc>
-                          <a:spcPct val="100000"/>
-                        </a:lnSpc>
-                      </a:pPr>
-                      <a:r>
-                        <a:rPr b="0" lang="en-US" sz="1800" spc="-1" strike="noStrike">
-                          <a:latin typeface="Arial"/>
-                        </a:rPr>
-                        <a:t>?</a:t>
-                      </a:r>
-                      <a:endParaRPr b="0" lang="en-US" sz="1800" spc="-1" strike="noStrike">
-                        <a:latin typeface="Arial"/>
-                      </a:endParaRPr>
-                    </a:p>
-                  </a:txBody>
-                  <a:tcPr marL="90000" marR="90000">
-                    <a:lnL w="720">
-                      <a:solidFill>
-                        <a:srgbClr val="ffffff"/>
-                      </a:solidFill>
-                    </a:lnL>
-                    <a:lnR w="720">
-                      <a:solidFill>
-                        <a:srgbClr val="ffffff"/>
-                      </a:solidFill>
-                    </a:lnR>
-                    <a:lnT w="720">
-                      <a:solidFill>
-                        <a:srgbClr val="ffffff"/>
-                      </a:solidFill>
-                    </a:lnT>
-                    <a:lnB w="720">
-                      <a:solidFill>
-                        <a:srgbClr val="ffffff"/>
-                      </a:solidFill>
-                    </a:lnB>
-                    <a:solidFill>
-                      <a:srgbClr val="cccccc"/>
-                    </a:solidFill>
-                  </a:tcPr>
-                </a:tc>
-                <a:tc>
-                  <a:txBody>
-                    <a:bodyPr lIns="90000" rIns="90000" tIns="46800" bIns="46800">
-                      <a:noAutofit/>
-                    </a:bodyPr>
-                    <a:p>
-                      <a:pPr>
-                        <a:lnSpc>
-                          <a:spcPct val="100000"/>
-                        </a:lnSpc>
-                      </a:pPr>
-                      <a:r>
-                        <a:rPr b="0" lang="en-US" sz="1800" spc="-1" strike="noStrike">
-                          <a:latin typeface="Arial"/>
-                        </a:rPr>
-                        <a:t>?</a:t>
-                      </a:r>
-                      <a:endParaRPr b="0" lang="en-US" sz="1800" spc="-1" strike="noStrike">
-                        <a:latin typeface="Arial"/>
-                      </a:endParaRPr>
-                    </a:p>
-                  </a:txBody>
-                  <a:tcPr marL="90000" marR="90000">
-                    <a:lnL w="720">
-                      <a:solidFill>
-                        <a:srgbClr val="ffffff"/>
-                      </a:solidFill>
-                    </a:lnL>
-                    <a:lnR w="720">
-                      <a:solidFill>
-                        <a:srgbClr val="ffffff"/>
-                      </a:solidFill>
-                    </a:lnR>
-                    <a:lnT w="720">
-                      <a:solidFill>
-                        <a:srgbClr val="ffffff"/>
-                      </a:solidFill>
-                    </a:lnT>
-                    <a:lnB w="720">
-                      <a:solidFill>
-                        <a:srgbClr val="ffffff"/>
-                      </a:solidFill>
-                    </a:lnB>
-                    <a:solidFill>
-                      <a:srgbClr val="cccccc"/>
-                    </a:solidFill>
-                  </a:tcPr>
-                </a:tc>
-                <a:tc>
-                  <a:txBody>
-                    <a:bodyPr lIns="90000" rIns="90000" tIns="46800" bIns="46800">
-                      <a:noAutofit/>
-                    </a:bodyPr>
-                    <a:p>
-                      <a:pPr>
-                        <a:lnSpc>
-                          <a:spcPct val="100000"/>
-                        </a:lnSpc>
-                      </a:pPr>
-                      <a:r>
-                        <a:rPr b="0" lang="en-US" sz="1800" spc="-1" strike="noStrike">
-                          <a:latin typeface="Arial"/>
-                        </a:rPr>
-                        <a:t>?</a:t>
-                      </a:r>
-                      <a:endParaRPr b="0" lang="en-US" sz="1800" spc="-1" strike="noStrike">
-                        <a:latin typeface="Arial"/>
-                      </a:endParaRPr>
-                    </a:p>
-                  </a:txBody>
-                  <a:tcPr marL="90000" marR="90000">
-                    <a:lnL w="720">
-                      <a:solidFill>
-                        <a:srgbClr val="ffffff"/>
-                      </a:solidFill>
-                    </a:lnL>
-                    <a:lnR w="720">
-                      <a:solidFill>
-                        <a:srgbClr val="ffffff"/>
-                      </a:solidFill>
-                    </a:lnR>
-                    <a:lnT w="720">
-                      <a:solidFill>
-                        <a:srgbClr val="ffffff"/>
-                      </a:solidFill>
-                    </a:lnT>
-                    <a:lnB w="720">
-                      <a:solidFill>
-                        <a:srgbClr val="ffffff"/>
-                      </a:solidFill>
-                    </a:lnB>
-                    <a:solidFill>
-                      <a:srgbClr val="cccccc"/>
-                    </a:solidFill>
-                  </a:tcPr>
-                </a:tc>
-                <a:tc>
-                  <a:txBody>
-                    <a:bodyPr lIns="90000" rIns="90000" tIns="46800" bIns="46800">
-                      <a:noAutofit/>
-                    </a:bodyPr>
-                    <a:p>
-                      <a:pPr>
-                        <a:lnSpc>
-                          <a:spcPct val="100000"/>
-                        </a:lnSpc>
-                      </a:pPr>
-                      <a:r>
-                        <a:rPr b="0" lang="en-US" sz="1800" spc="-1" strike="noStrike">
-                          <a:latin typeface="Arial"/>
-                        </a:rPr>
-                        <a:t>?</a:t>
-                      </a:r>
-                      <a:endParaRPr b="0" lang="en-US" sz="1800" spc="-1" strike="noStrike">
-                        <a:latin typeface="Arial"/>
-                      </a:endParaRPr>
-                    </a:p>
-                  </a:txBody>
-                  <a:tcPr marL="90000" marR="90000">
-                    <a:lnL w="720">
-                      <a:solidFill>
-                        <a:srgbClr val="ffffff"/>
-                      </a:solidFill>
-                    </a:lnL>
-                    <a:lnR w="720">
-                      <a:solidFill>
-                        <a:srgbClr val="ffffff"/>
-                      </a:solidFill>
-                    </a:lnR>
-                    <a:lnT w="720">
-                      <a:solidFill>
-                        <a:srgbClr val="ffffff"/>
-                      </a:solidFill>
-                    </a:lnT>
-                    <a:lnB w="720">
-                      <a:solidFill>
-                        <a:srgbClr val="ffffff"/>
-                      </a:solidFill>
-                    </a:lnB>
-                    <a:solidFill>
-                      <a:srgbClr val="cccccc"/>
-                    </a:solidFill>
-                  </a:tcPr>
-                </a:tc>
+                <a:extLst>
+                  <a:ext uri="{0D108BD9-81ED-4DB2-BD59-A6C34878D82A}">
+                    <a16:rowId xmlns:a16="http://schemas.microsoft.com/office/drawing/2014/main" val="10003"/>
+                  </a:ext>
+                </a:extLst>
               </a:tr>
             </a:tbl>
           </a:graphicData>
@@ -2616,289 +3609,375 @@
         <p:nvGraphicFramePr>
           <p:cNvPr id="42" name="Table 2"/>
           <p:cNvGraphicFramePr/>
-          <p:nvPr/>
+          <p:nvPr>
+            <p:extLst>
+              <p:ext uri="{D42A27DB-BD31-4B8C-83A1-F6EECF244321}">
+                <p14:modId xmlns:p14="http://schemas.microsoft.com/office/powerpoint/2010/main" val="355089236"/>
+              </p:ext>
+            </p:extLst>
+          </p:nvPr>
         </p:nvGraphicFramePr>
         <p:xfrm>
           <a:off x="3750120" y="4147200"/>
-          <a:ext cx="6177240" cy="1399320"/>
+          <a:ext cx="6177600" cy="1645920"/>
         </p:xfrm>
         <a:graphic>
           <a:graphicData uri="http://schemas.openxmlformats.org/drawingml/2006/table">
             <a:tbl>
               <a:tblPr/>
               <a:tblGrid>
-                <a:gridCol w="1013040"/>
-                <a:gridCol w="779040"/>
-                <a:gridCol w="773640"/>
-                <a:gridCol w="779760"/>
-                <a:gridCol w="1048680"/>
-                <a:gridCol w="760680"/>
-                <a:gridCol w="1022760"/>
+                <a:gridCol w="1013040">
+                  <a:extLst>
+                    <a:ext uri="{9D8B030D-6E8A-4147-A177-3AD203B41FA5}">
+                      <a16:colId xmlns:a16="http://schemas.microsoft.com/office/drawing/2014/main" val="20000"/>
+                    </a:ext>
+                  </a:extLst>
+                </a:gridCol>
+                <a:gridCol w="779040">
+                  <a:extLst>
+                    <a:ext uri="{9D8B030D-6E8A-4147-A177-3AD203B41FA5}">
+                      <a16:colId xmlns:a16="http://schemas.microsoft.com/office/drawing/2014/main" val="20001"/>
+                    </a:ext>
+                  </a:extLst>
+                </a:gridCol>
+                <a:gridCol w="773640">
+                  <a:extLst>
+                    <a:ext uri="{9D8B030D-6E8A-4147-A177-3AD203B41FA5}">
+                      <a16:colId xmlns:a16="http://schemas.microsoft.com/office/drawing/2014/main" val="20002"/>
+                    </a:ext>
+                  </a:extLst>
+                </a:gridCol>
+                <a:gridCol w="779760">
+                  <a:extLst>
+                    <a:ext uri="{9D8B030D-6E8A-4147-A177-3AD203B41FA5}">
+                      <a16:colId xmlns:a16="http://schemas.microsoft.com/office/drawing/2014/main" val="20003"/>
+                    </a:ext>
+                  </a:extLst>
+                </a:gridCol>
+                <a:gridCol w="1048680">
+                  <a:extLst>
+                    <a:ext uri="{9D8B030D-6E8A-4147-A177-3AD203B41FA5}">
+                      <a16:colId xmlns:a16="http://schemas.microsoft.com/office/drawing/2014/main" val="20004"/>
+                    </a:ext>
+                  </a:extLst>
+                </a:gridCol>
+                <a:gridCol w="760680">
+                  <a:extLst>
+                    <a:ext uri="{9D8B030D-6E8A-4147-A177-3AD203B41FA5}">
+                      <a16:colId xmlns:a16="http://schemas.microsoft.com/office/drawing/2014/main" val="20005"/>
+                    </a:ext>
+                  </a:extLst>
+                </a:gridCol>
+                <a:gridCol w="1022760">
+                  <a:extLst>
+                    <a:ext uri="{9D8B030D-6E8A-4147-A177-3AD203B41FA5}">
+                      <a16:colId xmlns:a16="http://schemas.microsoft.com/office/drawing/2014/main" val="20006"/>
+                    </a:ext>
+                  </a:extLst>
+                </a:gridCol>
               </a:tblGrid>
               <a:tr h="304560">
                 <a:tc>
+                  <a:txBody>
+                    <a:bodyPr/>
+                    <a:lstStyle/>
+                    <a:p>
+                      <a:endParaRPr lang="ko-KR"/>
+                    </a:p>
+                  </a:txBody>
                   <a:tcPr marL="90000" marR="90000">
                     <a:lnL w="720">
                       <a:solidFill>
-                        <a:srgbClr val="ffffff"/>
+                        <a:srgbClr val="FFFFFF"/>
                       </a:solidFill>
                     </a:lnL>
                     <a:lnR w="720">
                       <a:solidFill>
-                        <a:srgbClr val="ffffff"/>
+                        <a:srgbClr val="FFFFFF"/>
                       </a:solidFill>
                     </a:lnR>
                     <a:lnT w="720">
                       <a:solidFill>
-                        <a:srgbClr val="ffffff"/>
+                        <a:srgbClr val="FFFFFF"/>
                       </a:solidFill>
                     </a:lnT>
                     <a:lnB w="720">
                       <a:solidFill>
-                        <a:srgbClr val="ffffff"/>
+                        <a:srgbClr val="FFFFFF"/>
                       </a:solidFill>
                     </a:lnB>
                     <a:solidFill>
-                      <a:srgbClr val="b3b3b3"/>
+                      <a:srgbClr val="B3B3B3"/>
                     </a:solidFill>
                   </a:tcPr>
                 </a:tc>
                 <a:tc gridSpan="2">
                   <a:txBody>
-                    <a:bodyPr lIns="90000" rIns="90000" tIns="46800" bIns="46800">
-                      <a:noAutofit/>
-                    </a:bodyPr>
+                    <a:bodyPr/>
+                    <a:lstStyle/>
                     <a:p>
                       <a:r>
-                        <a:rPr b="0" lang="en-US" sz="1800" spc="-1" strike="noStrike">
+                        <a:rPr lang="en-US" sz="1800" b="0" strike="noStrike" spc="-1">
                           <a:latin typeface="Arial"/>
                         </a:rPr>
                         <a:t>ETH</a:t>
                       </a:r>
-                      <a:endParaRPr b="0" lang="en-US" sz="1800" spc="-1" strike="noStrike">
-                        <a:latin typeface="Arial"/>
-                      </a:endParaRPr>
                     </a:p>
                   </a:txBody>
                   <a:tcPr marL="90000" marR="90000">
                     <a:lnL w="720">
                       <a:solidFill>
-                        <a:srgbClr val="ffffff"/>
+                        <a:srgbClr val="FFFFFF"/>
                       </a:solidFill>
                     </a:lnL>
                     <a:lnR w="720">
                       <a:solidFill>
-                        <a:srgbClr val="ffffff"/>
+                        <a:srgbClr val="FFFFFF"/>
                       </a:solidFill>
                     </a:lnR>
                     <a:lnT w="720">
                       <a:solidFill>
-                        <a:srgbClr val="ffffff"/>
+                        <a:srgbClr val="FFFFFF"/>
                       </a:solidFill>
                     </a:lnT>
                     <a:lnB w="720">
                       <a:solidFill>
-                        <a:srgbClr val="ffffff"/>
+                        <a:srgbClr val="FFFFFF"/>
                       </a:solidFill>
                     </a:lnB>
                     <a:solidFill>
-                      <a:srgbClr val="b3b3b3"/>
+                      <a:srgbClr val="B3B3B3"/>
                     </a:solidFill>
                   </a:tcPr>
                 </a:tc>
                 <a:tc hMerge="1">
+                  <a:txBody>
+                    <a:bodyPr/>
+                    <a:lstStyle/>
+                    <a:p>
+                      <a:endParaRPr lang="ko-KR"/>
+                    </a:p>
+                  </a:txBody>
                   <a:tcPr marL="90000" marR="90000">
                     <a:lnL w="720">
                       <a:solidFill>
-                        <a:srgbClr val="ffffff"/>
+                        <a:srgbClr val="FFFFFF"/>
                       </a:solidFill>
                     </a:lnL>
                     <a:lnR w="720">
                       <a:solidFill>
-                        <a:srgbClr val="ffffff"/>
+                        <a:srgbClr val="FFFFFF"/>
                       </a:solidFill>
                     </a:lnR>
                     <a:lnT w="720">
                       <a:solidFill>
-                        <a:srgbClr val="ffffff"/>
+                        <a:srgbClr val="FFFFFF"/>
                       </a:solidFill>
                     </a:lnT>
                     <a:lnB w="720">
                       <a:solidFill>
-                        <a:srgbClr val="ffffff"/>
+                        <a:srgbClr val="FFFFFF"/>
                       </a:solidFill>
                     </a:lnB>
                     <a:solidFill>
-                      <a:srgbClr val="b3b3b3"/>
+                      <a:srgbClr val="B3B3B3"/>
                     </a:solidFill>
                   </a:tcPr>
                 </a:tc>
                 <a:tc gridSpan="4">
                   <a:txBody>
-                    <a:bodyPr lIns="90000" rIns="90000" tIns="46800" bIns="46800">
-                      <a:noAutofit/>
-                    </a:bodyPr>
+                    <a:bodyPr/>
+                    <a:lstStyle/>
                     <a:p>
                       <a:r>
-                        <a:rPr b="0" lang="en-US" sz="1800" spc="-1" strike="noStrike">
+                        <a:rPr lang="en-US" sz="1800" b="0" strike="noStrike" spc="-1">
                           <a:latin typeface="Arial"/>
                         </a:rPr>
                         <a:t>ARP</a:t>
                       </a:r>
-                      <a:endParaRPr b="0" lang="en-US" sz="1800" spc="-1" strike="noStrike">
-                        <a:latin typeface="Arial"/>
-                      </a:endParaRPr>
                     </a:p>
                   </a:txBody>
                   <a:tcPr marL="90000" marR="90000">
                     <a:lnL w="720">
                       <a:solidFill>
-                        <a:srgbClr val="ffffff"/>
+                        <a:srgbClr val="FFFFFF"/>
                       </a:solidFill>
                     </a:lnL>
                     <a:lnR w="720">
                       <a:solidFill>
-                        <a:srgbClr val="ffffff"/>
+                        <a:srgbClr val="FFFFFF"/>
                       </a:solidFill>
                     </a:lnR>
                     <a:lnT w="720">
                       <a:solidFill>
-                        <a:srgbClr val="ffffff"/>
+                        <a:srgbClr val="FFFFFF"/>
                       </a:solidFill>
                     </a:lnT>
                     <a:lnB w="720">
                       <a:solidFill>
-                        <a:srgbClr val="ffffff"/>
+                        <a:srgbClr val="FFFFFF"/>
                       </a:solidFill>
                     </a:lnB>
                     <a:solidFill>
-                      <a:srgbClr val="b3b3b3"/>
+                      <a:srgbClr val="B3B3B3"/>
                     </a:solidFill>
                   </a:tcPr>
                 </a:tc>
                 <a:tc hMerge="1">
+                  <a:txBody>
+                    <a:bodyPr/>
+                    <a:lstStyle/>
+                    <a:p>
+                      <a:endParaRPr lang="ko-KR"/>
+                    </a:p>
+                  </a:txBody>
                   <a:tcPr marL="90000" marR="90000">
                     <a:lnL w="720">
                       <a:solidFill>
-                        <a:srgbClr val="ffffff"/>
+                        <a:srgbClr val="FFFFFF"/>
                       </a:solidFill>
                     </a:lnL>
                     <a:lnR w="720">
                       <a:solidFill>
-                        <a:srgbClr val="ffffff"/>
+                        <a:srgbClr val="FFFFFF"/>
                       </a:solidFill>
                     </a:lnR>
                     <a:lnT w="720">
                       <a:solidFill>
-                        <a:srgbClr val="ffffff"/>
+                        <a:srgbClr val="FFFFFF"/>
                       </a:solidFill>
                     </a:lnT>
                     <a:lnB w="720">
                       <a:solidFill>
-                        <a:srgbClr val="ffffff"/>
+                        <a:srgbClr val="FFFFFF"/>
                       </a:solidFill>
                     </a:lnB>
                     <a:solidFill>
-                      <a:srgbClr val="b3b3b3"/>
+                      <a:srgbClr val="B3B3B3"/>
                     </a:solidFill>
                   </a:tcPr>
                 </a:tc>
                 <a:tc hMerge="1">
+                  <a:txBody>
+                    <a:bodyPr/>
+                    <a:lstStyle/>
+                    <a:p>
+                      <a:endParaRPr lang="ko-KR"/>
+                    </a:p>
+                  </a:txBody>
                   <a:tcPr marL="90000" marR="90000">
                     <a:lnL w="720">
                       <a:solidFill>
-                        <a:srgbClr val="ffffff"/>
+                        <a:srgbClr val="FFFFFF"/>
                       </a:solidFill>
                     </a:lnL>
                     <a:lnR w="720">
                       <a:solidFill>
-                        <a:srgbClr val="ffffff"/>
+                        <a:srgbClr val="FFFFFF"/>
                       </a:solidFill>
                     </a:lnR>
                     <a:lnT w="720">
                       <a:solidFill>
-                        <a:srgbClr val="ffffff"/>
+                        <a:srgbClr val="FFFFFF"/>
                       </a:solidFill>
                     </a:lnT>
                     <a:lnB w="720">
                       <a:solidFill>
-                        <a:srgbClr val="ffffff"/>
+                        <a:srgbClr val="FFFFFF"/>
                       </a:solidFill>
                     </a:lnB>
                     <a:solidFill>
-                      <a:srgbClr val="b3b3b3"/>
+                      <a:srgbClr val="B3B3B3"/>
                     </a:solidFill>
                   </a:tcPr>
                 </a:tc>
                 <a:tc hMerge="1">
+                  <a:txBody>
+                    <a:bodyPr/>
+                    <a:lstStyle/>
+                    <a:p>
+                      <a:endParaRPr lang="ko-KR"/>
+                    </a:p>
+                  </a:txBody>
                   <a:tcPr marL="90000" marR="90000">
                     <a:lnL w="720">
                       <a:solidFill>
-                        <a:srgbClr val="ffffff"/>
+                        <a:srgbClr val="FFFFFF"/>
                       </a:solidFill>
                     </a:lnL>
                     <a:lnR w="720">
                       <a:solidFill>
-                        <a:srgbClr val="ffffff"/>
+                        <a:srgbClr val="FFFFFF"/>
                       </a:solidFill>
                     </a:lnR>
                     <a:lnT w="720">
                       <a:solidFill>
-                        <a:srgbClr val="ffffff"/>
+                        <a:srgbClr val="FFFFFF"/>
                       </a:solidFill>
                     </a:lnT>
                     <a:lnB w="720">
                       <a:solidFill>
-                        <a:srgbClr val="ffffff"/>
+                        <a:srgbClr val="FFFFFF"/>
                       </a:solidFill>
                     </a:lnB>
                     <a:solidFill>
-                      <a:srgbClr val="b3b3b3"/>
+                      <a:srgbClr val="B3B3B3"/>
                     </a:solidFill>
                   </a:tcPr>
                 </a:tc>
+                <a:extLst>
+                  <a:ext uri="{0D108BD9-81ED-4DB2-BD59-A6C34878D82A}">
+                    <a16:rowId xmlns:a16="http://schemas.microsoft.com/office/drawing/2014/main" val="10000"/>
+                  </a:ext>
+                </a:extLst>
               </a:tr>
               <a:tr h="216000">
                 <a:tc>
+                  <a:txBody>
+                    <a:bodyPr/>
+                    <a:lstStyle/>
+                    <a:p>
+                      <a:endParaRPr lang="ko-KR"/>
+                    </a:p>
+                  </a:txBody>
                   <a:tcPr marL="90000" marR="90000">
                     <a:lnL w="720">
                       <a:solidFill>
-                        <a:srgbClr val="ffffff"/>
+                        <a:srgbClr val="FFFFFF"/>
                       </a:solidFill>
                     </a:lnL>
                     <a:lnR w="720">
                       <a:solidFill>
-                        <a:srgbClr val="ffffff"/>
+                        <a:srgbClr val="FFFFFF"/>
                       </a:solidFill>
                     </a:lnR>
                     <a:lnT w="720">
                       <a:solidFill>
-                        <a:srgbClr val="ffffff"/>
+                        <a:srgbClr val="FFFFFF"/>
                       </a:solidFill>
                     </a:lnT>
                     <a:lnB w="720">
                       <a:solidFill>
-                        <a:srgbClr val="ffffff"/>
+                        <a:srgbClr val="FFFFFF"/>
                       </a:solidFill>
                     </a:lnB>
                     <a:solidFill>
-                      <a:srgbClr val="cccccc"/>
+                      <a:srgbClr val="CCCCCC"/>
                     </a:solidFill>
                   </a:tcPr>
                 </a:tc>
                 <a:tc>
                   <a:txBody>
-                    <a:bodyPr lIns="90000" rIns="90000" tIns="46800" bIns="46800">
-                      <a:noAutofit/>
-                    </a:bodyPr>
+                    <a:bodyPr/>
+                    <a:lstStyle/>
                     <a:p>
                       <a:r>
-                        <a:rPr b="0" lang="en-US" sz="1800" spc="-1" strike="noStrike">
+                        <a:rPr lang="en-US" sz="1800" b="0" strike="noStrike" spc="-1" dirty="0" err="1">
                           <a:latin typeface="Arial"/>
                         </a:rPr>
                         <a:t>smac</a:t>
                       </a:r>
-                      <a:endParaRPr b="0" lang="en-US" sz="1800" spc="-1" strike="noStrike">
+                      <a:endParaRPr lang="en-US" sz="1800" b="0" strike="noStrike" spc="-1" dirty="0">
                         <a:latin typeface="Arial"/>
                       </a:endParaRPr>
                     </a:p>
@@ -2906,42 +3985,41 @@
                   <a:tcPr marL="90000" marR="90000">
                     <a:lnL w="720">
                       <a:solidFill>
-                        <a:srgbClr val="ffffff"/>
+                        <a:srgbClr val="FFFFFF"/>
                       </a:solidFill>
                     </a:lnL>
                     <a:lnR w="720">
                       <a:solidFill>
-                        <a:srgbClr val="ffffff"/>
+                        <a:srgbClr val="FFFFFF"/>
                       </a:solidFill>
                     </a:lnR>
                     <a:lnT w="720">
                       <a:solidFill>
-                        <a:srgbClr val="ffffff"/>
+                        <a:srgbClr val="FFFFFF"/>
                       </a:solidFill>
                     </a:lnT>
                     <a:lnB w="720">
                       <a:solidFill>
-                        <a:srgbClr val="ffffff"/>
+                        <a:srgbClr val="FFFFFF"/>
                       </a:solidFill>
                     </a:lnB>
                     <a:solidFill>
-                      <a:srgbClr val="cccccc"/>
+                      <a:srgbClr val="CCCCCC"/>
                     </a:solidFill>
                   </a:tcPr>
                 </a:tc>
                 <a:tc>
                   <a:txBody>
-                    <a:bodyPr lIns="90000" rIns="90000" tIns="46800" bIns="46800">
-                      <a:noAutofit/>
-                    </a:bodyPr>
+                    <a:bodyPr/>
+                    <a:lstStyle/>
                     <a:p>
                       <a:r>
-                        <a:rPr b="0" lang="en-US" sz="1800" spc="-1" strike="noStrike">
+                        <a:rPr lang="en-US" sz="1800" b="0" strike="noStrike" spc="-1" dirty="0" err="1">
                           <a:latin typeface="Arial"/>
                         </a:rPr>
                         <a:t>dmac</a:t>
                       </a:r>
-                      <a:endParaRPr b="0" lang="en-US" sz="1800" spc="-1" strike="noStrike">
+                      <a:endParaRPr lang="en-US" sz="1800" b="0" strike="noStrike" spc="-1" dirty="0">
                         <a:latin typeface="Arial"/>
                       </a:endParaRPr>
                     </a:p>
@@ -2949,259 +4027,262 @@
                   <a:tcPr marL="90000" marR="90000">
                     <a:lnL w="720">
                       <a:solidFill>
-                        <a:srgbClr val="ffffff"/>
+                        <a:srgbClr val="FFFFFF"/>
                       </a:solidFill>
                     </a:lnL>
                     <a:lnR w="720">
                       <a:solidFill>
-                        <a:srgbClr val="ffffff"/>
+                        <a:srgbClr val="FFFFFF"/>
                       </a:solidFill>
                     </a:lnR>
                     <a:lnT w="720">
                       <a:solidFill>
-                        <a:srgbClr val="ffffff"/>
+                        <a:srgbClr val="FFFFFF"/>
                       </a:solidFill>
                     </a:lnT>
                     <a:lnB w="720">
                       <a:solidFill>
-                        <a:srgbClr val="ffffff"/>
+                        <a:srgbClr val="FFFFFF"/>
                       </a:solidFill>
                     </a:lnB>
                     <a:solidFill>
-                      <a:srgbClr val="cccccc"/>
+                      <a:srgbClr val="CCCCCC"/>
                     </a:solidFill>
                   </a:tcPr>
                 </a:tc>
                 <a:tc>
                   <a:txBody>
-                    <a:bodyPr lIns="90000" rIns="90000" tIns="46800" bIns="46800">
-                      <a:noAutofit/>
-                    </a:bodyPr>
+                    <a:bodyPr/>
+                    <a:lstStyle/>
                     <a:p>
                       <a:r>
-                        <a:rPr b="0" lang="en-US" sz="1800" spc="-1" strike="noStrike">
+                        <a:rPr lang="en-US" sz="1800" b="0" strike="noStrike" spc="-1">
                           <a:latin typeface="Arial"/>
                         </a:rPr>
                         <a:t>smac</a:t>
                       </a:r>
-                      <a:endParaRPr b="0" lang="en-US" sz="1800" spc="-1" strike="noStrike">
-                        <a:latin typeface="Arial"/>
-                      </a:endParaRPr>
                     </a:p>
                   </a:txBody>
                   <a:tcPr marL="90000" marR="90000">
                     <a:lnL w="720">
                       <a:solidFill>
-                        <a:srgbClr val="ffffff"/>
+                        <a:srgbClr val="FFFFFF"/>
                       </a:solidFill>
                     </a:lnL>
                     <a:lnR w="720">
                       <a:solidFill>
-                        <a:srgbClr val="ffffff"/>
+                        <a:srgbClr val="FFFFFF"/>
                       </a:solidFill>
                     </a:lnR>
                     <a:lnT w="720">
                       <a:solidFill>
-                        <a:srgbClr val="ffffff"/>
+                        <a:srgbClr val="FFFFFF"/>
                       </a:solidFill>
                     </a:lnT>
                     <a:lnB w="720">
                       <a:solidFill>
-                        <a:srgbClr val="ffffff"/>
+                        <a:srgbClr val="FFFFFF"/>
                       </a:solidFill>
                     </a:lnB>
                     <a:solidFill>
-                      <a:srgbClr val="cccccc"/>
+                      <a:srgbClr val="CCCCCC"/>
                     </a:solidFill>
                   </a:tcPr>
                 </a:tc>
                 <a:tc>
                   <a:txBody>
-                    <a:bodyPr lIns="90000" rIns="90000" tIns="46800" bIns="46800">
-                      <a:noAutofit/>
-                    </a:bodyPr>
+                    <a:bodyPr/>
+                    <a:lstStyle/>
                     <a:p>
                       <a:r>
-                        <a:rPr b="0" lang="en-US" sz="1800" spc="-1" strike="noStrike">
+                        <a:rPr lang="en-US" sz="1800" b="0" strike="noStrike" spc="-1">
                           <a:latin typeface="Arial"/>
                         </a:rPr>
                         <a:t>sip</a:t>
                       </a:r>
-                      <a:endParaRPr b="0" lang="en-US" sz="1800" spc="-1" strike="noStrike">
-                        <a:latin typeface="Arial"/>
-                      </a:endParaRPr>
                     </a:p>
                   </a:txBody>
                   <a:tcPr marL="90000" marR="90000">
                     <a:lnL w="720">
                       <a:solidFill>
-                        <a:srgbClr val="ffffff"/>
+                        <a:srgbClr val="FFFFFF"/>
                       </a:solidFill>
                     </a:lnL>
                     <a:lnR w="720">
                       <a:solidFill>
-                        <a:srgbClr val="ffffff"/>
+                        <a:srgbClr val="FFFFFF"/>
                       </a:solidFill>
                     </a:lnR>
                     <a:lnT w="720">
                       <a:solidFill>
-                        <a:srgbClr val="ffffff"/>
+                        <a:srgbClr val="FFFFFF"/>
                       </a:solidFill>
                     </a:lnT>
                     <a:lnB w="720">
                       <a:solidFill>
-                        <a:srgbClr val="ffffff"/>
+                        <a:srgbClr val="FFFFFF"/>
                       </a:solidFill>
                     </a:lnB>
                     <a:solidFill>
-                      <a:srgbClr val="cccccc"/>
+                      <a:srgbClr val="CCCCCC"/>
                     </a:solidFill>
                   </a:tcPr>
                 </a:tc>
                 <a:tc>
                   <a:txBody>
-                    <a:bodyPr lIns="90000" rIns="90000" tIns="46800" bIns="46800">
-                      <a:noAutofit/>
-                    </a:bodyPr>
+                    <a:bodyPr/>
+                    <a:lstStyle/>
                     <a:p>
                       <a:r>
-                        <a:rPr b="0" lang="en-US" sz="1800" spc="-1" strike="noStrike">
+                        <a:rPr lang="en-US" sz="1800" b="0" strike="noStrike" spc="-1">
                           <a:latin typeface="Arial"/>
                         </a:rPr>
                         <a:t>tmac</a:t>
                       </a:r>
-                      <a:endParaRPr b="0" lang="en-US" sz="1800" spc="-1" strike="noStrike">
-                        <a:latin typeface="Arial"/>
-                      </a:endParaRPr>
                     </a:p>
                   </a:txBody>
                   <a:tcPr marL="90000" marR="90000">
                     <a:lnL w="720">
                       <a:solidFill>
-                        <a:srgbClr val="ffffff"/>
+                        <a:srgbClr val="FFFFFF"/>
                       </a:solidFill>
                     </a:lnL>
                     <a:lnR w="720">
                       <a:solidFill>
-                        <a:srgbClr val="ffffff"/>
+                        <a:srgbClr val="FFFFFF"/>
                       </a:solidFill>
                     </a:lnR>
                     <a:lnT w="720">
                       <a:solidFill>
-                        <a:srgbClr val="ffffff"/>
+                        <a:srgbClr val="FFFFFF"/>
                       </a:solidFill>
                     </a:lnT>
                     <a:lnB w="720">
                       <a:solidFill>
-                        <a:srgbClr val="ffffff"/>
+                        <a:srgbClr val="FFFFFF"/>
                       </a:solidFill>
                     </a:lnB>
                     <a:solidFill>
-                      <a:srgbClr val="cccccc"/>
+                      <a:srgbClr val="CCCCCC"/>
                     </a:solidFill>
                   </a:tcPr>
                 </a:tc>
                 <a:tc>
                   <a:txBody>
-                    <a:bodyPr lIns="90000" rIns="90000" tIns="46800" bIns="46800">
-                      <a:noAutofit/>
-                    </a:bodyPr>
+                    <a:bodyPr/>
+                    <a:lstStyle/>
                     <a:p>
                       <a:r>
-                        <a:rPr b="0" lang="en-US" sz="1800" spc="-1" strike="noStrike">
+                        <a:rPr lang="en-US" sz="1800" b="0" strike="noStrike" spc="-1">
                           <a:latin typeface="Arial"/>
                         </a:rPr>
                         <a:t>tip</a:t>
                       </a:r>
-                      <a:endParaRPr b="0" lang="en-US" sz="1800" spc="-1" strike="noStrike">
-                        <a:latin typeface="Arial"/>
-                      </a:endParaRPr>
                     </a:p>
                   </a:txBody>
                   <a:tcPr marL="90000" marR="90000">
                     <a:lnL w="720">
                       <a:solidFill>
-                        <a:srgbClr val="ffffff"/>
+                        <a:srgbClr val="FFFFFF"/>
                       </a:solidFill>
                     </a:lnL>
                     <a:lnR w="720">
                       <a:solidFill>
-                        <a:srgbClr val="ffffff"/>
+                        <a:srgbClr val="FFFFFF"/>
                       </a:solidFill>
                     </a:lnR>
                     <a:lnT w="720">
                       <a:solidFill>
-                        <a:srgbClr val="ffffff"/>
+                        <a:srgbClr val="FFFFFF"/>
                       </a:solidFill>
                     </a:lnT>
                     <a:lnB w="720">
                       <a:solidFill>
-                        <a:srgbClr val="ffffff"/>
+                        <a:srgbClr val="FFFFFF"/>
                       </a:solidFill>
                     </a:lnB>
                     <a:solidFill>
-                      <a:srgbClr val="cccccc"/>
+                      <a:srgbClr val="CCCCCC"/>
                     </a:solidFill>
                   </a:tcPr>
                 </a:tc>
+                <a:extLst>
+                  <a:ext uri="{0D108BD9-81ED-4DB2-BD59-A6C34878D82A}">
+                    <a16:rowId xmlns:a16="http://schemas.microsoft.com/office/drawing/2014/main" val="10001"/>
+                  </a:ext>
+                </a:extLst>
               </a:tr>
               <a:tr h="216000">
                 <a:tc>
                   <a:txBody>
-                    <a:bodyPr lIns="90000" rIns="90000" tIns="46800" bIns="46800">
-                      <a:noAutofit/>
-                    </a:bodyPr>
+                    <a:bodyPr/>
+                    <a:lstStyle/>
                     <a:p>
                       <a:r>
-                        <a:rPr b="0" lang="en-US" sz="1800" spc="-1" strike="noStrike">
+                        <a:rPr lang="en-US" sz="1800" b="0" strike="noStrike" spc="-1">
                           <a:latin typeface="Arial"/>
                         </a:rPr>
                         <a:t>request</a:t>
                       </a:r>
-                      <a:endParaRPr b="0" lang="en-US" sz="1800" spc="-1" strike="noStrike">
-                        <a:latin typeface="Arial"/>
-                      </a:endParaRPr>
                     </a:p>
                   </a:txBody>
                   <a:tcPr marL="90000" marR="90000">
                     <a:lnL w="720">
                       <a:solidFill>
-                        <a:srgbClr val="ffffff"/>
+                        <a:srgbClr val="FFFFFF"/>
                       </a:solidFill>
                     </a:lnL>
                     <a:lnR w="720">
                       <a:solidFill>
-                        <a:srgbClr val="ffffff"/>
+                        <a:srgbClr val="FFFFFF"/>
                       </a:solidFill>
                     </a:lnR>
                     <a:lnT w="720">
                       <a:solidFill>
-                        <a:srgbClr val="ffffff"/>
+                        <a:srgbClr val="FFFFFF"/>
                       </a:solidFill>
                     </a:lnT>
                     <a:lnB w="720">
                       <a:solidFill>
-                        <a:srgbClr val="ffffff"/>
+                        <a:srgbClr val="FFFFFF"/>
                       </a:solidFill>
                     </a:lnB>
                     <a:solidFill>
-                      <a:srgbClr val="e6e6e6"/>
+                      <a:srgbClr val="E6E6E6"/>
                     </a:solidFill>
                   </a:tcPr>
                 </a:tc>
                 <a:tc>
                   <a:txBody>
-                    <a:bodyPr lIns="90000" rIns="90000" tIns="46800" bIns="46800">
-                      <a:noAutofit/>
-                    </a:bodyPr>
-                    <a:p>
+                    <a:bodyPr/>
+                    <a:lstStyle/>
+                    <a:p>
+                      <a:pPr marL="0" marR="0" lvl="0" indent="0" algn="l" defTabSz="914400" rtl="0" eaLnBrk="1" fontAlgn="auto" latinLnBrk="1" hangingPunct="1">
+                        <a:lnSpc>
+                          <a:spcPct val="100000"/>
+                        </a:lnSpc>
+                        <a:spcBef>
+                          <a:spcPts val="0"/>
+                        </a:spcBef>
+                        <a:spcAft>
+                          <a:spcPts val="0"/>
+                        </a:spcAft>
+                        <a:buClrTx/>
+                        <a:buSzTx/>
+                        <a:buFontTx/>
+                        <a:buNone/>
+                        <a:tabLst/>
+                        <a:defRPr/>
+                      </a:pPr>
                       <a:r>
-                        <a:rPr b="0" lang="en-US" sz="1800" spc="-1" strike="noStrike">
-                          <a:latin typeface="Arial"/>
+                        <a:rPr lang="en-US" altLang="ko-KR" sz="800" b="0" strike="noStrike" spc="-1" dirty="0">
+                          <a:latin typeface="+mn-lt"/>
                         </a:rPr>
-                        <a:t>?</a:t>
+                        <a:t>00:0c:29:d3:4c:66</a:t>
                       </a:r>
-                      <a:endParaRPr b="0" lang="en-US" sz="1800" spc="-1" strike="noStrike">
+                    </a:p>
+                    <a:p>
+                      <a:endParaRPr lang="en-US" sz="800" b="0" strike="noStrike" spc="-1" dirty="0">
                         <a:latin typeface="Arial"/>
                       </a:endParaRPr>
                     </a:p>
@@ -3209,34 +4290,33 @@
                   <a:tcPr marL="90000" marR="90000">
                     <a:lnL w="720">
                       <a:solidFill>
-                        <a:srgbClr val="ffffff"/>
+                        <a:srgbClr val="FFFFFF"/>
                       </a:solidFill>
                     </a:lnL>
                     <a:lnR w="720">
                       <a:solidFill>
-                        <a:srgbClr val="ffffff"/>
+                        <a:srgbClr val="FFFFFF"/>
                       </a:solidFill>
                     </a:lnR>
                     <a:lnT w="720">
                       <a:solidFill>
-                        <a:srgbClr val="ffffff"/>
+                        <a:srgbClr val="FFFFFF"/>
                       </a:solidFill>
                     </a:lnT>
                     <a:lnB w="720">
                       <a:solidFill>
-                        <a:srgbClr val="ffffff"/>
+                        <a:srgbClr val="FFFFFF"/>
                       </a:solidFill>
                     </a:lnB>
                     <a:solidFill>
-                      <a:srgbClr val="e6e6e6"/>
+                      <a:srgbClr val="E6E6E6"/>
                     </a:solidFill>
                   </a:tcPr>
                 </a:tc>
                 <a:tc>
                   <a:txBody>
-                    <a:bodyPr lIns="90000" rIns="90000" tIns="46800" bIns="46800">
-                      <a:noAutofit/>
-                    </a:bodyPr>
+                    <a:bodyPr/>
+                    <a:lstStyle/>
                     <a:p>
                       <a:pPr>
                         <a:lnSpc>
@@ -3244,12 +4324,12 @@
                         </a:lnSpc>
                       </a:pPr>
                       <a:r>
-                        <a:rPr b="0" lang="en-US" sz="1800" spc="-1" strike="noStrike">
+                        <a:rPr lang="en-US" sz="800" b="0" strike="noStrike" spc="-1" dirty="0" err="1">
                           <a:latin typeface="Arial"/>
                         </a:rPr>
-                        <a:t>?</a:t>
+                        <a:t>ff:ff:ff:ff:ff:ff</a:t>
                       </a:r>
-                      <a:endParaRPr b="0" lang="en-US" sz="1800" spc="-1" strike="noStrike">
+                      <a:endParaRPr lang="en-US" sz="800" b="0" strike="noStrike" spc="-1" dirty="0">
                         <a:latin typeface="Arial"/>
                       </a:endParaRPr>
                     </a:p>
@@ -3257,34 +4337,165 @@
                   <a:tcPr marL="90000" marR="90000">
                     <a:lnL w="720">
                       <a:solidFill>
-                        <a:srgbClr val="ffffff"/>
+                        <a:srgbClr val="FFFFFF"/>
                       </a:solidFill>
                     </a:lnL>
                     <a:lnR w="720">
                       <a:solidFill>
-                        <a:srgbClr val="ffffff"/>
+                        <a:srgbClr val="FFFFFF"/>
                       </a:solidFill>
                     </a:lnR>
                     <a:lnT w="720">
                       <a:solidFill>
-                        <a:srgbClr val="ffffff"/>
+                        <a:srgbClr val="FFFFFF"/>
                       </a:solidFill>
                     </a:lnT>
                     <a:lnB w="720">
                       <a:solidFill>
-                        <a:srgbClr val="ffffff"/>
+                        <a:srgbClr val="FFFFFF"/>
                       </a:solidFill>
                     </a:lnB>
                     <a:solidFill>
-                      <a:srgbClr val="e6e6e6"/>
+                      <a:srgbClr val="E6E6E6"/>
                     </a:solidFill>
                   </a:tcPr>
                 </a:tc>
                 <a:tc>
                   <a:txBody>
-                    <a:bodyPr lIns="90000" rIns="90000" tIns="46800" bIns="46800">
-                      <a:noAutofit/>
-                    </a:bodyPr>
+                    <a:bodyPr/>
+                    <a:lstStyle/>
+                    <a:p>
+                      <a:pPr marL="0" marR="0" lvl="0" indent="0" algn="l" defTabSz="914400" rtl="0" eaLnBrk="1" fontAlgn="auto" latinLnBrk="1" hangingPunct="1">
+                        <a:lnSpc>
+                          <a:spcPct val="100000"/>
+                        </a:lnSpc>
+                        <a:spcBef>
+                          <a:spcPts val="0"/>
+                        </a:spcBef>
+                        <a:spcAft>
+                          <a:spcPts val="0"/>
+                        </a:spcAft>
+                        <a:buClrTx/>
+                        <a:buSzTx/>
+                        <a:buFontTx/>
+                        <a:buNone/>
+                        <a:tabLst/>
+                        <a:defRPr/>
+                      </a:pPr>
+                      <a:r>
+                        <a:rPr lang="en-US" altLang="ko-KR" sz="800" b="0" strike="noStrike" spc="-1" dirty="0">
+                          <a:latin typeface="+mn-lt"/>
+                        </a:rPr>
+                        <a:t>00:0c:29:d3:4c:66</a:t>
+                      </a:r>
+                    </a:p>
+                    <a:p>
+                      <a:pPr>
+                        <a:lnSpc>
+                          <a:spcPct val="100000"/>
+                        </a:lnSpc>
+                      </a:pPr>
+                      <a:endParaRPr lang="en-US" sz="800" b="0" strike="noStrike" spc="-1" dirty="0">
+                        <a:latin typeface="Arial"/>
+                      </a:endParaRPr>
+                    </a:p>
+                  </a:txBody>
+                  <a:tcPr marL="90000" marR="90000">
+                    <a:lnL w="720">
+                      <a:solidFill>
+                        <a:srgbClr val="FFFFFF"/>
+                      </a:solidFill>
+                    </a:lnL>
+                    <a:lnR w="720">
+                      <a:solidFill>
+                        <a:srgbClr val="FFFFFF"/>
+                      </a:solidFill>
+                    </a:lnR>
+                    <a:lnT w="720">
+                      <a:solidFill>
+                        <a:srgbClr val="FFFFFF"/>
+                      </a:solidFill>
+                    </a:lnT>
+                    <a:lnB w="720">
+                      <a:solidFill>
+                        <a:srgbClr val="FFFFFF"/>
+                      </a:solidFill>
+                    </a:lnB>
+                    <a:solidFill>
+                      <a:srgbClr val="E6E6E6"/>
+                    </a:solidFill>
+                  </a:tcPr>
+                </a:tc>
+                <a:tc>
+                  <a:txBody>
+                    <a:bodyPr/>
+                    <a:lstStyle/>
+                    <a:p>
+                      <a:pPr marL="0" marR="0" lvl="0" indent="0" algn="l" defTabSz="914400" rtl="0" eaLnBrk="1" fontAlgn="auto" latinLnBrk="1" hangingPunct="1">
+                        <a:lnSpc>
+                          <a:spcPct val="100000"/>
+                        </a:lnSpc>
+                        <a:spcBef>
+                          <a:spcPts val="0"/>
+                        </a:spcBef>
+                        <a:spcAft>
+                          <a:spcPts val="0"/>
+                        </a:spcAft>
+                        <a:buClrTx/>
+                        <a:buSzTx/>
+                        <a:buFontTx/>
+                        <a:buNone/>
+                        <a:tabLst/>
+                        <a:defRPr/>
+                      </a:pPr>
+                      <a:r>
+                        <a:rPr lang="en-US" altLang="ko-KR" sz="800" b="0" strike="noStrike" spc="-1" dirty="0">
+                          <a:latin typeface="+mn-lt"/>
+                        </a:rPr>
+                        <a:t>192.168.43.182</a:t>
+                      </a:r>
+                    </a:p>
+                    <a:p>
+                      <a:pPr>
+                        <a:lnSpc>
+                          <a:spcPct val="100000"/>
+                        </a:lnSpc>
+                      </a:pPr>
+                      <a:endParaRPr lang="en-US" sz="800" b="0" strike="noStrike" spc="-1" dirty="0">
+                        <a:latin typeface="Arial"/>
+                      </a:endParaRPr>
+                    </a:p>
+                  </a:txBody>
+                  <a:tcPr marL="90000" marR="90000">
+                    <a:lnL w="720">
+                      <a:solidFill>
+                        <a:srgbClr val="FFFFFF"/>
+                      </a:solidFill>
+                    </a:lnL>
+                    <a:lnR w="720">
+                      <a:solidFill>
+                        <a:srgbClr val="FFFFFF"/>
+                      </a:solidFill>
+                    </a:lnR>
+                    <a:lnT w="720">
+                      <a:solidFill>
+                        <a:srgbClr val="FFFFFF"/>
+                      </a:solidFill>
+                    </a:lnT>
+                    <a:lnB w="720">
+                      <a:solidFill>
+                        <a:srgbClr val="FFFFFF"/>
+                      </a:solidFill>
+                    </a:lnB>
+                    <a:solidFill>
+                      <a:srgbClr val="E6E6E6"/>
+                    </a:solidFill>
+                  </a:tcPr>
+                </a:tc>
+                <a:tc>
+                  <a:txBody>
+                    <a:bodyPr/>
+                    <a:lstStyle/>
                     <a:p>
                       <a:pPr>
                         <a:lnSpc>
@@ -3292,47 +4503,43 @@
                         </a:lnSpc>
                       </a:pPr>
                       <a:r>
-                        <a:rPr b="0" lang="en-US" sz="1800" spc="-1" strike="noStrike">
+                        <a:rPr lang="en-US" sz="800" b="0" strike="noStrike" spc="-1" dirty="0">
                           <a:latin typeface="Arial"/>
                         </a:rPr>
-                        <a:t>?</a:t>
+                        <a:t>00:00:00:00:00:00</a:t>
                       </a:r>
-                      <a:endParaRPr b="0" lang="en-US" sz="1800" spc="-1" strike="noStrike">
-                        <a:latin typeface="Arial"/>
-                      </a:endParaRPr>
                     </a:p>
                   </a:txBody>
                   <a:tcPr marL="90000" marR="90000">
                     <a:lnL w="720">
                       <a:solidFill>
-                        <a:srgbClr val="ffffff"/>
+                        <a:srgbClr val="FFFFFF"/>
                       </a:solidFill>
                     </a:lnL>
                     <a:lnR w="720">
                       <a:solidFill>
-                        <a:srgbClr val="ffffff"/>
+                        <a:srgbClr val="FFFFFF"/>
                       </a:solidFill>
                     </a:lnR>
                     <a:lnT w="720">
                       <a:solidFill>
-                        <a:srgbClr val="ffffff"/>
+                        <a:srgbClr val="FFFFFF"/>
                       </a:solidFill>
                     </a:lnT>
                     <a:lnB w="720">
                       <a:solidFill>
-                        <a:srgbClr val="ffffff"/>
+                        <a:srgbClr val="FFFFFF"/>
                       </a:solidFill>
                     </a:lnB>
                     <a:solidFill>
-                      <a:srgbClr val="e6e6e6"/>
+                      <a:srgbClr val="E6E6E6"/>
                     </a:solidFill>
                   </a:tcPr>
                 </a:tc>
                 <a:tc>
                   <a:txBody>
-                    <a:bodyPr lIns="90000" rIns="90000" tIns="46800" bIns="46800">
-                      <a:noAutofit/>
-                    </a:bodyPr>
+                    <a:bodyPr/>
+                    <a:lstStyle/>
                     <a:p>
                       <a:pPr>
                         <a:lnSpc>
@@ -3340,12 +4547,12 @@
                         </a:lnSpc>
                       </a:pPr>
                       <a:r>
-                        <a:rPr b="0" lang="en-US" sz="1800" spc="-1" strike="noStrike">
-                          <a:latin typeface="Arial"/>
+                        <a:rPr lang="en-US" altLang="ko-KR" sz="800" b="0" strike="noStrike" spc="-1" dirty="0">
+                          <a:latin typeface="+mn-lt"/>
                         </a:rPr>
-                        <a:t>?</a:t>
+                        <a:t>192.168.43.1</a:t>
                       </a:r>
-                      <a:endParaRPr b="0" lang="en-US" sz="1800" spc="-1" strike="noStrike">
+                      <a:endParaRPr lang="en-US" sz="800" b="0" strike="noStrike" spc="-1" dirty="0">
                         <a:latin typeface="Arial"/>
                       </a:endParaRPr>
                     </a:p>
@@ -3353,34 +4560,277 @@
                   <a:tcPr marL="90000" marR="90000">
                     <a:lnL w="720">
                       <a:solidFill>
-                        <a:srgbClr val="ffffff"/>
+                        <a:srgbClr val="FFFFFF"/>
                       </a:solidFill>
                     </a:lnL>
                     <a:lnR w="720">
                       <a:solidFill>
-                        <a:srgbClr val="ffffff"/>
+                        <a:srgbClr val="FFFFFF"/>
                       </a:solidFill>
                     </a:lnR>
                     <a:lnT w="720">
                       <a:solidFill>
-                        <a:srgbClr val="ffffff"/>
+                        <a:srgbClr val="FFFFFF"/>
                       </a:solidFill>
                     </a:lnT>
                     <a:lnB w="720">
                       <a:solidFill>
-                        <a:srgbClr val="ffffff"/>
+                        <a:srgbClr val="FFFFFF"/>
                       </a:solidFill>
                     </a:lnB>
                     <a:solidFill>
-                      <a:srgbClr val="e6e6e6"/>
+                      <a:srgbClr val="E6E6E6"/>
+                    </a:solidFill>
+                  </a:tcPr>
+                </a:tc>
+                <a:extLst>
+                  <a:ext uri="{0D108BD9-81ED-4DB2-BD59-A6C34878D82A}">
+                    <a16:rowId xmlns:a16="http://schemas.microsoft.com/office/drawing/2014/main" val="10002"/>
+                  </a:ext>
+                </a:extLst>
+              </a:tr>
+              <a:tr h="281160">
+                <a:tc>
+                  <a:txBody>
+                    <a:bodyPr/>
+                    <a:lstStyle/>
+                    <a:p>
+                      <a:r>
+                        <a:rPr lang="en-US" sz="1800" b="0" strike="noStrike" spc="-1">
+                          <a:latin typeface="Arial"/>
+                        </a:rPr>
+                        <a:t>reply</a:t>
+                      </a:r>
+                    </a:p>
+                  </a:txBody>
+                  <a:tcPr marL="90000" marR="90000">
+                    <a:lnL w="720">
+                      <a:solidFill>
+                        <a:srgbClr val="FFFFFF"/>
+                      </a:solidFill>
+                    </a:lnL>
+                    <a:lnR w="720">
+                      <a:solidFill>
+                        <a:srgbClr val="FFFFFF"/>
+                      </a:solidFill>
+                    </a:lnR>
+                    <a:lnT w="720">
+                      <a:solidFill>
+                        <a:srgbClr val="FFFFFF"/>
+                      </a:solidFill>
+                    </a:lnT>
+                    <a:lnB w="720">
+                      <a:solidFill>
+                        <a:srgbClr val="FFFFFF"/>
+                      </a:solidFill>
+                    </a:lnB>
+                    <a:solidFill>
+                      <a:srgbClr val="CCCCCC"/>
                     </a:solidFill>
                   </a:tcPr>
                 </a:tc>
                 <a:tc>
                   <a:txBody>
-                    <a:bodyPr lIns="90000" rIns="90000" tIns="46800" bIns="46800">
-                      <a:noAutofit/>
-                    </a:bodyPr>
+                    <a:bodyPr/>
+                    <a:lstStyle/>
+                    <a:p>
+                      <a:pPr marL="0" marR="0" lvl="0" indent="0" algn="l" defTabSz="914400" rtl="0" eaLnBrk="1" fontAlgn="auto" latinLnBrk="1" hangingPunct="1">
+                        <a:lnSpc>
+                          <a:spcPct val="100000"/>
+                        </a:lnSpc>
+                        <a:spcBef>
+                          <a:spcPts val="0"/>
+                        </a:spcBef>
+                        <a:spcAft>
+                          <a:spcPts val="0"/>
+                        </a:spcAft>
+                        <a:buClrTx/>
+                        <a:buSzTx/>
+                        <a:buFontTx/>
+                        <a:buNone/>
+                        <a:tabLst/>
+                        <a:defRPr/>
+                      </a:pPr>
+                      <a:r>
+                        <a:rPr lang="en-US" altLang="ko-KR" sz="800" b="0" strike="noStrike" spc="-1" dirty="0">
+                          <a:latin typeface="+mn-lt"/>
+                        </a:rPr>
+                        <a:t>4e:dd:31:a6:b0:55</a:t>
+                      </a:r>
+                    </a:p>
+                    <a:p>
+                      <a:pPr>
+                        <a:lnSpc>
+                          <a:spcPct val="100000"/>
+                        </a:lnSpc>
+                      </a:pPr>
+                      <a:endParaRPr lang="en-US" sz="800" b="0" strike="noStrike" spc="-1" dirty="0">
+                        <a:latin typeface="Arial"/>
+                      </a:endParaRPr>
+                    </a:p>
+                  </a:txBody>
+                  <a:tcPr marL="90000" marR="90000">
+                    <a:lnL w="720">
+                      <a:solidFill>
+                        <a:srgbClr val="FFFFFF"/>
+                      </a:solidFill>
+                    </a:lnL>
+                    <a:lnR w="720">
+                      <a:solidFill>
+                        <a:srgbClr val="FFFFFF"/>
+                      </a:solidFill>
+                    </a:lnR>
+                    <a:lnT w="720">
+                      <a:solidFill>
+                        <a:srgbClr val="FFFFFF"/>
+                      </a:solidFill>
+                    </a:lnT>
+                    <a:lnB w="720">
+                      <a:solidFill>
+                        <a:srgbClr val="FFFFFF"/>
+                      </a:solidFill>
+                    </a:lnB>
+                    <a:solidFill>
+                      <a:srgbClr val="CCCCCC"/>
+                    </a:solidFill>
+                  </a:tcPr>
+                </a:tc>
+                <a:tc>
+                  <a:txBody>
+                    <a:bodyPr/>
+                    <a:lstStyle/>
+                    <a:p>
+                      <a:pPr marL="0" marR="0" lvl="0" indent="0" algn="l" defTabSz="914400" rtl="0" eaLnBrk="1" fontAlgn="auto" latinLnBrk="1" hangingPunct="1">
+                        <a:lnSpc>
+                          <a:spcPct val="100000"/>
+                        </a:lnSpc>
+                        <a:spcBef>
+                          <a:spcPts val="0"/>
+                        </a:spcBef>
+                        <a:spcAft>
+                          <a:spcPts val="0"/>
+                        </a:spcAft>
+                        <a:buClrTx/>
+                        <a:buSzTx/>
+                        <a:buFontTx/>
+                        <a:buNone/>
+                        <a:tabLst/>
+                        <a:defRPr/>
+                      </a:pPr>
+                      <a:r>
+                        <a:rPr lang="en-US" altLang="ko-KR" sz="800" b="0" strike="noStrike" spc="-1" dirty="0">
+                          <a:latin typeface="+mn-lt"/>
+                        </a:rPr>
+                        <a:t>00:0c:29:d3:4c:66</a:t>
+                      </a:r>
+                    </a:p>
+                    <a:p>
+                      <a:pPr>
+                        <a:lnSpc>
+                          <a:spcPct val="100000"/>
+                        </a:lnSpc>
+                      </a:pPr>
+                      <a:endParaRPr lang="en-US" sz="800" b="0" strike="noStrike" spc="-1" dirty="0">
+                        <a:latin typeface="Arial"/>
+                      </a:endParaRPr>
+                    </a:p>
+                  </a:txBody>
+                  <a:tcPr marL="90000" marR="90000">
+                    <a:lnL w="720">
+                      <a:solidFill>
+                        <a:srgbClr val="FFFFFF"/>
+                      </a:solidFill>
+                    </a:lnL>
+                    <a:lnR w="720">
+                      <a:solidFill>
+                        <a:srgbClr val="FFFFFF"/>
+                      </a:solidFill>
+                    </a:lnR>
+                    <a:lnT w="720">
+                      <a:solidFill>
+                        <a:srgbClr val="FFFFFF"/>
+                      </a:solidFill>
+                    </a:lnT>
+                    <a:lnB w="720">
+                      <a:solidFill>
+                        <a:srgbClr val="FFFFFF"/>
+                      </a:solidFill>
+                    </a:lnB>
+                    <a:solidFill>
+                      <a:srgbClr val="CCCCCC"/>
+                    </a:solidFill>
+                  </a:tcPr>
+                </a:tc>
+                <a:tc>
+                  <a:txBody>
+                    <a:bodyPr/>
+                    <a:lstStyle/>
+                    <a:p>
+                      <a:pPr marL="0" marR="0" lvl="0" indent="0" algn="l" defTabSz="914400" rtl="0" eaLnBrk="1" fontAlgn="auto" latinLnBrk="1" hangingPunct="1">
+                        <a:lnSpc>
+                          <a:spcPct val="100000"/>
+                        </a:lnSpc>
+                        <a:spcBef>
+                          <a:spcPts val="0"/>
+                        </a:spcBef>
+                        <a:spcAft>
+                          <a:spcPts val="0"/>
+                        </a:spcAft>
+                        <a:buClrTx/>
+                        <a:buSzTx/>
+                        <a:buFontTx/>
+                        <a:buNone/>
+                        <a:tabLst/>
+                        <a:defRPr/>
+                      </a:pPr>
+                      <a:r>
+                        <a:rPr lang="en-US" altLang="ko-KR" sz="800" b="0" strike="noStrike" spc="-1" dirty="0">
+                          <a:latin typeface="+mn-lt"/>
+                        </a:rPr>
+                        <a:t>4e:dd:31:a6:b0:55</a:t>
+                      </a:r>
+                    </a:p>
+                    <a:p>
+                      <a:pPr>
+                        <a:lnSpc>
+                          <a:spcPct val="100000"/>
+                        </a:lnSpc>
+                      </a:pPr>
+                      <a:endParaRPr lang="en-US" sz="800" b="0" strike="noStrike" spc="-1" dirty="0">
+                        <a:latin typeface="Arial"/>
+                      </a:endParaRPr>
+                    </a:p>
+                  </a:txBody>
+                  <a:tcPr marL="90000" marR="90000">
+                    <a:lnL w="720">
+                      <a:solidFill>
+                        <a:srgbClr val="FFFFFF"/>
+                      </a:solidFill>
+                    </a:lnL>
+                    <a:lnR w="720">
+                      <a:solidFill>
+                        <a:srgbClr val="FFFFFF"/>
+                      </a:solidFill>
+                    </a:lnR>
+                    <a:lnT w="720">
+                      <a:solidFill>
+                        <a:srgbClr val="FFFFFF"/>
+                      </a:solidFill>
+                    </a:lnT>
+                    <a:lnB w="720">
+                      <a:solidFill>
+                        <a:srgbClr val="FFFFFF"/>
+                      </a:solidFill>
+                    </a:lnB>
+                    <a:solidFill>
+                      <a:srgbClr val="CCCCCC"/>
+                    </a:solidFill>
+                  </a:tcPr>
+                </a:tc>
+                <a:tc>
+                  <a:txBody>
+                    <a:bodyPr/>
+                    <a:lstStyle/>
                     <a:p>
                       <a:pPr>
                         <a:lnSpc>
@@ -3388,12 +4838,12 @@
                         </a:lnSpc>
                       </a:pPr>
                       <a:r>
-                        <a:rPr b="0" lang="en-US" sz="1800" spc="-1" strike="noStrike">
-                          <a:latin typeface="Arial"/>
+                        <a:rPr lang="en-US" altLang="ko-KR" sz="800" b="0" strike="noStrike" spc="-1" dirty="0">
+                          <a:latin typeface="+mn-lt"/>
                         </a:rPr>
-                        <a:t>?</a:t>
+                        <a:t>192.168.43.1</a:t>
                       </a:r>
-                      <a:endParaRPr b="0" lang="en-US" sz="1800" spc="-1" strike="noStrike">
+                      <a:endParaRPr lang="en-US" sz="800" b="0" strike="noStrike" spc="-1" dirty="0">
                         <a:latin typeface="Arial"/>
                       </a:endParaRPr>
                     </a:p>
@@ -3401,47 +4851,65 @@
                   <a:tcPr marL="90000" marR="90000">
                     <a:lnL w="720">
                       <a:solidFill>
-                        <a:srgbClr val="ffffff"/>
+                        <a:srgbClr val="FFFFFF"/>
                       </a:solidFill>
                     </a:lnL>
                     <a:lnR w="720">
                       <a:solidFill>
-                        <a:srgbClr val="ffffff"/>
+                        <a:srgbClr val="FFFFFF"/>
                       </a:solidFill>
                     </a:lnR>
                     <a:lnT w="720">
                       <a:solidFill>
-                        <a:srgbClr val="ffffff"/>
+                        <a:srgbClr val="FFFFFF"/>
                       </a:solidFill>
                     </a:lnT>
                     <a:lnB w="720">
                       <a:solidFill>
-                        <a:srgbClr val="ffffff"/>
+                        <a:srgbClr val="FFFFFF"/>
                       </a:solidFill>
                     </a:lnB>
                     <a:solidFill>
-                      <a:srgbClr val="e6e6e6"/>
+                      <a:srgbClr val="CCCCCC"/>
                     </a:solidFill>
                   </a:tcPr>
                 </a:tc>
                 <a:tc>
                   <a:txBody>
-                    <a:bodyPr lIns="90000" rIns="90000" tIns="46800" bIns="46800">
-                      <a:noAutofit/>
-                    </a:bodyPr>
+                    <a:bodyPr/>
+                    <a:lstStyle/>
+                    <a:p>
+                      <a:pPr marL="0" marR="0" lvl="0" indent="0" algn="l" defTabSz="914400" rtl="0" eaLnBrk="1" fontAlgn="auto" latinLnBrk="1" hangingPunct="1">
+                        <a:lnSpc>
+                          <a:spcPct val="100000"/>
+                        </a:lnSpc>
+                        <a:spcBef>
+                          <a:spcPts val="0"/>
+                        </a:spcBef>
+                        <a:spcAft>
+                          <a:spcPts val="0"/>
+                        </a:spcAft>
+                        <a:buClrTx/>
+                        <a:buSzTx/>
+                        <a:buFontTx/>
+                        <a:buNone/>
+                        <a:tabLst/>
+                        <a:defRPr/>
+                      </a:pPr>
+                      <a:r>
+                        <a:rPr lang="en-US" altLang="ko-KR" sz="800" b="0" strike="noStrike" spc="-1" dirty="0">
+                          <a:latin typeface="+mn-lt"/>
+                        </a:rPr>
+                        <a:t>00:0c:29:d3:4c:66</a:t>
+                      </a:r>
+                    </a:p>
                     <a:p>
                       <a:pPr>
                         <a:lnSpc>
                           <a:spcPct val="100000"/>
                         </a:lnSpc>
                       </a:pPr>
-                      <a:r>
-                        <a:rPr b="0" lang="en-US" sz="1800" spc="-1" strike="noStrike">
-                          <a:latin typeface="Arial"/>
-                        </a:rPr>
-                        <a:t>?</a:t>
-                      </a:r>
-                      <a:endParaRPr b="0" lang="en-US" sz="1800" spc="-1" strike="noStrike">
+                      <a:endParaRPr lang="en-US" sz="800" b="0" strike="noStrike" spc="-1" dirty="0">
                         <a:latin typeface="Arial"/>
                       </a:endParaRPr>
                     </a:p>
@@ -3449,92 +4917,65 @@
                   <a:tcPr marL="90000" marR="90000">
                     <a:lnL w="720">
                       <a:solidFill>
-                        <a:srgbClr val="ffffff"/>
+                        <a:srgbClr val="FFFFFF"/>
                       </a:solidFill>
                     </a:lnL>
                     <a:lnR w="720">
                       <a:solidFill>
-                        <a:srgbClr val="ffffff"/>
+                        <a:srgbClr val="FFFFFF"/>
                       </a:solidFill>
                     </a:lnR>
                     <a:lnT w="720">
                       <a:solidFill>
-                        <a:srgbClr val="ffffff"/>
+                        <a:srgbClr val="FFFFFF"/>
                       </a:solidFill>
                     </a:lnT>
                     <a:lnB w="720">
                       <a:solidFill>
-                        <a:srgbClr val="ffffff"/>
+                        <a:srgbClr val="FFFFFF"/>
                       </a:solidFill>
                     </a:lnB>
                     <a:solidFill>
-                      <a:srgbClr val="e6e6e6"/>
-                    </a:solidFill>
-                  </a:tcPr>
-                </a:tc>
-              </a:tr>
-              <a:tr h="281160">
-                <a:tc>
-                  <a:txBody>
-                    <a:bodyPr lIns="90000" rIns="90000" tIns="46800" bIns="46800">
-                      <a:noAutofit/>
-                    </a:bodyPr>
-                    <a:p>
-                      <a:r>
-                        <a:rPr b="0" lang="en-US" sz="1800" spc="-1" strike="noStrike">
-                          <a:latin typeface="Arial"/>
-                        </a:rPr>
-                        <a:t>reply</a:t>
-                      </a:r>
-                      <a:endParaRPr b="0" lang="en-US" sz="1800" spc="-1" strike="noStrike">
-                        <a:latin typeface="Arial"/>
-                      </a:endParaRPr>
-                    </a:p>
-                  </a:txBody>
-                  <a:tcPr marL="90000" marR="90000">
-                    <a:lnL w="720">
-                      <a:solidFill>
-                        <a:srgbClr val="ffffff"/>
-                      </a:solidFill>
-                    </a:lnL>
-                    <a:lnR w="720">
-                      <a:solidFill>
-                        <a:srgbClr val="ffffff"/>
-                      </a:solidFill>
-                    </a:lnR>
-                    <a:lnT w="720">
-                      <a:solidFill>
-                        <a:srgbClr val="ffffff"/>
-                      </a:solidFill>
-                    </a:lnT>
-                    <a:lnB w="720">
-                      <a:solidFill>
-                        <a:srgbClr val="ffffff"/>
-                      </a:solidFill>
-                    </a:lnB>
-                    <a:solidFill>
-                      <a:srgbClr val="cccccc"/>
+                      <a:srgbClr val="CCCCCC"/>
                     </a:solidFill>
                   </a:tcPr>
                 </a:tc>
                 <a:tc>
                   <a:txBody>
-                    <a:bodyPr lIns="90000" rIns="90000" tIns="46800" bIns="46800">
-                      <a:noAutofit/>
-                    </a:bodyPr>
+                    <a:bodyPr/>
+                    <a:lstStyle/>
+                    <a:p>
+                      <a:pPr marL="0" marR="0" lvl="0" indent="0" algn="l" defTabSz="914400" rtl="0" eaLnBrk="1" fontAlgn="auto" latinLnBrk="1" hangingPunct="1">
+                        <a:lnSpc>
+                          <a:spcPct val="100000"/>
+                        </a:lnSpc>
+                        <a:spcBef>
+                          <a:spcPts val="0"/>
+                        </a:spcBef>
+                        <a:spcAft>
+                          <a:spcPts val="0"/>
+                        </a:spcAft>
+                        <a:buClrTx/>
+                        <a:buSzTx/>
+                        <a:buFontTx/>
+                        <a:buNone/>
+                        <a:tabLst/>
+                        <a:defRPr/>
+                      </a:pPr>
+                      <a:r>
+                        <a:rPr lang="en-US" altLang="ko-KR" sz="800" b="0" strike="noStrike" spc="-1" dirty="0">
+                          <a:latin typeface="+mn-lt"/>
+                        </a:rPr>
+                        <a:t>192.168.43.182</a:t>
+                      </a:r>
+                    </a:p>
                     <a:p>
                       <a:pPr>
                         <a:lnSpc>
                           <a:spcPct val="100000"/>
                         </a:lnSpc>
                       </a:pPr>
-                      <a:r>
-                        <a:rPr b="0" lang="en-US" sz="1800" spc="-1" strike="noStrike">
-                          <a:latin typeface="Arial"/>
-                        </a:rPr>
-                        <a:t>?</a:t>
-                      </a:r>
-                      <a:endParaRPr b="0" lang="en-US" sz="1800" spc="-1" strike="noStrike">
+                      <a:endParaRPr lang="en-US" sz="800" b="0" strike="noStrike" spc="-1" dirty="0">
                         <a:latin typeface="Arial"/>
                       </a:endParaRPr>
                     </a:p>
@@ -3542,269 +4983,34 @@
                   <a:tcPr marL="90000" marR="90000">
                     <a:lnL w="720">
                       <a:solidFill>
-                        <a:srgbClr val="ffffff"/>
+                        <a:srgbClr val="FFFFFF"/>
                       </a:solidFill>
                     </a:lnL>
                     <a:lnR w="720">
                       <a:solidFill>
-                        <a:srgbClr val="ffffff"/>
+                        <a:srgbClr val="FFFFFF"/>
                       </a:solidFill>
                     </a:lnR>
                     <a:lnT w="720">
                       <a:solidFill>
-                        <a:srgbClr val="ffffff"/>
+                        <a:srgbClr val="FFFFFF"/>
                       </a:solidFill>
                     </a:lnT>
                     <a:lnB w="720">
                       <a:solidFill>
-                        <a:srgbClr val="ffffff"/>
+                        <a:srgbClr val="FFFFFF"/>
                       </a:solidFill>
                     </a:lnB>
                     <a:solidFill>
-                      <a:srgbClr val="cccccc"/>
+                      <a:srgbClr val="CCCCCC"/>
                     </a:solidFill>
                   </a:tcPr>
                 </a:tc>
-                <a:tc>
-                  <a:txBody>
-                    <a:bodyPr lIns="90000" rIns="90000" tIns="46800" bIns="46800">
-                      <a:noAutofit/>
-                    </a:bodyPr>
-                    <a:p>
-                      <a:pPr>
-                        <a:lnSpc>
-                          <a:spcPct val="100000"/>
-                        </a:lnSpc>
-                      </a:pPr>
-                      <a:r>
-                        <a:rPr b="0" lang="en-US" sz="1800" spc="-1" strike="noStrike">
-                          <a:latin typeface="Arial"/>
-                        </a:rPr>
-                        <a:t>?</a:t>
-                      </a:r>
-                      <a:endParaRPr b="0" lang="en-US" sz="1800" spc="-1" strike="noStrike">
-                        <a:latin typeface="Arial"/>
-                      </a:endParaRPr>
-                    </a:p>
-                  </a:txBody>
-                  <a:tcPr marL="90000" marR="90000">
-                    <a:lnL w="720">
-                      <a:solidFill>
-                        <a:srgbClr val="ffffff"/>
-                      </a:solidFill>
-                    </a:lnL>
-                    <a:lnR w="720">
-                      <a:solidFill>
-                        <a:srgbClr val="ffffff"/>
-                      </a:solidFill>
-                    </a:lnR>
-                    <a:lnT w="720">
-                      <a:solidFill>
-                        <a:srgbClr val="ffffff"/>
-                      </a:solidFill>
-                    </a:lnT>
-                    <a:lnB w="720">
-                      <a:solidFill>
-                        <a:srgbClr val="ffffff"/>
-                      </a:solidFill>
-                    </a:lnB>
-                    <a:solidFill>
-                      <a:srgbClr val="cccccc"/>
-                    </a:solidFill>
-                  </a:tcPr>
-                </a:tc>
-                <a:tc>
-                  <a:txBody>
-                    <a:bodyPr lIns="90000" rIns="90000" tIns="46800" bIns="46800">
-                      <a:noAutofit/>
-                    </a:bodyPr>
-                    <a:p>
-                      <a:pPr>
-                        <a:lnSpc>
-                          <a:spcPct val="100000"/>
-                        </a:lnSpc>
-                      </a:pPr>
-                      <a:r>
-                        <a:rPr b="0" lang="en-US" sz="1800" spc="-1" strike="noStrike">
-                          <a:latin typeface="Arial"/>
-                        </a:rPr>
-                        <a:t>?</a:t>
-                      </a:r>
-                      <a:endParaRPr b="0" lang="en-US" sz="1800" spc="-1" strike="noStrike">
-                        <a:latin typeface="Arial"/>
-                      </a:endParaRPr>
-                    </a:p>
-                  </a:txBody>
-                  <a:tcPr marL="90000" marR="90000">
-                    <a:lnL w="720">
-                      <a:solidFill>
-                        <a:srgbClr val="ffffff"/>
-                      </a:solidFill>
-                    </a:lnL>
-                    <a:lnR w="720">
-                      <a:solidFill>
-                        <a:srgbClr val="ffffff"/>
-                      </a:solidFill>
-                    </a:lnR>
-                    <a:lnT w="720">
-                      <a:solidFill>
-                        <a:srgbClr val="ffffff"/>
-                      </a:solidFill>
-                    </a:lnT>
-                    <a:lnB w="720">
-                      <a:solidFill>
-                        <a:srgbClr val="ffffff"/>
-                      </a:solidFill>
-                    </a:lnB>
-                    <a:solidFill>
-                      <a:srgbClr val="cccccc"/>
-                    </a:solidFill>
-                  </a:tcPr>
-                </a:tc>
-                <a:tc>
-                  <a:txBody>
-                    <a:bodyPr lIns="90000" rIns="90000" tIns="46800" bIns="46800">
-                      <a:noAutofit/>
-                    </a:bodyPr>
-                    <a:p>
-                      <a:pPr>
-                        <a:lnSpc>
-                          <a:spcPct val="100000"/>
-                        </a:lnSpc>
-                      </a:pPr>
-                      <a:r>
-                        <a:rPr b="0" lang="en-US" sz="1800" spc="-1" strike="noStrike">
-                          <a:latin typeface="Arial"/>
-                        </a:rPr>
-                        <a:t>?</a:t>
-                      </a:r>
-                      <a:endParaRPr b="0" lang="en-US" sz="1800" spc="-1" strike="noStrike">
-                        <a:latin typeface="Arial"/>
-                      </a:endParaRPr>
-                    </a:p>
-                  </a:txBody>
-                  <a:tcPr marL="90000" marR="90000">
-                    <a:lnL w="720">
-                      <a:solidFill>
-                        <a:srgbClr val="ffffff"/>
-                      </a:solidFill>
-                    </a:lnL>
-                    <a:lnR w="720">
-                      <a:solidFill>
-                        <a:srgbClr val="ffffff"/>
-                      </a:solidFill>
-                    </a:lnR>
-                    <a:lnT w="720">
-                      <a:solidFill>
-                        <a:srgbClr val="ffffff"/>
-                      </a:solidFill>
-                    </a:lnT>
-                    <a:lnB w="720">
-                      <a:solidFill>
-                        <a:srgbClr val="ffffff"/>
-                      </a:solidFill>
-                    </a:lnB>
-                    <a:solidFill>
-                      <a:srgbClr val="cccccc"/>
-                    </a:solidFill>
-                  </a:tcPr>
-                </a:tc>
-                <a:tc>
-                  <a:txBody>
-                    <a:bodyPr lIns="90000" rIns="90000" tIns="46800" bIns="46800">
-                      <a:noAutofit/>
-                    </a:bodyPr>
-                    <a:p>
-                      <a:pPr>
-                        <a:lnSpc>
-                          <a:spcPct val="100000"/>
-                        </a:lnSpc>
-                      </a:pPr>
-                      <a:r>
-                        <a:rPr b="0" lang="en-US" sz="1800" spc="-1" strike="noStrike">
-                          <a:latin typeface="Arial"/>
-                        </a:rPr>
-                        <a:t>?</a:t>
-                      </a:r>
-                      <a:endParaRPr b="0" lang="en-US" sz="1800" spc="-1" strike="noStrike">
-                        <a:latin typeface="Arial"/>
-                      </a:endParaRPr>
-                    </a:p>
-                  </a:txBody>
-                  <a:tcPr marL="90000" marR="90000">
-                    <a:lnL w="720">
-                      <a:solidFill>
-                        <a:srgbClr val="ffffff"/>
-                      </a:solidFill>
-                    </a:lnL>
-                    <a:lnR w="720">
-                      <a:solidFill>
-                        <a:srgbClr val="ffffff"/>
-                      </a:solidFill>
-                    </a:lnR>
-                    <a:lnT w="720">
-                      <a:solidFill>
-                        <a:srgbClr val="ffffff"/>
-                      </a:solidFill>
-                    </a:lnT>
-                    <a:lnB w="720">
-                      <a:solidFill>
-                        <a:srgbClr val="ffffff"/>
-                      </a:solidFill>
-                    </a:lnB>
-                    <a:solidFill>
-                      <a:srgbClr val="cccccc"/>
-                    </a:solidFill>
-                  </a:tcPr>
-                </a:tc>
-                <a:tc>
-                  <a:txBody>
-                    <a:bodyPr lIns="90000" rIns="90000" tIns="46800" bIns="46800">
-                      <a:noAutofit/>
-                    </a:bodyPr>
-                    <a:p>
-                      <a:pPr>
-                        <a:lnSpc>
-                          <a:spcPct val="100000"/>
-                        </a:lnSpc>
-                      </a:pPr>
-                      <a:r>
-                        <a:rPr b="0" lang="en-US" sz="1800" spc="-1" strike="noStrike">
-                          <a:latin typeface="Arial"/>
-                        </a:rPr>
-                        <a:t>?</a:t>
-                      </a:r>
-                      <a:endParaRPr b="0" lang="en-US" sz="1800" spc="-1" strike="noStrike">
-                        <a:latin typeface="Arial"/>
-                      </a:endParaRPr>
-                    </a:p>
-                  </a:txBody>
-                  <a:tcPr marL="90000" marR="90000">
-                    <a:lnL w="720">
-                      <a:solidFill>
-                        <a:srgbClr val="ffffff"/>
-                      </a:solidFill>
-                    </a:lnL>
-                    <a:lnR w="720">
-                      <a:solidFill>
-                        <a:srgbClr val="ffffff"/>
-                      </a:solidFill>
-                    </a:lnR>
-                    <a:lnT w="720">
-                      <a:solidFill>
-                        <a:srgbClr val="ffffff"/>
-                      </a:solidFill>
-                    </a:lnT>
-                    <a:lnB w="720">
-                      <a:solidFill>
-                        <a:srgbClr val="ffffff"/>
-                      </a:solidFill>
-                    </a:lnB>
-                    <a:solidFill>
-                      <a:srgbClr val="cccccc"/>
-                    </a:solidFill>
-                  </a:tcPr>
-                </a:tc>
+                <a:extLst>
+                  <a:ext uri="{0D108BD9-81ED-4DB2-BD59-A6C34878D82A}">
+                    <a16:rowId xmlns:a16="http://schemas.microsoft.com/office/drawing/2014/main" val="10003"/>
+                  </a:ext>
+                </a:extLst>
               </a:tr>
             </a:tbl>
           </a:graphicData>
@@ -3825,35 +5031,39 @@
             <a:avLst/>
           </a:prstGeom>
           <a:solidFill>
-            <a:srgbClr val="729fcf"/>
+            <a:srgbClr val="729FCF"/>
           </a:solidFill>
           <a:ln>
             <a:solidFill>
-              <a:srgbClr val="3465a4"/>
+              <a:srgbClr val="3465A4"/>
             </a:solidFill>
           </a:ln>
         </p:spPr>
         <p:style>
-          <a:lnRef idx="0"/>
-          <a:fillRef idx="0"/>
-          <a:effectRef idx="0"/>
+          <a:lnRef idx="0">
+            <a:scrgbClr r="0" g="0" b="0"/>
+          </a:lnRef>
+          <a:fillRef idx="0">
+            <a:scrgbClr r="0" g="0" b="0"/>
+          </a:fillRef>
+          <a:effectRef idx="0">
+            <a:scrgbClr r="0" g="0" b="0"/>
+          </a:effectRef>
           <a:fontRef idx="minor"/>
         </p:style>
         <p:txBody>
-          <a:bodyPr wrap="none" lIns="90000" rIns="90000" tIns="45000" bIns="45000" anchor="ctr">
+          <a:bodyPr wrap="none" lIns="90000" tIns="45000" rIns="90000" bIns="45000" anchor="ctr">
             <a:noAutofit/>
           </a:bodyPr>
+          <a:lstStyle/>
           <a:p>
             <a:pPr algn="ctr"/>
             <a:r>
-              <a:rPr b="0" lang="en-US" sz="1800" spc="-1" strike="noStrike">
+              <a:rPr lang="en-US" sz="1800" b="0" strike="noStrike" spc="-1">
                 <a:latin typeface="Arial"/>
               </a:rPr>
               <a:t>ICMP</a:t>
             </a:r>
-            <a:endParaRPr b="0" lang="en-US" sz="1800" spc="-1" strike="noStrike">
-              <a:latin typeface="Arial"/>
-            </a:endParaRPr>
           </a:p>
         </p:txBody>
       </p:sp>
@@ -3872,35 +5082,39 @@
             <a:avLst/>
           </a:prstGeom>
           <a:solidFill>
-            <a:srgbClr val="729fcf"/>
+            <a:srgbClr val="729FCF"/>
           </a:solidFill>
           <a:ln>
             <a:solidFill>
-              <a:srgbClr val="3465a4"/>
+              <a:srgbClr val="3465A4"/>
             </a:solidFill>
           </a:ln>
         </p:spPr>
         <p:style>
-          <a:lnRef idx="0"/>
-          <a:fillRef idx="0"/>
-          <a:effectRef idx="0"/>
+          <a:lnRef idx="0">
+            <a:scrgbClr r="0" g="0" b="0"/>
+          </a:lnRef>
+          <a:fillRef idx="0">
+            <a:scrgbClr r="0" g="0" b="0"/>
+          </a:fillRef>
+          <a:effectRef idx="0">
+            <a:scrgbClr r="0" g="0" b="0"/>
+          </a:effectRef>
           <a:fontRef idx="minor"/>
         </p:style>
         <p:txBody>
-          <a:bodyPr wrap="none" lIns="90000" rIns="90000" tIns="45000" bIns="45000" anchor="ctr">
+          <a:bodyPr wrap="none" lIns="90000" tIns="45000" rIns="90000" bIns="45000" anchor="ctr">
             <a:noAutofit/>
           </a:bodyPr>
+          <a:lstStyle/>
           <a:p>
             <a:pPr algn="ctr"/>
             <a:r>
-              <a:rPr b="0" lang="en-US" sz="1800" spc="-1" strike="noStrike">
+              <a:rPr lang="en-US" sz="1800" b="0" strike="noStrike" spc="-1">
                 <a:latin typeface="Arial"/>
               </a:rPr>
               <a:t>ARP</a:t>
             </a:r>
-            <a:endParaRPr b="0" lang="en-US" sz="1800" spc="-1" strike="noStrike">
-              <a:latin typeface="Arial"/>
-            </a:endParaRPr>
           </a:p>
         </p:txBody>
       </p:sp>
@@ -3919,59 +5133,57 @@
             <a:avLst/>
           </a:prstGeom>
           <a:solidFill>
-            <a:srgbClr val="729fcf"/>
+            <a:srgbClr val="729FCF"/>
           </a:solidFill>
           <a:ln>
             <a:solidFill>
-              <a:srgbClr val="3465a4"/>
+              <a:srgbClr val="3465A4"/>
             </a:solidFill>
           </a:ln>
         </p:spPr>
         <p:style>
-          <a:lnRef idx="0"/>
-          <a:fillRef idx="0"/>
-          <a:effectRef idx="0"/>
+          <a:lnRef idx="0">
+            <a:scrgbClr r="0" g="0" b="0"/>
+          </a:lnRef>
+          <a:fillRef idx="0">
+            <a:scrgbClr r="0" g="0" b="0"/>
+          </a:fillRef>
+          <a:effectRef idx="0">
+            <a:scrgbClr r="0" g="0" b="0"/>
+          </a:effectRef>
           <a:fontRef idx="minor"/>
         </p:style>
         <p:txBody>
-          <a:bodyPr wrap="none" lIns="90000" rIns="90000" tIns="45000" bIns="45000" anchor="ctr">
+          <a:bodyPr wrap="none" lIns="90000" tIns="45000" rIns="90000" bIns="45000" anchor="ctr">
             <a:noAutofit/>
           </a:bodyPr>
+          <a:lstStyle/>
           <a:p>
             <a:pPr algn="ctr"/>
             <a:r>
-              <a:rPr b="0" lang="en-US" sz="1800" spc="-1" strike="noStrike">
+              <a:rPr lang="en-US" sz="1800" b="0" strike="noStrike" spc="-1" dirty="0">
                 <a:latin typeface="Arial"/>
               </a:rPr>
               <a:t>gateway</a:t>
             </a:r>
-            <a:endParaRPr b="0" lang="en-US" sz="1800" spc="-1" strike="noStrike">
-              <a:latin typeface="Arial"/>
-            </a:endParaRPr>
           </a:p>
           <a:p>
             <a:pPr algn="ctr"/>
             <a:r>
-              <a:rPr b="0" lang="en-US" sz="1800" spc="-1" strike="noStrike">
+              <a:rPr lang="en-US" sz="1800" b="0" strike="noStrike" spc="-1" dirty="0">
                 <a:latin typeface="Arial"/>
               </a:rPr>
-              <a:t>&lt;mac&gt;</a:t>
+              <a:t>4e:dd:31:a6:b0:55</a:t>
             </a:r>
-            <a:endParaRPr b="0" lang="en-US" sz="1800" spc="-1" strike="noStrike">
-              <a:latin typeface="Arial"/>
-            </a:endParaRPr>
           </a:p>
           <a:p>
             <a:pPr algn="ctr"/>
             <a:r>
-              <a:rPr b="0" lang="en-US" sz="1800" spc="-1" strike="noStrike">
+              <a:rPr lang="en-US" sz="1800" b="0" strike="noStrike" spc="-1" dirty="0">
                 <a:latin typeface="Arial"/>
               </a:rPr>
-              <a:t>&lt;ip&gt;</a:t>
+              <a:t>192.168.43.1</a:t>
             </a:r>
-            <a:endParaRPr b="0" lang="en-US" sz="1800" spc="-1" strike="noStrike">
-              <a:latin typeface="Arial"/>
-            </a:endParaRPr>
           </a:p>
         </p:txBody>
       </p:sp>
@@ -3990,35 +5202,39 @@
             <a:avLst/>
           </a:prstGeom>
           <a:solidFill>
-            <a:srgbClr val="729fcf"/>
+            <a:srgbClr val="729FCF"/>
           </a:solidFill>
           <a:ln>
             <a:solidFill>
-              <a:srgbClr val="3465a4"/>
+              <a:srgbClr val="3465A4"/>
             </a:solidFill>
           </a:ln>
         </p:spPr>
         <p:style>
-          <a:lnRef idx="0"/>
-          <a:fillRef idx="0"/>
-          <a:effectRef idx="0"/>
+          <a:lnRef idx="0">
+            <a:scrgbClr r="0" g="0" b="0"/>
+          </a:lnRef>
+          <a:fillRef idx="0">
+            <a:scrgbClr r="0" g="0" b="0"/>
+          </a:fillRef>
+          <a:effectRef idx="0">
+            <a:scrgbClr r="0" g="0" b="0"/>
+          </a:effectRef>
           <a:fontRef idx="minor"/>
         </p:style>
         <p:txBody>
-          <a:bodyPr wrap="none" lIns="90000" rIns="90000" tIns="45000" bIns="45000" anchor="ctr">
+          <a:bodyPr wrap="none" lIns="90000" tIns="45000" rIns="90000" bIns="45000" anchor="ctr">
             <a:noAutofit/>
           </a:bodyPr>
+          <a:lstStyle/>
           <a:p>
             <a:pPr algn="ctr"/>
             <a:r>
-              <a:rPr b="0" lang="en-US" sz="1800" spc="-1" strike="noStrike">
+              <a:rPr lang="en-US" sz="1800" b="0" strike="noStrike" spc="-1" dirty="0">
                 <a:latin typeface="Arial"/>
               </a:rPr>
               <a:t>you</a:t>
             </a:r>
-            <a:endParaRPr b="0" lang="en-US" sz="1800" spc="-1" strike="noStrike">
-              <a:latin typeface="Arial"/>
-            </a:endParaRPr>
           </a:p>
           <a:p>
             <a:pPr algn="ctr">
@@ -4027,12 +5243,12 @@
               </a:lnSpc>
             </a:pPr>
             <a:r>
-              <a:rPr b="0" lang="en-US" sz="1800" spc="-1" strike="noStrike">
+              <a:rPr lang="en-US" spc="-1" dirty="0">
                 <a:latin typeface="Arial"/>
               </a:rPr>
-              <a:t>&lt;mac&gt;</a:t>
+              <a:t>F8:59:71:72:B8:AC</a:t>
             </a:r>
-            <a:endParaRPr b="0" lang="en-US" sz="1800" spc="-1" strike="noStrike">
+            <a:endParaRPr lang="en-US" sz="1800" b="0" strike="noStrike" spc="-1" dirty="0">
               <a:latin typeface="Arial"/>
             </a:endParaRPr>
           </a:p>
@@ -4043,14 +5259,11 @@
               </a:lnSpc>
             </a:pPr>
             <a:r>
-              <a:rPr b="0" lang="en-US" sz="1800" spc="-1" strike="noStrike">
+              <a:rPr lang="en-US" sz="1800" b="0" strike="noStrike" spc="-1" dirty="0">
                 <a:latin typeface="Arial"/>
               </a:rPr>
-              <a:t>&lt;ip&gt;</a:t>
+              <a:t>192.168.43.71</a:t>
             </a:r>
-            <a:endParaRPr b="0" lang="en-US" sz="1800" spc="-1" strike="noStrike">
-              <a:latin typeface="Arial"/>
-            </a:endParaRPr>
           </a:p>
         </p:txBody>
       </p:sp>
@@ -4069,35 +5282,39 @@
             <a:avLst/>
           </a:prstGeom>
           <a:solidFill>
-            <a:srgbClr val="729fcf"/>
+            <a:srgbClr val="729FCF"/>
           </a:solidFill>
           <a:ln>
             <a:solidFill>
-              <a:srgbClr val="3465a4"/>
+              <a:srgbClr val="3465A4"/>
             </a:solidFill>
           </a:ln>
         </p:spPr>
         <p:style>
-          <a:lnRef idx="0"/>
-          <a:fillRef idx="0"/>
-          <a:effectRef idx="0"/>
+          <a:lnRef idx="0">
+            <a:scrgbClr r="0" g="0" b="0"/>
+          </a:lnRef>
+          <a:fillRef idx="0">
+            <a:scrgbClr r="0" g="0" b="0"/>
+          </a:fillRef>
+          <a:effectRef idx="0">
+            <a:scrgbClr r="0" g="0" b="0"/>
+          </a:effectRef>
           <a:fontRef idx="minor"/>
         </p:style>
         <p:txBody>
-          <a:bodyPr wrap="none" lIns="90000" rIns="90000" tIns="45000" bIns="45000" anchor="ctr">
+          <a:bodyPr wrap="none" lIns="90000" tIns="45000" rIns="90000" bIns="45000" anchor="ctr">
             <a:noAutofit/>
           </a:bodyPr>
+          <a:lstStyle/>
           <a:p>
             <a:pPr algn="ctr"/>
             <a:r>
-              <a:rPr b="0" lang="en-US" sz="1800" spc="-1" strike="noStrike">
+              <a:rPr lang="en-US" sz="1800" b="0" strike="noStrike" spc="-1" dirty="0">
                 <a:latin typeface="Arial"/>
               </a:rPr>
               <a:t>me</a:t>
             </a:r>
-            <a:endParaRPr b="0" lang="en-US" sz="1800" spc="-1" strike="noStrike">
-              <a:latin typeface="Arial"/>
-            </a:endParaRPr>
           </a:p>
           <a:p>
             <a:pPr algn="ctr">
@@ -4106,14 +5323,11 @@
               </a:lnSpc>
             </a:pPr>
             <a:r>
-              <a:rPr b="0" lang="en-US" sz="1800" spc="-1" strike="noStrike">
+              <a:rPr lang="en-US" sz="1800" b="0" strike="noStrike" spc="-1" dirty="0">
                 <a:latin typeface="Arial"/>
               </a:rPr>
-              <a:t>&lt;mac&gt;</a:t>
+              <a:t>00:0c:29:d3:4c:66</a:t>
             </a:r>
-            <a:endParaRPr b="0" lang="en-US" sz="1800" spc="-1" strike="noStrike">
-              <a:latin typeface="Arial"/>
-            </a:endParaRPr>
           </a:p>
           <a:p>
             <a:pPr algn="ctr">
@@ -4122,27 +5336,19 @@
               </a:lnSpc>
             </a:pPr>
             <a:r>
-              <a:rPr b="0" lang="en-US" sz="1800" spc="-1" strike="noStrike">
+              <a:rPr lang="en-US" sz="1800" b="0" strike="noStrike" spc="-1" dirty="0">
                 <a:latin typeface="Arial"/>
               </a:rPr>
-              <a:t>&lt;ip&gt;</a:t>
+              <a:t>192.168.43.182</a:t>
             </a:r>
-            <a:endParaRPr b="0" lang="en-US" sz="1800" spc="-1" strike="noStrike">
-              <a:latin typeface="Arial"/>
-            </a:endParaRPr>
           </a:p>
         </p:txBody>
       </p:sp>
     </p:spTree>
   </p:cSld>
-  <mc:AlternateContent>
-    <mc:Choice Requires="p14">
-      <p:transition spd="slow" p14:dur="2000"/>
-    </mc:Choice>
-    <mc:Fallback>
-      <p:transition spd="slow"/>
-    </mc:Fallback>
-  </mc:AlternateContent>
+  <p:clrMapOvr>
+    <a:masterClrMapping/>
+  </p:clrMapOvr>
 </p:sld>
 </file>
 
@@ -4157,31 +5363,31 @@
         <a:sysClr val="window" lastClr="FFFFFF"/>
       </a:lt1>
       <a:dk2>
-        <a:srgbClr val="1f497d"/>
+        <a:srgbClr val="1F497D"/>
       </a:dk2>
       <a:lt2>
-        <a:srgbClr val="eeece1"/>
+        <a:srgbClr val="EEECE1"/>
       </a:lt2>
       <a:accent1>
-        <a:srgbClr val="4f81bd"/>
+        <a:srgbClr val="4F81BD"/>
       </a:accent1>
       <a:accent2>
-        <a:srgbClr val="c0504d"/>
+        <a:srgbClr val="C0504D"/>
       </a:accent2>
       <a:accent3>
-        <a:srgbClr val="9bbb59"/>
+        <a:srgbClr val="9BBB59"/>
       </a:accent3>
       <a:accent4>
-        <a:srgbClr val="8064a2"/>
+        <a:srgbClr val="8064A2"/>
       </a:accent4>
       <a:accent5>
-        <a:srgbClr val="4bacc6"/>
+        <a:srgbClr val="4BACC6"/>
       </a:accent5>
       <a:accent6>
-        <a:srgbClr val="f79646"/>
+        <a:srgbClr val="F79646"/>
       </a:accent6>
       <a:hlink>
-        <a:srgbClr val="0000ff"/>
+        <a:srgbClr val="0000FF"/>
       </a:hlink>
       <a:folHlink>
         <a:srgbClr val="800080"/>
@@ -4369,5 +5575,302 @@
       </a:bgFillStyleLst>
     </a:fmtScheme>
   </a:themeElements>
+  <a:objectDefaults/>
+  <a:extraClrSchemeLst/>
+</a:theme>
+</file>
+
+<file path=ppt/theme/theme2.xml><?xml version="1.0" encoding="utf-8"?>
+<a:theme xmlns:a="http://schemas.openxmlformats.org/drawingml/2006/main" name="Office 테마">
+  <a:themeElements>
+    <a:clrScheme name="Office">
+      <a:dk1>
+        <a:sysClr val="windowText" lastClr="000000"/>
+      </a:dk1>
+      <a:lt1>
+        <a:sysClr val="window" lastClr="FFFFFF"/>
+      </a:lt1>
+      <a:dk2>
+        <a:srgbClr val="44546A"/>
+      </a:dk2>
+      <a:lt2>
+        <a:srgbClr val="E7E6E6"/>
+      </a:lt2>
+      <a:accent1>
+        <a:srgbClr val="4472C4"/>
+      </a:accent1>
+      <a:accent2>
+        <a:srgbClr val="ED7D31"/>
+      </a:accent2>
+      <a:accent3>
+        <a:srgbClr val="A5A5A5"/>
+      </a:accent3>
+      <a:accent4>
+        <a:srgbClr val="FFC000"/>
+      </a:accent4>
+      <a:accent5>
+        <a:srgbClr val="5B9BD5"/>
+      </a:accent5>
+      <a:accent6>
+        <a:srgbClr val="70AD47"/>
+      </a:accent6>
+      <a:hlink>
+        <a:srgbClr val="0563C1"/>
+      </a:hlink>
+      <a:folHlink>
+        <a:srgbClr val="954F72"/>
+      </a:folHlink>
+    </a:clrScheme>
+    <a:fontScheme name="Office">
+      <a:majorFont>
+        <a:latin typeface="맑은 고딕" panose="020F0302020204030204"/>
+        <a:ea typeface=""/>
+        <a:cs typeface=""/>
+        <a:font script="Jpan" typeface="游ゴシック Light"/>
+        <a:font script="Hang" typeface="맑은 고딕"/>
+        <a:font script="Hans" typeface="等线 Light"/>
+        <a:font script="Hant" typeface="新細明體"/>
+        <a:font script="Arab" typeface="Times New Roman"/>
+        <a:font script="Hebr" typeface="Times New Roman"/>
+        <a:font script="Thai" typeface="Angsana New"/>
+        <a:font script="Ethi" typeface="Nyala"/>
+        <a:font script="Beng" typeface="Vrinda"/>
+        <a:font script="Gujr" typeface="Shruti"/>
+        <a:font script="Khmr" typeface="MoolBoran"/>
+        <a:font script="Knda" typeface="Tunga"/>
+        <a:font script="Guru" typeface="Raavi"/>
+        <a:font script="Cans" typeface="Euphemia"/>
+        <a:font script="Cher" typeface="Plantagenet Cherokee"/>
+        <a:font script="Yiii" typeface="Microsoft Yi Baiti"/>
+        <a:font script="Tibt" typeface="Microsoft Himalaya"/>
+        <a:font script="Thaa" typeface="MV Boli"/>
+        <a:font script="Deva" typeface="Mangal"/>
+        <a:font script="Telu" typeface="Gautami"/>
+        <a:font script="Taml" typeface="Latha"/>
+        <a:font script="Syrc" typeface="Estrangelo Edessa"/>
+        <a:font script="Orya" typeface="Kalinga"/>
+        <a:font script="Mlym" typeface="Kartika"/>
+        <a:font script="Laoo" typeface="DokChampa"/>
+        <a:font script="Sinh" typeface="Iskoola Pota"/>
+        <a:font script="Mong" typeface="Mongolian Baiti"/>
+        <a:font script="Viet" typeface="Times New Roman"/>
+        <a:font script="Uigh" typeface="Microsoft Uighur"/>
+        <a:font script="Geor" typeface="Sylfaen"/>
+        <a:font script="Armn" typeface="Arial"/>
+        <a:font script="Bugi" typeface="Leelawadee UI"/>
+        <a:font script="Bopo" typeface="Microsoft JhengHei"/>
+        <a:font script="Java" typeface="Javanese Text"/>
+        <a:font script="Lisu" typeface="Segoe UI"/>
+        <a:font script="Mymr" typeface="Myanmar Text"/>
+        <a:font script="Nkoo" typeface="Ebrima"/>
+        <a:font script="Olck" typeface="Nirmala UI"/>
+        <a:font script="Osma" typeface="Ebrima"/>
+        <a:font script="Phag" typeface="Phagspa"/>
+        <a:font script="Syrn" typeface="Estrangelo Edessa"/>
+        <a:font script="Syrj" typeface="Estrangelo Edessa"/>
+        <a:font script="Syre" typeface="Estrangelo Edessa"/>
+        <a:font script="Sora" typeface="Nirmala UI"/>
+        <a:font script="Tale" typeface="Microsoft Tai Le"/>
+        <a:font script="Talu" typeface="Microsoft New Tai Lue"/>
+        <a:font script="Tfng" typeface="Ebrima"/>
+      </a:majorFont>
+      <a:minorFont>
+        <a:latin typeface="맑은 고딕" panose="020F0502020204030204"/>
+        <a:ea typeface=""/>
+        <a:cs typeface=""/>
+        <a:font script="Jpan" typeface="游ゴシック"/>
+        <a:font script="Hang" typeface="맑은 고딕"/>
+        <a:font script="Hans" typeface="等线"/>
+        <a:font script="Hant" typeface="新細明體"/>
+        <a:font script="Arab" typeface="Arial"/>
+        <a:font script="Hebr" typeface="Arial"/>
+        <a:font script="Thai" typeface="Cordia New"/>
+        <a:font script="Ethi" typeface="Nyala"/>
+        <a:font script="Beng" typeface="Vrinda"/>
+        <a:font script="Gujr" typeface="Shruti"/>
+        <a:font script="Khmr" typeface="DaunPenh"/>
+        <a:font script="Knda" typeface="Tunga"/>
+        <a:font script="Guru" typeface="Raavi"/>
+        <a:font script="Cans" typeface="Euphemia"/>
+        <a:font script="Cher" typeface="Plantagenet Cherokee"/>
+        <a:font script="Yiii" typeface="Microsoft Yi Baiti"/>
+        <a:font script="Tibt" typeface="Microsoft Himalaya"/>
+        <a:font script="Thaa" typeface="MV Boli"/>
+        <a:font script="Deva" typeface="Mangal"/>
+        <a:font script="Telu" typeface="Gautami"/>
+        <a:font script="Taml" typeface="Latha"/>
+        <a:font script="Syrc" typeface="Estrangelo Edessa"/>
+        <a:font script="Orya" typeface="Kalinga"/>
+        <a:font script="Mlym" typeface="Kartika"/>
+        <a:font script="Laoo" typeface="DokChampa"/>
+        <a:font script="Sinh" typeface="Iskoola Pota"/>
+        <a:font script="Mong" typeface="Mongolian Baiti"/>
+        <a:font script="Viet" typeface="Arial"/>
+        <a:font script="Uigh" typeface="Microsoft Uighur"/>
+        <a:font script="Geor" typeface="Sylfaen"/>
+        <a:font script="Armn" typeface="Arial"/>
+        <a:font script="Bugi" typeface="Leelawadee UI"/>
+        <a:font script="Bopo" typeface="Microsoft JhengHei"/>
+        <a:font script="Java" typeface="Javanese Text"/>
+        <a:font script="Lisu" typeface="Segoe UI"/>
+        <a:font script="Mymr" typeface="Myanmar Text"/>
+        <a:font script="Nkoo" typeface="Ebrima"/>
+        <a:font script="Olck" typeface="Nirmala UI"/>
+        <a:font script="Osma" typeface="Ebrima"/>
+        <a:font script="Phag" typeface="Phagspa"/>
+        <a:font script="Syrn" typeface="Estrangelo Edessa"/>
+        <a:font script="Syrj" typeface="Estrangelo Edessa"/>
+        <a:font script="Syre" typeface="Estrangelo Edessa"/>
+        <a:font script="Sora" typeface="Nirmala UI"/>
+        <a:font script="Tale" typeface="Microsoft Tai Le"/>
+        <a:font script="Talu" typeface="Microsoft New Tai Lue"/>
+        <a:font script="Tfng" typeface="Ebrima"/>
+      </a:minorFont>
+    </a:fontScheme>
+    <a:fmtScheme name="Office">
+      <a:fillStyleLst>
+        <a:solidFill>
+          <a:schemeClr val="phClr"/>
+        </a:solidFill>
+        <a:gradFill rotWithShape="1">
+          <a:gsLst>
+            <a:gs pos="0">
+              <a:schemeClr val="phClr">
+                <a:lumMod val="110000"/>
+                <a:satMod val="105000"/>
+                <a:tint val="67000"/>
+              </a:schemeClr>
+            </a:gs>
+            <a:gs pos="50000">
+              <a:schemeClr val="phClr">
+                <a:lumMod val="105000"/>
+                <a:satMod val="103000"/>
+                <a:tint val="73000"/>
+              </a:schemeClr>
+            </a:gs>
+            <a:gs pos="100000">
+              <a:schemeClr val="phClr">
+                <a:lumMod val="105000"/>
+                <a:satMod val="109000"/>
+                <a:tint val="81000"/>
+              </a:schemeClr>
+            </a:gs>
+          </a:gsLst>
+          <a:lin ang="5400000" scaled="0"/>
+        </a:gradFill>
+        <a:gradFill rotWithShape="1">
+          <a:gsLst>
+            <a:gs pos="0">
+              <a:schemeClr val="phClr">
+                <a:satMod val="103000"/>
+                <a:lumMod val="102000"/>
+                <a:tint val="94000"/>
+              </a:schemeClr>
+            </a:gs>
+            <a:gs pos="50000">
+              <a:schemeClr val="phClr">
+                <a:satMod val="110000"/>
+                <a:lumMod val="100000"/>
+                <a:shade val="100000"/>
+              </a:schemeClr>
+            </a:gs>
+            <a:gs pos="100000">
+              <a:schemeClr val="phClr">
+                <a:lumMod val="99000"/>
+                <a:satMod val="120000"/>
+                <a:shade val="78000"/>
+              </a:schemeClr>
+            </a:gs>
+          </a:gsLst>
+          <a:lin ang="5400000" scaled="0"/>
+        </a:gradFill>
+      </a:fillStyleLst>
+      <a:lnStyleLst>
+        <a:ln w="6350" cap="flat" cmpd="sng" algn="ctr">
+          <a:solidFill>
+            <a:schemeClr val="phClr"/>
+          </a:solidFill>
+          <a:prstDash val="solid"/>
+          <a:miter lim="800000"/>
+        </a:ln>
+        <a:ln w="12700" cap="flat" cmpd="sng" algn="ctr">
+          <a:solidFill>
+            <a:schemeClr val="phClr"/>
+          </a:solidFill>
+          <a:prstDash val="solid"/>
+          <a:miter lim="800000"/>
+        </a:ln>
+        <a:ln w="19050" cap="flat" cmpd="sng" algn="ctr">
+          <a:solidFill>
+            <a:schemeClr val="phClr"/>
+          </a:solidFill>
+          <a:prstDash val="solid"/>
+          <a:miter lim="800000"/>
+        </a:ln>
+      </a:lnStyleLst>
+      <a:effectStyleLst>
+        <a:effectStyle>
+          <a:effectLst/>
+        </a:effectStyle>
+        <a:effectStyle>
+          <a:effectLst/>
+        </a:effectStyle>
+        <a:effectStyle>
+          <a:effectLst>
+            <a:outerShdw blurRad="57150" dist="19050" dir="5400000" algn="ctr" rotWithShape="0">
+              <a:srgbClr val="000000">
+                <a:alpha val="63000"/>
+              </a:srgbClr>
+            </a:outerShdw>
+          </a:effectLst>
+        </a:effectStyle>
+      </a:effectStyleLst>
+      <a:bgFillStyleLst>
+        <a:solidFill>
+          <a:schemeClr val="phClr"/>
+        </a:solidFill>
+        <a:solidFill>
+          <a:schemeClr val="phClr">
+            <a:tint val="95000"/>
+            <a:satMod val="170000"/>
+          </a:schemeClr>
+        </a:solidFill>
+        <a:gradFill rotWithShape="1">
+          <a:gsLst>
+            <a:gs pos="0">
+              <a:schemeClr val="phClr">
+                <a:tint val="93000"/>
+                <a:satMod val="150000"/>
+                <a:shade val="98000"/>
+                <a:lumMod val="102000"/>
+              </a:schemeClr>
+            </a:gs>
+            <a:gs pos="50000">
+              <a:schemeClr val="phClr">
+                <a:tint val="98000"/>
+                <a:satMod val="130000"/>
+                <a:shade val="90000"/>
+                <a:lumMod val="103000"/>
+              </a:schemeClr>
+            </a:gs>
+            <a:gs pos="100000">
+              <a:schemeClr val="phClr">
+                <a:shade val="63000"/>
+                <a:satMod val="120000"/>
+              </a:schemeClr>
+            </a:gs>
+          </a:gsLst>
+          <a:lin ang="5400000" scaled="0"/>
+        </a:gradFill>
+      </a:bgFillStyleLst>
+    </a:fmtScheme>
+  </a:themeElements>
+  <a:objectDefaults/>
+  <a:extraClrSchemeLst/>
+  <a:extLst>
+    <a:ext uri="{05A4C25C-085E-4340-85A3-A5531E510DB2}">
+      <thm15:themeFamily xmlns:thm15="http://schemas.microsoft.com/office/thememl/2012/main" name="Office Theme" id="{62F939B6-93AF-4DB8-9C6B-D6C7DFDC589F}" vid="{4A3C46E8-61CC-4603-A589-7422A47A8E4A}"/>
+    </a:ext>
+  </a:extLst>
 </a:theme>
 </file>